--- a/TVCHH/TVCHH 194 - Hãy Đếm Các Phước Chúa Ban (TC 674).pptx
+++ b/TVCHH/TVCHH 194 - Hãy Đếm Các Phước Chúa Ban (TC 674).pptx
@@ -186,10 +186,9 @@
           <a:lstStyle/>
           <a:p>
             <a:r>
-              <a:rPr lang="en-US" smtClean="0"/>
+              <a:rPr lang="en-US"/>
               <a:t>Click to edit Master title style</a:t>
             </a:r>
-            <a:endParaRPr lang="en-US"/>
           </a:p>
         </p:txBody>
       </p:sp>
@@ -305,10 +304,9 @@
           </a:lstStyle>
           <a:p>
             <a:r>
-              <a:rPr lang="en-US" smtClean="0"/>
+              <a:rPr lang="en-US"/>
               <a:t>Click to edit Master subtitle style</a:t>
             </a:r>
-            <a:endParaRPr lang="en-US"/>
           </a:p>
         </p:txBody>
       </p:sp>
@@ -336,7 +334,7 @@
                 </a:solidFill>
               </a:rPr>
               <a:pPr/>
-              <a:t>6/7/2013</a:t>
+              <a:t>9/28/19</a:t>
             </a:fld>
             <a:endParaRPr lang="en-US">
               <a:solidFill>
@@ -460,10 +458,9 @@
           <a:lstStyle/>
           <a:p>
             <a:r>
-              <a:rPr lang="en-US" smtClean="0"/>
+              <a:rPr lang="en-US"/>
               <a:t>Click to edit Master title style</a:t>
             </a:r>
-            <a:endParaRPr lang="en-US"/>
           </a:p>
         </p:txBody>
       </p:sp>
@@ -579,10 +576,9 @@
           </a:lstStyle>
           <a:p>
             <a:r>
-              <a:rPr lang="en-US" smtClean="0"/>
+              <a:rPr lang="en-US"/>
               <a:t>Click to edit Master subtitle style</a:t>
             </a:r>
-            <a:endParaRPr lang="en-US"/>
           </a:p>
         </p:txBody>
       </p:sp>
@@ -610,7 +606,7 @@
                 </a:solidFill>
               </a:rPr>
               <a:pPr/>
-              <a:t>6/7/2013</a:t>
+              <a:t>9/28/19</a:t>
             </a:fld>
             <a:endParaRPr lang="en-US">
               <a:solidFill>
@@ -753,10 +749,9 @@
           <a:lstStyle/>
           <a:p>
             <a:r>
-              <a:rPr lang="en-US" smtClean="0"/>
+              <a:rPr lang="en-US"/>
               <a:t>Click to edit Master title style</a:t>
             </a:r>
-            <a:endParaRPr lang="en-US"/>
           </a:p>
         </p:txBody>
       </p:sp>
@@ -787,38 +782,37 @@
           <a:p>
             <a:pPr lvl="0"/>
             <a:r>
-              <a:rPr lang="en-US" smtClean="0"/>
+              <a:rPr lang="en-US"/>
               <a:t>Click to edit Master text styles</a:t>
             </a:r>
           </a:p>
           <a:p>
             <a:pPr lvl="1"/>
             <a:r>
-              <a:rPr lang="en-US" smtClean="0"/>
+              <a:rPr lang="en-US"/>
               <a:t>Second level</a:t>
             </a:r>
           </a:p>
           <a:p>
             <a:pPr lvl="2"/>
             <a:r>
-              <a:rPr lang="en-US" smtClean="0"/>
+              <a:rPr lang="en-US"/>
               <a:t>Third level</a:t>
             </a:r>
           </a:p>
           <a:p>
             <a:pPr lvl="3"/>
             <a:r>
-              <a:rPr lang="en-US" smtClean="0"/>
+              <a:rPr lang="en-US"/>
               <a:t>Fourth level</a:t>
             </a:r>
           </a:p>
           <a:p>
             <a:pPr lvl="4"/>
             <a:r>
-              <a:rPr lang="en-US" smtClean="0"/>
+              <a:rPr lang="en-US"/>
               <a:t>Fifth level</a:t>
             </a:r>
-            <a:endParaRPr lang="en-US"/>
           </a:p>
         </p:txBody>
       </p:sp>
@@ -864,7 +858,7 @@
                 </a:solidFill>
               </a:rPr>
               <a:pPr/>
-              <a:t>6/7/2013</a:t>
+              <a:t>9/28/19</a:t>
             </a:fld>
             <a:endParaRPr lang="en-US">
               <a:solidFill>
@@ -1294,10 +1288,9 @@
           <a:lstStyle/>
           <a:p>
             <a:r>
-              <a:rPr lang="en-US" smtClean="0"/>
+              <a:rPr lang="en-US"/>
               <a:t>Click to edit Master title style</a:t>
             </a:r>
-            <a:endParaRPr lang="en-US"/>
           </a:p>
         </p:txBody>
       </p:sp>
@@ -1328,38 +1321,37 @@
           <a:p>
             <a:pPr lvl="0"/>
             <a:r>
-              <a:rPr lang="en-US" smtClean="0"/>
+              <a:rPr lang="en-US"/>
               <a:t>Click to edit Master text styles</a:t>
             </a:r>
           </a:p>
           <a:p>
             <a:pPr lvl="1"/>
             <a:r>
-              <a:rPr lang="en-US" smtClean="0"/>
+              <a:rPr lang="en-US"/>
               <a:t>Second level</a:t>
             </a:r>
           </a:p>
           <a:p>
             <a:pPr lvl="2"/>
             <a:r>
-              <a:rPr lang="en-US" smtClean="0"/>
+              <a:rPr lang="en-US"/>
               <a:t>Third level</a:t>
             </a:r>
           </a:p>
           <a:p>
             <a:pPr lvl="3"/>
             <a:r>
-              <a:rPr lang="en-US" smtClean="0"/>
+              <a:rPr lang="en-US"/>
               <a:t>Fourth level</a:t>
             </a:r>
           </a:p>
           <a:p>
             <a:pPr lvl="4"/>
             <a:r>
-              <a:rPr lang="en-US" smtClean="0"/>
+              <a:rPr lang="en-US"/>
               <a:t>Fifth level</a:t>
             </a:r>
-            <a:endParaRPr lang="en-US"/>
           </a:p>
         </p:txBody>
       </p:sp>
@@ -1405,7 +1397,7 @@
                 </a:solidFill>
               </a:rPr>
               <a:pPr/>
-              <a:t>6/7/2013</a:t>
+              <a:t>9/28/19</a:t>
             </a:fld>
             <a:endParaRPr lang="en-US">
               <a:solidFill>
@@ -1850,12 +1842,12 @@
                     </a:srgbClr>
                   </a:outerShdw>
                 </a:effectLst>
-                <a:latin typeface="VNI-Garam" pitchFamily="34" charset="0"/>
+                <a:latin typeface="VNI-Times" pitchFamily="2" charset="0"/>
               </a:rPr>
               <a:t>HAÕY ÑEÁM </a:t>
             </a:r>
-            <a:r>
-              <a:rPr lang="en-US" sz="8000" b="1" spc="50">
+            <a:br>
+              <a:rPr lang="en-US" sz="8000" b="1" spc="50" dirty="0">
                 <a:ln w="11430"/>
                 <a:solidFill>
                   <a:srgbClr val="FFFF00"/>
@@ -1872,12 +1864,11 @@
                     </a:srgbClr>
                   </a:outerShdw>
                 </a:effectLst>
-                <a:latin typeface="VNI-Garam" pitchFamily="34" charset="0"/>
-              </a:rPr>
-              <a:t/>
-            </a:r>
-            <a:br>
-              <a:rPr lang="en-US" sz="8000" b="1" spc="50">
+                <a:latin typeface="VNI-Times" pitchFamily="2" charset="0"/>
+              </a:rPr>
+            </a:br>
+            <a:r>
+              <a:rPr lang="en-US" sz="8000" b="1" spc="50" dirty="0">
                 <a:ln w="11430"/>
                 <a:solidFill>
                   <a:srgbClr val="FFFF00"/>
@@ -1894,52 +1885,9 @@
                     </a:srgbClr>
                   </a:outerShdw>
                 </a:effectLst>
-                <a:latin typeface="VNI-Garam" pitchFamily="34" charset="0"/>
-              </a:rPr>
-            </a:br>
-            <a:r>
-              <a:rPr lang="en-US" sz="8000" b="1" spc="50" smtClean="0">
-                <a:ln w="11430"/>
-                <a:solidFill>
-                  <a:srgbClr val="FFFF00"/>
-                </a:solidFill>
-                <a:effectLst>
-                  <a:glow rad="101600">
-                    <a:prstClr val="black">
-                      <a:alpha val="60000"/>
-                    </a:prstClr>
-                  </a:glow>
-                  <a:outerShdw blurRad="76200" dist="50800" dir="5400000" algn="tl" rotWithShape="0">
-                    <a:srgbClr val="000000">
-                      <a:alpha val="65000"/>
-                    </a:srgbClr>
-                  </a:outerShdw>
-                </a:effectLst>
-                <a:latin typeface="VNI-Garam" pitchFamily="34" charset="0"/>
-              </a:rPr>
-              <a:t>CAÙC PHÖÔÙC </a:t>
-            </a:r>
-            <a:r>
-              <a:rPr lang="en-US" sz="8000" b="1" spc="50" dirty="0">
-                <a:ln w="11430"/>
-                <a:solidFill>
-                  <a:srgbClr val="FFFF00"/>
-                </a:solidFill>
-                <a:effectLst>
-                  <a:glow rad="101600">
-                    <a:prstClr val="black">
-                      <a:alpha val="60000"/>
-                    </a:prstClr>
-                  </a:glow>
-                  <a:outerShdw blurRad="76200" dist="50800" dir="5400000" algn="tl" rotWithShape="0">
-                    <a:srgbClr val="000000">
-                      <a:alpha val="65000"/>
-                    </a:srgbClr>
-                  </a:outerShdw>
-                </a:effectLst>
-                <a:latin typeface="VNI-Garam" pitchFamily="34" charset="0"/>
-              </a:rPr>
-              <a:t>CHUÙA BAN</a:t>
+                <a:latin typeface="VNI-Times" pitchFamily="2" charset="0"/>
+              </a:rPr>
+              <a:t>CAÙC PHÖÔÙC CHUÙA BAN</a:t>
             </a:r>
           </a:p>
         </p:txBody>
@@ -1982,64 +1930,10 @@
                     </a:prstClr>
                   </a:glow>
                 </a:effectLst>
-                <a:latin typeface="VNI-Eurasia" pitchFamily="2" charset="0"/>
-              </a:rPr>
-              <a:t>TOÂN VINH CHUÙA </a:t>
-            </a:r>
-            <a:r>
-              <a:rPr lang="en-US" sz="3500" b="1">
-                <a:solidFill>
-                  <a:prstClr val="black">
-                    <a:lumMod val="95000"/>
-                    <a:lumOff val="5000"/>
-                  </a:prstClr>
-                </a:solidFill>
-                <a:effectLst>
-                  <a:glow rad="101600">
-                    <a:prstClr val="white">
-                      <a:alpha val="60000"/>
-                    </a:prstClr>
-                  </a:glow>
-                </a:effectLst>
-                <a:latin typeface="VNI-Eurasia" pitchFamily="2" charset="0"/>
-              </a:rPr>
-              <a:t>– </a:t>
-            </a:r>
-            <a:r>
-              <a:rPr lang="en-US" sz="3500" b="1" smtClean="0">
-                <a:solidFill>
-                  <a:prstClr val="black">
-                    <a:lumMod val="95000"/>
-                    <a:lumOff val="5000"/>
-                  </a:prstClr>
-                </a:solidFill>
-                <a:effectLst>
-                  <a:glow rad="101600">
-                    <a:prstClr val="white">
-                      <a:alpha val="60000"/>
-                    </a:prstClr>
-                  </a:glow>
-                </a:effectLst>
-                <a:latin typeface="VNI-Eurasia" pitchFamily="2" charset="0"/>
-              </a:rPr>
-              <a:t>BIEÄT THAÙNH CA</a:t>
-            </a:r>
-            <a:endParaRPr lang="en-US" sz="3500" b="1" dirty="0">
-              <a:solidFill>
-                <a:prstClr val="black">
-                  <a:lumMod val="95000"/>
-                  <a:lumOff val="5000"/>
-                </a:prstClr>
-              </a:solidFill>
-              <a:effectLst>
-                <a:glow rad="101600">
-                  <a:prstClr val="white">
-                    <a:alpha val="60000"/>
-                  </a:prstClr>
-                </a:glow>
-              </a:effectLst>
-              <a:latin typeface="VNI-Eurasia" pitchFamily="2" charset="0"/>
-            </a:endParaRPr>
+                <a:latin typeface="VNI-Times" pitchFamily="2" charset="0"/>
+              </a:rPr>
+              <a:t>TOÂN VINH CHUÙA – BIEÄT THAÙNH CA</a:t>
+            </a:r>
           </a:p>
         </p:txBody>
       </p:sp>
@@ -2065,13 +1959,6 @@
       </p:transition>
     </mc:Fallback>
   </mc:AlternateContent>
-  <p:timing>
-    <p:tnLst>
-      <p:par>
-        <p:cTn id="1" dur="indefinite" restart="never" nodeType="tmRoot"/>
-      </p:par>
-    </p:tnLst>
-  </p:timing>
 </p:sld>
 </file>
 
@@ -2127,7 +2014,7 @@
                     </a:prstClr>
                   </a:glow>
                 </a:effectLst>
-                <a:latin typeface="VNI-Aptima" pitchFamily="2" charset="0"/>
+                <a:latin typeface="VNI-Times" pitchFamily="2" charset="0"/>
               </a:rPr>
               <a:t>2. </a:t>
             </a:r>
@@ -2143,7 +2030,7 @@
                     </a:prstClr>
                   </a:glow>
                 </a:effectLst>
-                <a:latin typeface="VNI-Aptima" pitchFamily="2" charset="0"/>
+                <a:latin typeface="VNI-Times" pitchFamily="2" charset="0"/>
               </a:rPr>
               <a:t>Khi</a:t>
             </a:r>
@@ -2159,23 +2046,23 @@
                     </a:prstClr>
                   </a:glow>
                 </a:effectLst>
-                <a:latin typeface="VNI-Aptima" pitchFamily="2" charset="0"/>
-              </a:rPr>
-              <a:t> </a:t>
-            </a:r>
-            <a:r>
-              <a:rPr lang="en-US" sz="6600" b="1" dirty="0" err="1">
-                <a:solidFill>
-                  <a:prstClr val="black"/>
-                </a:solidFill>
-                <a:effectLst>
-                  <a:glow rad="101600">
-                    <a:prstClr val="white">
-                      <a:alpha val="60000"/>
-                    </a:prstClr>
-                  </a:glow>
-                </a:effectLst>
-                <a:latin typeface="VNI-Aptima" pitchFamily="2" charset="0"/>
+                <a:latin typeface="VNI-Times" pitchFamily="2" charset="0"/>
+              </a:rPr>
+              <a:t> </a:t>
+            </a:r>
+            <a:r>
+              <a:rPr lang="en-US" sz="6600" b="1" dirty="0" err="1">
+                <a:solidFill>
+                  <a:prstClr val="black"/>
+                </a:solidFill>
+                <a:effectLst>
+                  <a:glow rad="101600">
+                    <a:prstClr val="white">
+                      <a:alpha val="60000"/>
+                    </a:prstClr>
+                  </a:glow>
+                </a:effectLst>
+                <a:latin typeface="VNI-Times" pitchFamily="2" charset="0"/>
               </a:rPr>
               <a:t>anh</a:t>
             </a:r>
@@ -2191,23 +2078,23 @@
                     </a:prstClr>
                   </a:glow>
                 </a:effectLst>
-                <a:latin typeface="VNI-Aptima" pitchFamily="2" charset="0"/>
-              </a:rPr>
-              <a:t> </a:t>
-            </a:r>
-            <a:r>
-              <a:rPr lang="en-US" sz="6600" b="1" dirty="0" err="1">
-                <a:solidFill>
-                  <a:prstClr val="black"/>
-                </a:solidFill>
-                <a:effectLst>
-                  <a:glow rad="101600">
-                    <a:prstClr val="white">
-                      <a:alpha val="60000"/>
-                    </a:prstClr>
-                  </a:glow>
-                </a:effectLst>
-                <a:latin typeface="VNI-Aptima" pitchFamily="2" charset="0"/>
+                <a:latin typeface="VNI-Times" pitchFamily="2" charset="0"/>
+              </a:rPr>
+              <a:t> </a:t>
+            </a:r>
+            <a:r>
+              <a:rPr lang="en-US" sz="6600" b="1" dirty="0" err="1">
+                <a:solidFill>
+                  <a:prstClr val="black"/>
+                </a:solidFill>
+                <a:effectLst>
+                  <a:glow rad="101600">
+                    <a:prstClr val="white">
+                      <a:alpha val="60000"/>
+                    </a:prstClr>
+                  </a:glow>
+                </a:effectLst>
+                <a:latin typeface="VNI-Times" pitchFamily="2" charset="0"/>
               </a:rPr>
               <a:t>ñang</a:t>
             </a:r>
@@ -2223,23 +2110,23 @@
                     </a:prstClr>
                   </a:glow>
                 </a:effectLst>
-                <a:latin typeface="VNI-Aptima" pitchFamily="2" charset="0"/>
-              </a:rPr>
-              <a:t> </a:t>
-            </a:r>
-            <a:r>
-              <a:rPr lang="en-US" sz="6600" b="1" dirty="0" err="1">
-                <a:solidFill>
-                  <a:prstClr val="black"/>
-                </a:solidFill>
-                <a:effectLst>
-                  <a:glow rad="101600">
-                    <a:prstClr val="white">
-                      <a:alpha val="60000"/>
-                    </a:prstClr>
-                  </a:glow>
-                </a:effectLst>
-                <a:latin typeface="VNI-Aptima" pitchFamily="2" charset="0"/>
+                <a:latin typeface="VNI-Times" pitchFamily="2" charset="0"/>
+              </a:rPr>
+              <a:t> </a:t>
+            </a:r>
+            <a:r>
+              <a:rPr lang="en-US" sz="6600" b="1" dirty="0" err="1">
+                <a:solidFill>
+                  <a:prstClr val="black"/>
+                </a:solidFill>
+                <a:effectLst>
+                  <a:glow rad="101600">
+                    <a:prstClr val="white">
+                      <a:alpha val="60000"/>
+                    </a:prstClr>
+                  </a:glow>
+                </a:effectLst>
+                <a:latin typeface="VNI-Times" pitchFamily="2" charset="0"/>
               </a:rPr>
               <a:t>meâ</a:t>
             </a:r>
@@ -2255,23 +2142,23 @@
                     </a:prstClr>
                   </a:glow>
                 </a:effectLst>
-                <a:latin typeface="VNI-Aptima" pitchFamily="2" charset="0"/>
-              </a:rPr>
-              <a:t> </a:t>
-            </a:r>
-            <a:r>
-              <a:rPr lang="en-US" sz="6600" b="1" dirty="0" err="1">
-                <a:solidFill>
-                  <a:prstClr val="black"/>
-                </a:solidFill>
-                <a:effectLst>
-                  <a:glow rad="101600">
-                    <a:prstClr val="white">
-                      <a:alpha val="60000"/>
-                    </a:prstClr>
-                  </a:glow>
-                </a:effectLst>
-                <a:latin typeface="VNI-Aptima" pitchFamily="2" charset="0"/>
+                <a:latin typeface="VNI-Times" pitchFamily="2" charset="0"/>
+              </a:rPr>
+              <a:t> </a:t>
+            </a:r>
+            <a:r>
+              <a:rPr lang="en-US" sz="6600" b="1" dirty="0" err="1">
+                <a:solidFill>
+                  <a:prstClr val="black"/>
+                </a:solidFill>
+                <a:effectLst>
+                  <a:glow rad="101600">
+                    <a:prstClr val="white">
+                      <a:alpha val="60000"/>
+                    </a:prstClr>
+                  </a:glow>
+                </a:effectLst>
+                <a:latin typeface="VNI-Times" pitchFamily="2" charset="0"/>
               </a:rPr>
               <a:t>moûi</a:t>
             </a:r>
@@ -2287,23 +2174,23 @@
                     </a:prstClr>
                   </a:glow>
                 </a:effectLst>
-                <a:latin typeface="VNI-Aptima" pitchFamily="2" charset="0"/>
-              </a:rPr>
-              <a:t> </a:t>
-            </a:r>
-            <a:r>
-              <a:rPr lang="en-US" sz="6600" b="1" dirty="0" err="1">
-                <a:solidFill>
-                  <a:prstClr val="black"/>
-                </a:solidFill>
-                <a:effectLst>
-                  <a:glow rad="101600">
-                    <a:prstClr val="white">
-                      <a:alpha val="60000"/>
-                    </a:prstClr>
-                  </a:glow>
-                </a:effectLst>
-                <a:latin typeface="VNI-Aptima" pitchFamily="2" charset="0"/>
+                <a:latin typeface="VNI-Times" pitchFamily="2" charset="0"/>
+              </a:rPr>
+              <a:t> </a:t>
+            </a:r>
+            <a:r>
+              <a:rPr lang="en-US" sz="6600" b="1" dirty="0" err="1">
+                <a:solidFill>
+                  <a:prstClr val="black"/>
+                </a:solidFill>
+                <a:effectLst>
+                  <a:glow rad="101600">
+                    <a:prstClr val="white">
+                      <a:alpha val="60000"/>
+                    </a:prstClr>
+                  </a:glow>
+                </a:effectLst>
+                <a:latin typeface="VNI-Times" pitchFamily="2" charset="0"/>
               </a:rPr>
               <a:t>bôûi</a:t>
             </a:r>
@@ -2319,23 +2206,23 @@
                     </a:prstClr>
                   </a:glow>
                 </a:effectLst>
-                <a:latin typeface="VNI-Aptima" pitchFamily="2" charset="0"/>
-              </a:rPr>
-              <a:t> </a:t>
-            </a:r>
-            <a:r>
-              <a:rPr lang="en-US" sz="6600" b="1" dirty="0" err="1">
-                <a:solidFill>
-                  <a:prstClr val="black"/>
-                </a:solidFill>
-                <a:effectLst>
-                  <a:glow rad="101600">
-                    <a:prstClr val="white">
-                      <a:alpha val="60000"/>
-                    </a:prstClr>
-                  </a:glow>
-                </a:effectLst>
-                <a:latin typeface="VNI-Aptima" pitchFamily="2" charset="0"/>
+                <a:latin typeface="VNI-Times" pitchFamily="2" charset="0"/>
+              </a:rPr>
+              <a:t> </a:t>
+            </a:r>
+            <a:r>
+              <a:rPr lang="en-US" sz="6600" b="1" dirty="0" err="1">
+                <a:solidFill>
+                  <a:prstClr val="black"/>
+                </a:solidFill>
+                <a:effectLst>
+                  <a:glow rad="101600">
+                    <a:prstClr val="white">
+                      <a:alpha val="60000"/>
+                    </a:prstClr>
+                  </a:glow>
+                </a:effectLst>
+                <a:latin typeface="VNI-Times" pitchFamily="2" charset="0"/>
               </a:rPr>
               <a:t>gaùnh</a:t>
             </a:r>
@@ -2351,23 +2238,23 @@
                     </a:prstClr>
                   </a:glow>
                 </a:effectLst>
-                <a:latin typeface="VNI-Aptima" pitchFamily="2" charset="0"/>
-              </a:rPr>
-              <a:t> </a:t>
-            </a:r>
-            <a:r>
-              <a:rPr lang="en-US" sz="6600" b="1" dirty="0" err="1">
-                <a:solidFill>
-                  <a:prstClr val="black"/>
-                </a:solidFill>
-                <a:effectLst>
-                  <a:glow rad="101600">
-                    <a:prstClr val="white">
-                      <a:alpha val="60000"/>
-                    </a:prstClr>
-                  </a:glow>
-                </a:effectLst>
-                <a:latin typeface="VNI-Aptima" pitchFamily="2" charset="0"/>
+                <a:latin typeface="VNI-Times" pitchFamily="2" charset="0"/>
+              </a:rPr>
+              <a:t> </a:t>
+            </a:r>
+            <a:r>
+              <a:rPr lang="en-US" sz="6600" b="1" dirty="0" err="1">
+                <a:solidFill>
+                  <a:prstClr val="black"/>
+                </a:solidFill>
+                <a:effectLst>
+                  <a:glow rad="101600">
+                    <a:prstClr val="white">
+                      <a:alpha val="60000"/>
+                    </a:prstClr>
+                  </a:glow>
+                </a:effectLst>
+                <a:latin typeface="VNI-Times" pitchFamily="2" charset="0"/>
               </a:rPr>
               <a:t>naëng</a:t>
             </a:r>
@@ -2383,23 +2270,23 @@
                     </a:prstClr>
                   </a:glow>
                 </a:effectLst>
-                <a:latin typeface="VNI-Aptima" pitchFamily="2" charset="0"/>
-              </a:rPr>
-              <a:t> </a:t>
-            </a:r>
-            <a:r>
-              <a:rPr lang="en-US" sz="6600" b="1" dirty="0" err="1">
-                <a:solidFill>
-                  <a:prstClr val="black"/>
-                </a:solidFill>
-                <a:effectLst>
-                  <a:glow rad="101600">
-                    <a:prstClr val="white">
-                      <a:alpha val="60000"/>
-                    </a:prstClr>
-                  </a:glow>
-                </a:effectLst>
-                <a:latin typeface="VNI-Aptima" pitchFamily="2" charset="0"/>
+                <a:latin typeface="VNI-Times" pitchFamily="2" charset="0"/>
+              </a:rPr>
+              <a:t> </a:t>
+            </a:r>
+            <a:r>
+              <a:rPr lang="en-US" sz="6600" b="1" dirty="0" err="1">
+                <a:solidFill>
+                  <a:prstClr val="black"/>
+                </a:solidFill>
+                <a:effectLst>
+                  <a:glow rad="101600">
+                    <a:prstClr val="white">
+                      <a:alpha val="60000"/>
+                    </a:prstClr>
+                  </a:glow>
+                </a:effectLst>
+                <a:latin typeface="VNI-Times" pitchFamily="2" charset="0"/>
               </a:rPr>
               <a:t>treân</a:t>
             </a:r>
@@ -2415,23 +2302,23 @@
                     </a:prstClr>
                   </a:glow>
                 </a:effectLst>
-                <a:latin typeface="VNI-Aptima" pitchFamily="2" charset="0"/>
-              </a:rPr>
-              <a:t> </a:t>
-            </a:r>
-            <a:r>
-              <a:rPr lang="en-US" sz="6600" b="1" dirty="0" err="1">
-                <a:solidFill>
-                  <a:prstClr val="black"/>
-                </a:solidFill>
-                <a:effectLst>
-                  <a:glow rad="101600">
-                    <a:prstClr val="white">
-                      <a:alpha val="60000"/>
-                    </a:prstClr>
-                  </a:glow>
-                </a:effectLst>
-                <a:latin typeface="VNI-Aptima" pitchFamily="2" charset="0"/>
+                <a:latin typeface="VNI-Times" pitchFamily="2" charset="0"/>
+              </a:rPr>
+              <a:t> </a:t>
+            </a:r>
+            <a:r>
+              <a:rPr lang="en-US" sz="6600" b="1" dirty="0" err="1">
+                <a:solidFill>
+                  <a:prstClr val="black"/>
+                </a:solidFill>
+                <a:effectLst>
+                  <a:glow rad="101600">
+                    <a:prstClr val="white">
+                      <a:alpha val="60000"/>
+                    </a:prstClr>
+                  </a:glow>
+                </a:effectLst>
+                <a:latin typeface="VNI-Times" pitchFamily="2" charset="0"/>
               </a:rPr>
               <a:t>ñôøi</a:t>
             </a:r>
@@ -2447,23 +2334,23 @@
                     </a:prstClr>
                   </a:glow>
                 </a:effectLst>
-                <a:latin typeface="VNI-Aptima" pitchFamily="2" charset="0"/>
-              </a:rPr>
-              <a:t> </a:t>
-            </a:r>
-            <a:r>
-              <a:rPr lang="en-US" sz="6600" b="1" dirty="0" err="1">
-                <a:solidFill>
-                  <a:prstClr val="black"/>
-                </a:solidFill>
-                <a:effectLst>
-                  <a:glow rad="101600">
-                    <a:prstClr val="white">
-                      <a:alpha val="60000"/>
-                    </a:prstClr>
-                  </a:glow>
-                </a:effectLst>
-                <a:latin typeface="VNI-Aptima" pitchFamily="2" charset="0"/>
+                <a:latin typeface="VNI-Times" pitchFamily="2" charset="0"/>
+              </a:rPr>
+              <a:t> </a:t>
+            </a:r>
+            <a:r>
+              <a:rPr lang="en-US" sz="6600" b="1" dirty="0" err="1">
+                <a:solidFill>
+                  <a:prstClr val="black"/>
+                </a:solidFill>
+                <a:effectLst>
+                  <a:glow rad="101600">
+                    <a:prstClr val="white">
+                      <a:alpha val="60000"/>
+                    </a:prstClr>
+                  </a:glow>
+                </a:effectLst>
+                <a:latin typeface="VNI-Times" pitchFamily="2" charset="0"/>
               </a:rPr>
               <a:t>chaêng</a:t>
             </a:r>
@@ -2479,7 +2366,7 @@
                     </a:prstClr>
                   </a:glow>
                 </a:effectLst>
-                <a:latin typeface="VNI-Aptima" pitchFamily="2" charset="0"/>
+                <a:latin typeface="VNI-Times" pitchFamily="2" charset="0"/>
               </a:rPr>
               <a:t>? </a:t>
             </a:r>
@@ -2535,10 +2422,11 @@
           </a:lstStyle>
           <a:p>
             <a:r>
-              <a:rPr lang="en-US" smtClean="0"/>
+              <a:rPr lang="en-US" dirty="0">
+                <a:latin typeface="VNI-Times" pitchFamily="2" charset="0"/>
+              </a:rPr>
               <a:t>HAÕY ÑEÁM CAÙC PHÖÔÙC CHUÙA BAN</a:t>
             </a:r>
-            <a:endParaRPr lang="en-US" dirty="0"/>
           </a:p>
         </p:txBody>
       </p:sp>
@@ -2607,7 +2495,7 @@
                     </a:prstClr>
                   </a:glow>
                 </a:effectLst>
-                <a:latin typeface="VNI-Aptima" pitchFamily="2" charset="0"/>
+                <a:latin typeface="VNI-Times" pitchFamily="2" charset="0"/>
               </a:rPr>
               <a:t>Hoaëc</a:t>
             </a:r>
@@ -2623,23 +2511,23 @@
                     </a:prstClr>
                   </a:glow>
                 </a:effectLst>
-                <a:latin typeface="VNI-Aptima" pitchFamily="2" charset="0"/>
-              </a:rPr>
-              <a:t> </a:t>
-            </a:r>
-            <a:r>
-              <a:rPr lang="en-US" sz="6600" b="1" dirty="0" err="1">
-                <a:solidFill>
-                  <a:prstClr val="black"/>
-                </a:solidFill>
-                <a:effectLst>
-                  <a:glow rad="101600">
-                    <a:prstClr val="white">
-                      <a:alpha val="60000"/>
-                    </a:prstClr>
-                  </a:glow>
-                </a:effectLst>
-                <a:latin typeface="VNI-Aptima" pitchFamily="2" charset="0"/>
+                <a:latin typeface="VNI-Times" pitchFamily="2" charset="0"/>
+              </a:rPr>
+              <a:t> </a:t>
+            </a:r>
+            <a:r>
+              <a:rPr lang="en-US" sz="6600" b="1" dirty="0" err="1">
+                <a:solidFill>
+                  <a:prstClr val="black"/>
+                </a:solidFill>
+                <a:effectLst>
+                  <a:glow rad="101600">
+                    <a:prstClr val="white">
+                      <a:alpha val="60000"/>
+                    </a:prstClr>
+                  </a:glow>
+                </a:effectLst>
+                <a:latin typeface="VNI-Times" pitchFamily="2" charset="0"/>
               </a:rPr>
               <a:t>caây</a:t>
             </a:r>
@@ -2655,23 +2543,23 @@
                     </a:prstClr>
                   </a:glow>
                 </a:effectLst>
-                <a:latin typeface="VNI-Aptima" pitchFamily="2" charset="0"/>
-              </a:rPr>
-              <a:t> </a:t>
-            </a:r>
-            <a:r>
-              <a:rPr lang="en-US" sz="6600" b="1" dirty="0" err="1">
-                <a:solidFill>
-                  <a:prstClr val="black"/>
-                </a:solidFill>
-                <a:effectLst>
-                  <a:glow rad="101600">
-                    <a:prstClr val="white">
-                      <a:alpha val="60000"/>
-                    </a:prstClr>
-                  </a:glow>
-                </a:effectLst>
-                <a:latin typeface="VNI-Aptima" pitchFamily="2" charset="0"/>
+                <a:latin typeface="VNI-Times" pitchFamily="2" charset="0"/>
+              </a:rPr>
+              <a:t> </a:t>
+            </a:r>
+            <a:r>
+              <a:rPr lang="en-US" sz="6600" b="1" dirty="0" err="1">
+                <a:solidFill>
+                  <a:prstClr val="black"/>
+                </a:solidFill>
+                <a:effectLst>
+                  <a:glow rad="101600">
+                    <a:prstClr val="white">
+                      <a:alpha val="60000"/>
+                    </a:prstClr>
+                  </a:glow>
+                </a:effectLst>
+                <a:latin typeface="VNI-Times" pitchFamily="2" charset="0"/>
               </a:rPr>
               <a:t>thaäâp</a:t>
             </a:r>
@@ -2687,23 +2575,23 @@
                     </a:prstClr>
                   </a:glow>
                 </a:effectLst>
-                <a:latin typeface="VNI-Aptima" pitchFamily="2" charset="0"/>
-              </a:rPr>
-              <a:t> </a:t>
-            </a:r>
-            <a:r>
-              <a:rPr lang="en-US" sz="6600" b="1" dirty="0" err="1">
-                <a:solidFill>
-                  <a:prstClr val="black"/>
-                </a:solidFill>
-                <a:effectLst>
-                  <a:glow rad="101600">
-                    <a:prstClr val="white">
-                      <a:alpha val="60000"/>
-                    </a:prstClr>
-                  </a:glow>
-                </a:effectLst>
-                <a:latin typeface="VNI-Aptima" pitchFamily="2" charset="0"/>
+                <a:latin typeface="VNI-Times" pitchFamily="2" charset="0"/>
+              </a:rPr>
+              <a:t> </a:t>
+            </a:r>
+            <a:r>
+              <a:rPr lang="en-US" sz="6600" b="1" dirty="0" err="1">
+                <a:solidFill>
+                  <a:prstClr val="black"/>
+                </a:solidFill>
+                <a:effectLst>
+                  <a:glow rad="101600">
+                    <a:prstClr val="white">
+                      <a:alpha val="60000"/>
+                    </a:prstClr>
+                  </a:glow>
+                </a:effectLst>
+                <a:latin typeface="VNI-Times" pitchFamily="2" charset="0"/>
               </a:rPr>
               <a:t>töï</a:t>
             </a:r>
@@ -2719,7 +2607,7 @@
                     </a:prstClr>
                   </a:glow>
                 </a:effectLst>
-                <a:latin typeface="VNI-Aptima" pitchFamily="2" charset="0"/>
+                <a:latin typeface="VNI-Times" pitchFamily="2" charset="0"/>
               </a:rPr>
               <a:t> </a:t>
             </a:r>
@@ -2735,7 +2623,7 @@
                     </a:prstClr>
                   </a:glow>
                 </a:effectLst>
-                <a:latin typeface="VNI-Aptima" pitchFamily="2" charset="0"/>
+                <a:latin typeface="VNI-Times" pitchFamily="2" charset="0"/>
               </a:rPr>
             </a:br>
             <a:r>
@@ -2750,7 +2638,7 @@
                     </a:prstClr>
                   </a:glow>
                 </a:effectLst>
-                <a:latin typeface="VNI-Aptima" pitchFamily="2" charset="0"/>
+                <a:latin typeface="VNI-Times" pitchFamily="2" charset="0"/>
               </a:rPr>
               <a:t>cuûa</a:t>
             </a:r>
@@ -2766,23 +2654,23 @@
                     </a:prstClr>
                   </a:glow>
                 </a:effectLst>
-                <a:latin typeface="VNI-Aptima" pitchFamily="2" charset="0"/>
-              </a:rPr>
-              <a:t> </a:t>
-            </a:r>
-            <a:r>
-              <a:rPr lang="en-US" sz="6600" b="1" dirty="0" err="1">
-                <a:solidFill>
-                  <a:prstClr val="black"/>
-                </a:solidFill>
-                <a:effectLst>
-                  <a:glow rad="101600">
-                    <a:prstClr val="white">
-                      <a:alpha val="60000"/>
-                    </a:prstClr>
-                  </a:glow>
-                </a:effectLst>
-                <a:latin typeface="VNI-Aptima" pitchFamily="2" charset="0"/>
+                <a:latin typeface="VNI-Times" pitchFamily="2" charset="0"/>
+              </a:rPr>
+              <a:t> </a:t>
+            </a:r>
+            <a:r>
+              <a:rPr lang="en-US" sz="6600" b="1" dirty="0" err="1">
+                <a:solidFill>
+                  <a:prstClr val="black"/>
+                </a:solidFill>
+                <a:effectLst>
+                  <a:glow rad="101600">
+                    <a:prstClr val="white">
+                      <a:alpha val="60000"/>
+                    </a:prstClr>
+                  </a:glow>
+                </a:effectLst>
+                <a:latin typeface="VNI-Times" pitchFamily="2" charset="0"/>
               </a:rPr>
               <a:t>anh</a:t>
             </a:r>
@@ -2798,23 +2686,23 @@
                     </a:prstClr>
                   </a:glow>
                 </a:effectLst>
-                <a:latin typeface="VNI-Aptima" pitchFamily="2" charset="0"/>
-              </a:rPr>
-              <a:t> </a:t>
-            </a:r>
-            <a:r>
-              <a:rPr lang="en-US" sz="6600" b="1" dirty="0" err="1">
-                <a:solidFill>
-                  <a:prstClr val="black"/>
-                </a:solidFill>
-                <a:effectLst>
-                  <a:glow rad="101600">
-                    <a:prstClr val="white">
-                      <a:alpha val="60000"/>
-                    </a:prstClr>
-                  </a:glow>
-                </a:effectLst>
-                <a:latin typeface="VNI-Aptima" pitchFamily="2" charset="0"/>
+                <a:latin typeface="VNI-Times" pitchFamily="2" charset="0"/>
+              </a:rPr>
+              <a:t> </a:t>
+            </a:r>
+            <a:r>
+              <a:rPr lang="en-US" sz="6600" b="1" dirty="0" err="1">
+                <a:solidFill>
+                  <a:prstClr val="black"/>
+                </a:solidFill>
+                <a:effectLst>
+                  <a:glow rad="101600">
+                    <a:prstClr val="white">
+                      <a:alpha val="60000"/>
+                    </a:prstClr>
+                  </a:glow>
+                </a:effectLst>
+                <a:latin typeface="VNI-Times" pitchFamily="2" charset="0"/>
               </a:rPr>
               <a:t>mang</a:t>
             </a:r>
@@ -2830,23 +2718,23 @@
                     </a:prstClr>
                   </a:glow>
                 </a:effectLst>
-                <a:latin typeface="VNI-Aptima" pitchFamily="2" charset="0"/>
-              </a:rPr>
-              <a:t> </a:t>
-            </a:r>
-            <a:r>
-              <a:rPr lang="en-US" sz="6600" b="1" dirty="0" err="1">
-                <a:solidFill>
-                  <a:prstClr val="black"/>
-                </a:solidFill>
-                <a:effectLst>
-                  <a:glow rad="101600">
-                    <a:prstClr val="white">
-                      <a:alpha val="60000"/>
-                    </a:prstClr>
-                  </a:glow>
-                </a:effectLst>
-                <a:latin typeface="VNI-Aptima" pitchFamily="2" charset="0"/>
+                <a:latin typeface="VNI-Times" pitchFamily="2" charset="0"/>
+              </a:rPr>
+              <a:t> </a:t>
+            </a:r>
+            <a:r>
+              <a:rPr lang="en-US" sz="6600" b="1" dirty="0" err="1">
+                <a:solidFill>
+                  <a:prstClr val="black"/>
+                </a:solidFill>
+                <a:effectLst>
+                  <a:glow rad="101600">
+                    <a:prstClr val="white">
+                      <a:alpha val="60000"/>
+                    </a:prstClr>
+                  </a:glow>
+                </a:effectLst>
+                <a:latin typeface="VNI-Times" pitchFamily="2" charset="0"/>
               </a:rPr>
               <a:t>thaät</a:t>
             </a:r>
@@ -2862,7 +2750,7 @@
                     </a:prstClr>
                   </a:glow>
                 </a:effectLst>
-                <a:latin typeface="VNI-Aptima" pitchFamily="2" charset="0"/>
+                <a:latin typeface="VNI-Times" pitchFamily="2" charset="0"/>
               </a:rPr>
               <a:t> </a:t>
             </a:r>
@@ -2878,7 +2766,7 @@
                     </a:prstClr>
                   </a:glow>
                 </a:effectLst>
-                <a:latin typeface="VNI-Aptima" pitchFamily="2" charset="0"/>
+                <a:latin typeface="VNI-Times" pitchFamily="2" charset="0"/>
               </a:rPr>
             </a:br>
             <a:r>
@@ -2893,7 +2781,7 @@
                     </a:prstClr>
                   </a:glow>
                 </a:effectLst>
-                <a:latin typeface="VNI-Aptima" pitchFamily="2" charset="0"/>
+                <a:latin typeface="VNI-Times" pitchFamily="2" charset="0"/>
               </a:rPr>
               <a:t>laø</a:t>
             </a:r>
@@ -2909,23 +2797,23 @@
                     </a:prstClr>
                   </a:glow>
                 </a:effectLst>
-                <a:latin typeface="VNI-Aptima" pitchFamily="2" charset="0"/>
-              </a:rPr>
-              <a:t> </a:t>
-            </a:r>
-            <a:r>
-              <a:rPr lang="en-US" sz="6600" b="1" dirty="0" err="1">
-                <a:solidFill>
-                  <a:prstClr val="black"/>
-                </a:solidFill>
-                <a:effectLst>
-                  <a:glow rad="101600">
-                    <a:prstClr val="white">
-                      <a:alpha val="60000"/>
-                    </a:prstClr>
-                  </a:glow>
-                </a:effectLst>
-                <a:latin typeface="VNI-Aptima" pitchFamily="2" charset="0"/>
+                <a:latin typeface="VNI-Times" pitchFamily="2" charset="0"/>
+              </a:rPr>
+              <a:t> </a:t>
+            </a:r>
+            <a:r>
+              <a:rPr lang="en-US" sz="6600" b="1" dirty="0" err="1">
+                <a:solidFill>
+                  <a:prstClr val="black"/>
+                </a:solidFill>
+                <a:effectLst>
+                  <a:glow rad="101600">
+                    <a:prstClr val="white">
+                      <a:alpha val="60000"/>
+                    </a:prstClr>
+                  </a:glow>
+                </a:effectLst>
+                <a:latin typeface="VNI-Times" pitchFamily="2" charset="0"/>
               </a:rPr>
               <a:t>naëng</a:t>
             </a:r>
@@ -2941,23 +2829,23 @@
                     </a:prstClr>
                   </a:glow>
                 </a:effectLst>
-                <a:latin typeface="VNI-Aptima" pitchFamily="2" charset="0"/>
-              </a:rPr>
-              <a:t> </a:t>
-            </a:r>
-            <a:r>
-              <a:rPr lang="en-US" sz="6600" b="1" dirty="0" err="1">
-                <a:solidFill>
-                  <a:prstClr val="black"/>
-                </a:solidFill>
-                <a:effectLst>
-                  <a:glow rad="101600">
-                    <a:prstClr val="white">
-                      <a:alpha val="60000"/>
-                    </a:prstClr>
-                  </a:glow>
-                </a:effectLst>
-                <a:latin typeface="VNI-Aptima" pitchFamily="2" charset="0"/>
+                <a:latin typeface="VNI-Times" pitchFamily="2" charset="0"/>
+              </a:rPr>
+              <a:t> </a:t>
+            </a:r>
+            <a:r>
+              <a:rPr lang="en-US" sz="6600" b="1" dirty="0" err="1">
+                <a:solidFill>
+                  <a:prstClr val="black"/>
+                </a:solidFill>
+                <a:effectLst>
+                  <a:glow rad="101600">
+                    <a:prstClr val="white">
+                      <a:alpha val="60000"/>
+                    </a:prstClr>
+                  </a:glow>
+                </a:effectLst>
+                <a:latin typeface="VNI-Times" pitchFamily="2" charset="0"/>
               </a:rPr>
               <a:t>chaêng</a:t>
             </a:r>
@@ -2973,7 +2861,7 @@
                     </a:prstClr>
                   </a:glow>
                 </a:effectLst>
-                <a:latin typeface="VNI-Aptima" pitchFamily="2" charset="0"/>
+                <a:latin typeface="VNI-Times" pitchFamily="2" charset="0"/>
               </a:rPr>
               <a:t>?</a:t>
             </a:r>
@@ -3029,10 +2917,11 @@
           </a:lstStyle>
           <a:p>
             <a:r>
-              <a:rPr lang="en-US" smtClean="0"/>
+              <a:rPr lang="en-US" dirty="0">
+                <a:latin typeface="VNI-Times" pitchFamily="2" charset="0"/>
+              </a:rPr>
               <a:t>HAÕY ÑEÁM CAÙC PHÖÔÙC CHUÙA BAN</a:t>
             </a:r>
-            <a:endParaRPr lang="en-US" dirty="0"/>
           </a:p>
         </p:txBody>
       </p:sp>
@@ -3090,50 +2979,34 @@
           <a:p>
             <a:pPr algn="ctr"/>
             <a:r>
-              <a:rPr lang="en-US" sz="6600" b="1" dirty="0" err="1">
-                <a:solidFill>
-                  <a:prstClr val="black"/>
-                </a:solidFill>
-                <a:effectLst>
-                  <a:glow rad="101600">
-                    <a:prstClr val="white">
-                      <a:alpha val="60000"/>
-                    </a:prstClr>
-                  </a:glow>
-                </a:effectLst>
-                <a:latin typeface="VNI-Aptima" pitchFamily="2" charset="0"/>
-              </a:rPr>
-              <a:t>Anh</a:t>
-            </a:r>
-            <a:r>
-              <a:rPr lang="en-US" sz="6600" b="1" dirty="0">
-                <a:solidFill>
-                  <a:prstClr val="black"/>
-                </a:solidFill>
-                <a:effectLst>
-                  <a:glow rad="101600">
-                    <a:prstClr val="white">
-                      <a:alpha val="60000"/>
-                    </a:prstClr>
-                  </a:glow>
-                </a:effectLst>
-                <a:latin typeface="VNI-Aptima" pitchFamily="2" charset="0"/>
-              </a:rPr>
-              <a:t> </a:t>
-            </a:r>
-            <a:r>
-              <a:rPr lang="en-US" sz="6600" b="1" dirty="0" err="1">
-                <a:solidFill>
-                  <a:prstClr val="black"/>
-                </a:solidFill>
-                <a:effectLst>
-                  <a:glow rad="101600">
-                    <a:prstClr val="white">
-                      <a:alpha val="60000"/>
-                    </a:prstClr>
-                  </a:glow>
-                </a:effectLst>
-                <a:latin typeface="VNI-Aptima" pitchFamily="2" charset="0"/>
+              <a:rPr lang="en-US" sz="6600" b="1" dirty="0">
+                <a:solidFill>
+                  <a:prstClr val="black"/>
+                </a:solidFill>
+                <a:effectLst>
+                  <a:glow rad="101600">
+                    <a:prstClr val="white">
+                      <a:alpha val="60000"/>
+                    </a:prstClr>
+                  </a:glow>
+                </a:effectLst>
+                <a:latin typeface="VNI-Times" pitchFamily="2" charset="0"/>
+              </a:rPr>
+              <a:t>Anh </a:t>
+            </a:r>
+            <a:r>
+              <a:rPr lang="en-US" sz="6600" b="1" dirty="0" err="1">
+                <a:solidFill>
+                  <a:prstClr val="black"/>
+                </a:solidFill>
+                <a:effectLst>
+                  <a:glow rad="101600">
+                    <a:prstClr val="white">
+                      <a:alpha val="60000"/>
+                    </a:prstClr>
+                  </a:glow>
+                </a:effectLst>
+                <a:latin typeface="VNI-Times" pitchFamily="2" charset="0"/>
               </a:rPr>
               <a:t>neân</a:t>
             </a:r>
@@ -3149,23 +3022,23 @@
                     </a:prstClr>
                   </a:glow>
                 </a:effectLst>
-                <a:latin typeface="VNI-Aptima" pitchFamily="2" charset="0"/>
-              </a:rPr>
-              <a:t> </a:t>
-            </a:r>
-            <a:r>
-              <a:rPr lang="en-US" sz="6600" b="1" dirty="0" err="1">
-                <a:solidFill>
-                  <a:prstClr val="black"/>
-                </a:solidFill>
-                <a:effectLst>
-                  <a:glow rad="101600">
-                    <a:prstClr val="white">
-                      <a:alpha val="60000"/>
-                    </a:prstClr>
-                  </a:glow>
-                </a:effectLst>
-                <a:latin typeface="VNI-Aptima" pitchFamily="2" charset="0"/>
+                <a:latin typeface="VNI-Times" pitchFamily="2" charset="0"/>
+              </a:rPr>
+              <a:t> </a:t>
+            </a:r>
+            <a:r>
+              <a:rPr lang="en-US" sz="6600" b="1" dirty="0" err="1">
+                <a:solidFill>
+                  <a:prstClr val="black"/>
+                </a:solidFill>
+                <a:effectLst>
+                  <a:glow rad="101600">
+                    <a:prstClr val="white">
+                      <a:alpha val="60000"/>
+                    </a:prstClr>
+                  </a:glow>
+                </a:effectLst>
+                <a:latin typeface="VNI-Times" pitchFamily="2" charset="0"/>
               </a:rPr>
               <a:t>mau</a:t>
             </a:r>
@@ -3181,23 +3054,23 @@
                     </a:prstClr>
                   </a:glow>
                 </a:effectLst>
-                <a:latin typeface="VNI-Aptima" pitchFamily="2" charset="0"/>
-              </a:rPr>
-              <a:t> </a:t>
-            </a:r>
-            <a:r>
-              <a:rPr lang="en-US" sz="6600" b="1" dirty="0" err="1">
-                <a:solidFill>
-                  <a:prstClr val="black"/>
-                </a:solidFill>
-                <a:effectLst>
-                  <a:glow rad="101600">
-                    <a:prstClr val="white">
-                      <a:alpha val="60000"/>
-                    </a:prstClr>
-                  </a:glow>
-                </a:effectLst>
-                <a:latin typeface="VNI-Aptima" pitchFamily="2" charset="0"/>
+                <a:latin typeface="VNI-Times" pitchFamily="2" charset="0"/>
+              </a:rPr>
+              <a:t> </a:t>
+            </a:r>
+            <a:r>
+              <a:rPr lang="en-US" sz="6600" b="1" dirty="0" err="1">
+                <a:solidFill>
+                  <a:prstClr val="black"/>
+                </a:solidFill>
+                <a:effectLst>
+                  <a:glow rad="101600">
+                    <a:prstClr val="white">
+                      <a:alpha val="60000"/>
+                    </a:prstClr>
+                  </a:glow>
+                </a:effectLst>
+                <a:latin typeface="VNI-Times" pitchFamily="2" charset="0"/>
               </a:rPr>
               <a:t>mau</a:t>
             </a:r>
@@ -3213,23 +3086,23 @@
                     </a:prstClr>
                   </a:glow>
                 </a:effectLst>
-                <a:latin typeface="VNI-Aptima" pitchFamily="2" charset="0"/>
-              </a:rPr>
-              <a:t> </a:t>
-            </a:r>
-            <a:r>
-              <a:rPr lang="en-US" sz="6600" b="1" dirty="0" err="1">
-                <a:solidFill>
-                  <a:prstClr val="black"/>
-                </a:solidFill>
-                <a:effectLst>
-                  <a:glow rad="101600">
-                    <a:prstClr val="white">
-                      <a:alpha val="60000"/>
-                    </a:prstClr>
-                  </a:glow>
-                </a:effectLst>
-                <a:latin typeface="VNI-Aptima" pitchFamily="2" charset="0"/>
+                <a:latin typeface="VNI-Times" pitchFamily="2" charset="0"/>
+              </a:rPr>
+              <a:t> </a:t>
+            </a:r>
+            <a:r>
+              <a:rPr lang="en-US" sz="6600" b="1" dirty="0" err="1">
+                <a:solidFill>
+                  <a:prstClr val="black"/>
+                </a:solidFill>
+                <a:effectLst>
+                  <a:glow rad="101600">
+                    <a:prstClr val="white">
+                      <a:alpha val="60000"/>
+                    </a:prstClr>
+                  </a:glow>
+                </a:effectLst>
+                <a:latin typeface="VNI-Times" pitchFamily="2" charset="0"/>
               </a:rPr>
               <a:t>ñeám</a:t>
             </a:r>
@@ -3245,23 +3118,23 @@
                     </a:prstClr>
                   </a:glow>
                 </a:effectLst>
-                <a:latin typeface="VNI-Aptima" pitchFamily="2" charset="0"/>
-              </a:rPr>
-              <a:t> </a:t>
-            </a:r>
-            <a:r>
-              <a:rPr lang="en-US" sz="6600" b="1" dirty="0" err="1">
-                <a:solidFill>
-                  <a:prstClr val="black"/>
-                </a:solidFill>
-                <a:effectLst>
-                  <a:glow rad="101600">
-                    <a:prstClr val="white">
-                      <a:alpha val="60000"/>
-                    </a:prstClr>
-                  </a:glow>
-                </a:effectLst>
-                <a:latin typeface="VNI-Aptima" pitchFamily="2" charset="0"/>
+                <a:latin typeface="VNI-Times" pitchFamily="2" charset="0"/>
+              </a:rPr>
+              <a:t> </a:t>
+            </a:r>
+            <a:r>
+              <a:rPr lang="en-US" sz="6600" b="1" dirty="0" err="1">
+                <a:solidFill>
+                  <a:prstClr val="black"/>
+                </a:solidFill>
+                <a:effectLst>
+                  <a:glow rad="101600">
+                    <a:prstClr val="white">
+                      <a:alpha val="60000"/>
+                    </a:prstClr>
+                  </a:glow>
+                </a:effectLst>
+                <a:latin typeface="VNI-Times" pitchFamily="2" charset="0"/>
               </a:rPr>
               <a:t>caùc</a:t>
             </a:r>
@@ -3277,23 +3150,23 @@
                     </a:prstClr>
                   </a:glow>
                 </a:effectLst>
-                <a:latin typeface="VNI-Aptima" pitchFamily="2" charset="0"/>
-              </a:rPr>
-              <a:t> </a:t>
-            </a:r>
-            <a:r>
-              <a:rPr lang="en-US" sz="6600" b="1" dirty="0" err="1">
-                <a:solidFill>
-                  <a:prstClr val="black"/>
-                </a:solidFill>
-                <a:effectLst>
-                  <a:glow rad="101600">
-                    <a:prstClr val="white">
-                      <a:alpha val="60000"/>
-                    </a:prstClr>
-                  </a:glow>
-                </a:effectLst>
-                <a:latin typeface="VNI-Aptima" pitchFamily="2" charset="0"/>
+                <a:latin typeface="VNI-Times" pitchFamily="2" charset="0"/>
+              </a:rPr>
+              <a:t> </a:t>
+            </a:r>
+            <a:r>
+              <a:rPr lang="en-US" sz="6600" b="1" dirty="0" err="1">
+                <a:solidFill>
+                  <a:prstClr val="black"/>
+                </a:solidFill>
+                <a:effectLst>
+                  <a:glow rad="101600">
+                    <a:prstClr val="white">
+                      <a:alpha val="60000"/>
+                    </a:prstClr>
+                  </a:glow>
+                </a:effectLst>
+                <a:latin typeface="VNI-Times" pitchFamily="2" charset="0"/>
               </a:rPr>
               <a:t>phöôùc</a:t>
             </a:r>
@@ -3309,23 +3182,23 @@
                     </a:prstClr>
                   </a:glow>
                 </a:effectLst>
-                <a:latin typeface="VNI-Aptima" pitchFamily="2" charset="0"/>
-              </a:rPr>
-              <a:t> </a:t>
-            </a:r>
-            <a:r>
-              <a:rPr lang="en-US" sz="6600" b="1" dirty="0" err="1">
-                <a:solidFill>
-                  <a:prstClr val="black"/>
-                </a:solidFill>
-                <a:effectLst>
-                  <a:glow rad="101600">
-                    <a:prstClr val="white">
-                      <a:alpha val="60000"/>
-                    </a:prstClr>
-                  </a:glow>
-                </a:effectLst>
-                <a:latin typeface="VNI-Aptima" pitchFamily="2" charset="0"/>
+                <a:latin typeface="VNI-Times" pitchFamily="2" charset="0"/>
+              </a:rPr>
+              <a:t> </a:t>
+            </a:r>
+            <a:r>
+              <a:rPr lang="en-US" sz="6600" b="1" dirty="0" err="1">
+                <a:solidFill>
+                  <a:prstClr val="black"/>
+                </a:solidFill>
+                <a:effectLst>
+                  <a:glow rad="101600">
+                    <a:prstClr val="white">
+                      <a:alpha val="60000"/>
+                    </a:prstClr>
+                  </a:glow>
+                </a:effectLst>
+                <a:latin typeface="VNI-Times" pitchFamily="2" charset="0"/>
               </a:rPr>
               <a:t>laønh</a:t>
             </a:r>
@@ -3341,89 +3214,73 @@
                     </a:prstClr>
                   </a:glow>
                 </a:effectLst>
-                <a:latin typeface="VNI-Aptima" pitchFamily="2" charset="0"/>
-              </a:rPr>
-              <a:t> </a:t>
-            </a:r>
-            <a:r>
-              <a:rPr lang="en-US" sz="6600" b="1" err="1">
-                <a:solidFill>
-                  <a:prstClr val="black"/>
-                </a:solidFill>
-                <a:effectLst>
-                  <a:glow rad="101600">
-                    <a:prstClr val="white">
-                      <a:alpha val="60000"/>
-                    </a:prstClr>
-                  </a:glow>
-                </a:effectLst>
-                <a:latin typeface="VNI-Aptima" pitchFamily="2" charset="0"/>
+                <a:latin typeface="VNI-Times" pitchFamily="2" charset="0"/>
+              </a:rPr>
+              <a:t> </a:t>
+            </a:r>
+            <a:r>
+              <a:rPr lang="en-US" sz="6600" b="1" dirty="0" err="1">
+                <a:solidFill>
+                  <a:prstClr val="black"/>
+                </a:solidFill>
+                <a:effectLst>
+                  <a:glow rad="101600">
+                    <a:prstClr val="white">
+                      <a:alpha val="60000"/>
+                    </a:prstClr>
+                  </a:glow>
+                </a:effectLst>
+                <a:latin typeface="VNI-Times" pitchFamily="2" charset="0"/>
               </a:rPr>
               <a:t>treân</a:t>
             </a:r>
             <a:r>
-              <a:rPr lang="en-US" sz="6600" b="1">
-                <a:solidFill>
-                  <a:prstClr val="black"/>
-                </a:solidFill>
-                <a:effectLst>
-                  <a:glow rad="101600">
-                    <a:prstClr val="white">
-                      <a:alpha val="60000"/>
-                    </a:prstClr>
-                  </a:glow>
-                </a:effectLst>
-                <a:latin typeface="VNI-Aptima" pitchFamily="2" charset="0"/>
-              </a:rPr>
-              <a:t> </a:t>
-            </a:r>
-            <a:r>
-              <a:rPr lang="en-US" sz="6600" b="1" dirty="0" err="1">
-                <a:solidFill>
-                  <a:prstClr val="black"/>
-                </a:solidFill>
-                <a:effectLst>
-                  <a:glow rad="101600">
-                    <a:prstClr val="white">
-                      <a:alpha val="60000"/>
-                    </a:prstClr>
-                  </a:glow>
-                </a:effectLst>
-                <a:latin typeface="VNI-Aptima" pitchFamily="2" charset="0"/>
-              </a:rPr>
-              <a:t>t</a:t>
-            </a:r>
-            <a:r>
-              <a:rPr lang="en-US" sz="6600" b="1" smtClean="0">
-                <a:solidFill>
-                  <a:prstClr val="black"/>
-                </a:solidFill>
-                <a:effectLst>
-                  <a:glow rad="101600">
-                    <a:prstClr val="white">
-                      <a:alpha val="60000"/>
-                    </a:prstClr>
-                  </a:glow>
-                </a:effectLst>
-                <a:latin typeface="VNI-Aptima" pitchFamily="2" charset="0"/>
-              </a:rPr>
-              <a:t>rôøi </a:t>
-            </a:r>
-            <a:r>
-              <a:rPr lang="en-US" sz="6600" b="1" dirty="0">
-                <a:solidFill>
-                  <a:prstClr val="black"/>
-                </a:solidFill>
-                <a:effectLst>
-                  <a:glow rad="101600">
-                    <a:prstClr val="white">
-                      <a:alpha val="60000"/>
-                    </a:prstClr>
-                  </a:glow>
-                </a:effectLst>
-                <a:latin typeface="VNI-Aptima" pitchFamily="2" charset="0"/>
-              </a:rPr>
-              <a:t>ban. </a:t>
+              <a:rPr lang="en-US" sz="6600" b="1" dirty="0">
+                <a:solidFill>
+                  <a:prstClr val="black"/>
+                </a:solidFill>
+                <a:effectLst>
+                  <a:glow rad="101600">
+                    <a:prstClr val="white">
+                      <a:alpha val="60000"/>
+                    </a:prstClr>
+                  </a:glow>
+                </a:effectLst>
+                <a:latin typeface="VNI-Times" pitchFamily="2" charset="0"/>
+              </a:rPr>
+              <a:t> </a:t>
+            </a:r>
+            <a:r>
+              <a:rPr lang="en-US" sz="6600" b="1" dirty="0" err="1">
+                <a:solidFill>
+                  <a:prstClr val="black"/>
+                </a:solidFill>
+                <a:effectLst>
+                  <a:glow rad="101600">
+                    <a:prstClr val="white">
+                      <a:alpha val="60000"/>
+                    </a:prstClr>
+                  </a:glow>
+                </a:effectLst>
+                <a:latin typeface="VNI-Times" pitchFamily="2" charset="0"/>
+              </a:rPr>
+              <a:t>trôøi</a:t>
+            </a:r>
+            <a:r>
+              <a:rPr lang="en-US" sz="6600" b="1" dirty="0">
+                <a:solidFill>
+                  <a:prstClr val="black"/>
+                </a:solidFill>
+                <a:effectLst>
+                  <a:glow rad="101600">
+                    <a:prstClr val="white">
+                      <a:alpha val="60000"/>
+                    </a:prstClr>
+                  </a:glow>
+                </a:effectLst>
+                <a:latin typeface="VNI-Times" pitchFamily="2" charset="0"/>
+              </a:rPr>
+              <a:t> ban. </a:t>
             </a:r>
           </a:p>
         </p:txBody>
@@ -3477,10 +3334,11 @@
           </a:lstStyle>
           <a:p>
             <a:r>
-              <a:rPr lang="en-US" smtClean="0"/>
+              <a:rPr lang="en-US" dirty="0">
+                <a:latin typeface="VNI-Times" pitchFamily="2" charset="0"/>
+              </a:rPr>
               <a:t>HAÕY ÑEÁM CAÙC PHÖÔÙC CHUÙA BAN</a:t>
             </a:r>
-            <a:endParaRPr lang="en-US" dirty="0"/>
           </a:p>
         </p:txBody>
       </p:sp>
@@ -3549,7 +3407,7 @@
                     </a:prstClr>
                   </a:glow>
                 </a:effectLst>
-                <a:latin typeface="VNI-Aptima" pitchFamily="2" charset="0"/>
+                <a:latin typeface="VNI-Times" pitchFamily="2" charset="0"/>
               </a:rPr>
               <a:t>Moïi</a:t>
             </a:r>
@@ -3565,23 +3423,23 @@
                     </a:prstClr>
                   </a:glow>
                 </a:effectLst>
-                <a:latin typeface="VNI-Aptima" pitchFamily="2" charset="0"/>
-              </a:rPr>
-              <a:t> </a:t>
-            </a:r>
-            <a:r>
-              <a:rPr lang="en-US" sz="6600" b="1" dirty="0" err="1">
-                <a:solidFill>
-                  <a:prstClr val="black"/>
-                </a:solidFill>
-                <a:effectLst>
-                  <a:glow rad="101600">
-                    <a:prstClr val="white">
-                      <a:alpha val="60000"/>
-                    </a:prstClr>
-                  </a:glow>
-                </a:effectLst>
-                <a:latin typeface="VNI-Aptima" pitchFamily="2" charset="0"/>
+                <a:latin typeface="VNI-Times" pitchFamily="2" charset="0"/>
+              </a:rPr>
+              <a:t> </a:t>
+            </a:r>
+            <a:r>
+              <a:rPr lang="en-US" sz="6600" b="1" dirty="0" err="1">
+                <a:solidFill>
+                  <a:prstClr val="black"/>
+                </a:solidFill>
+                <a:effectLst>
+                  <a:glow rad="101600">
+                    <a:prstClr val="white">
+                      <a:alpha val="60000"/>
+                    </a:prstClr>
+                  </a:glow>
+                </a:effectLst>
+                <a:latin typeface="VNI-Times" pitchFamily="2" charset="0"/>
               </a:rPr>
               <a:t>hoà</a:t>
             </a:r>
@@ -3597,23 +3455,23 @@
                     </a:prstClr>
                   </a:glow>
                 </a:effectLst>
-                <a:latin typeface="VNI-Aptima" pitchFamily="2" charset="0"/>
-              </a:rPr>
-              <a:t> </a:t>
-            </a:r>
-            <a:r>
-              <a:rPr lang="en-US" sz="6600" b="1" dirty="0" err="1">
-                <a:solidFill>
-                  <a:prstClr val="black"/>
-                </a:solidFill>
-                <a:effectLst>
-                  <a:glow rad="101600">
-                    <a:prstClr val="white">
-                      <a:alpha val="60000"/>
-                    </a:prstClr>
-                  </a:glow>
-                </a:effectLst>
-                <a:latin typeface="VNI-Aptima" pitchFamily="2" charset="0"/>
+                <a:latin typeface="VNI-Times" pitchFamily="2" charset="0"/>
+              </a:rPr>
+              <a:t> </a:t>
+            </a:r>
+            <a:r>
+              <a:rPr lang="en-US" sz="6600" b="1" dirty="0" err="1">
+                <a:solidFill>
+                  <a:prstClr val="black"/>
+                </a:solidFill>
+                <a:effectLst>
+                  <a:glow rad="101600">
+                    <a:prstClr val="white">
+                      <a:alpha val="60000"/>
+                    </a:prstClr>
+                  </a:glow>
+                </a:effectLst>
+                <a:latin typeface="VNI-Times" pitchFamily="2" charset="0"/>
               </a:rPr>
               <a:t>nghi</a:t>
             </a:r>
@@ -3629,7 +3487,7 @@
                     </a:prstClr>
                   </a:glow>
                 </a:effectLst>
-                <a:latin typeface="VNI-Aptima" pitchFamily="2" charset="0"/>
+                <a:latin typeface="VNI-Times" pitchFamily="2" charset="0"/>
               </a:rPr>
               <a:t> </a:t>
             </a:r>
@@ -3645,7 +3503,7 @@
                     </a:prstClr>
                   </a:glow>
                 </a:effectLst>
-                <a:latin typeface="VNI-Aptima" pitchFamily="2" charset="0"/>
+                <a:latin typeface="VNI-Times" pitchFamily="2" charset="0"/>
               </a:rPr>
             </a:br>
             <a:r>
@@ -3660,7 +3518,7 @@
                     </a:prstClr>
                   </a:glow>
                 </a:effectLst>
-                <a:latin typeface="VNI-Aptima" pitchFamily="2" charset="0"/>
+                <a:latin typeface="VNI-Times" pitchFamily="2" charset="0"/>
               </a:rPr>
               <a:t>tieâu</a:t>
             </a:r>
@@ -3676,23 +3534,23 @@
                     </a:prstClr>
                   </a:glow>
                 </a:effectLst>
-                <a:latin typeface="VNI-Aptima" pitchFamily="2" charset="0"/>
-              </a:rPr>
-              <a:t> </a:t>
-            </a:r>
-            <a:r>
-              <a:rPr lang="en-US" sz="6600" b="1" dirty="0" err="1">
-                <a:solidFill>
-                  <a:prstClr val="black"/>
-                </a:solidFill>
-                <a:effectLst>
-                  <a:glow rad="101600">
-                    <a:prstClr val="white">
-                      <a:alpha val="60000"/>
-                    </a:prstClr>
-                  </a:glow>
-                </a:effectLst>
-                <a:latin typeface="VNI-Aptima" pitchFamily="2" charset="0"/>
+                <a:latin typeface="VNI-Times" pitchFamily="2" charset="0"/>
+              </a:rPr>
+              <a:t> </a:t>
+            </a:r>
+            <a:r>
+              <a:rPr lang="en-US" sz="6600" b="1" dirty="0" err="1">
+                <a:solidFill>
+                  <a:prstClr val="black"/>
+                </a:solidFill>
+                <a:effectLst>
+                  <a:glow rad="101600">
+                    <a:prstClr val="white">
+                      <a:alpha val="60000"/>
+                    </a:prstClr>
+                  </a:glow>
+                </a:effectLst>
+                <a:latin typeface="VNI-Times" pitchFamily="2" charset="0"/>
               </a:rPr>
               <a:t>taùn</a:t>
             </a:r>
@@ -3708,7 +3566,7 @@
                     </a:prstClr>
                   </a:glow>
                 </a:effectLst>
-                <a:latin typeface="VNI-Aptima" pitchFamily="2" charset="0"/>
+                <a:latin typeface="VNI-Times" pitchFamily="2" charset="0"/>
               </a:rPr>
               <a:t>, </a:t>
             </a:r>
@@ -3724,7 +3582,7 @@
                     </a:prstClr>
                   </a:glow>
                 </a:effectLst>
-                <a:latin typeface="VNI-Aptima" pitchFamily="2" charset="0"/>
+                <a:latin typeface="VNI-Times" pitchFamily="2" charset="0"/>
               </a:rPr>
               <a:t>chaéc</a:t>
             </a:r>
@@ -3740,23 +3598,23 @@
                     </a:prstClr>
                   </a:glow>
                 </a:effectLst>
-                <a:latin typeface="VNI-Aptima" pitchFamily="2" charset="0"/>
-              </a:rPr>
-              <a:t> </a:t>
-            </a:r>
-            <a:r>
-              <a:rPr lang="en-US" sz="6600" b="1" dirty="0" err="1">
-                <a:solidFill>
-                  <a:prstClr val="black"/>
-                </a:solidFill>
-                <a:effectLst>
-                  <a:glow rad="101600">
-                    <a:prstClr val="white">
-                      <a:alpha val="60000"/>
-                    </a:prstClr>
-                  </a:glow>
-                </a:effectLst>
-                <a:latin typeface="VNI-Aptima" pitchFamily="2" charset="0"/>
+                <a:latin typeface="VNI-Times" pitchFamily="2" charset="0"/>
+              </a:rPr>
+              <a:t> </a:t>
+            </a:r>
+            <a:r>
+              <a:rPr lang="en-US" sz="6600" b="1" dirty="0" err="1">
+                <a:solidFill>
+                  <a:prstClr val="black"/>
+                </a:solidFill>
+                <a:effectLst>
+                  <a:glow rad="101600">
+                    <a:prstClr val="white">
+                      <a:alpha val="60000"/>
+                    </a:prstClr>
+                  </a:glow>
+                </a:effectLst>
+                <a:latin typeface="VNI-Times" pitchFamily="2" charset="0"/>
               </a:rPr>
               <a:t>anh</a:t>
             </a:r>
@@ -3772,7 +3630,7 @@
                     </a:prstClr>
                   </a:glow>
                 </a:effectLst>
-                <a:latin typeface="VNI-Aptima" pitchFamily="2" charset="0"/>
+                <a:latin typeface="VNI-Times" pitchFamily="2" charset="0"/>
               </a:rPr>
               <a:t> </a:t>
             </a:r>
@@ -3788,7 +3646,7 @@
                     </a:prstClr>
                   </a:glow>
                 </a:effectLst>
-                <a:latin typeface="VNI-Aptima" pitchFamily="2" charset="0"/>
+                <a:latin typeface="VNI-Times" pitchFamily="2" charset="0"/>
               </a:rPr>
             </a:br>
             <a:r>
@@ -3803,7 +3661,7 @@
                     </a:prstClr>
                   </a:glow>
                 </a:effectLst>
-                <a:latin typeface="VNI-Aptima" pitchFamily="2" charset="0"/>
+                <a:latin typeface="VNI-Times" pitchFamily="2" charset="0"/>
               </a:rPr>
               <a:t>seõ</a:t>
             </a:r>
@@ -3819,23 +3677,23 @@
                     </a:prstClr>
                   </a:glow>
                 </a:effectLst>
-                <a:latin typeface="VNI-Aptima" pitchFamily="2" charset="0"/>
-              </a:rPr>
-              <a:t> </a:t>
-            </a:r>
-            <a:r>
-              <a:rPr lang="en-US" sz="6600" b="1" dirty="0" err="1">
-                <a:solidFill>
-                  <a:prstClr val="black"/>
-                </a:solidFill>
-                <a:effectLst>
-                  <a:glow rad="101600">
-                    <a:prstClr val="white">
-                      <a:alpha val="60000"/>
-                    </a:prstClr>
-                  </a:glow>
-                </a:effectLst>
-                <a:latin typeface="VNI-Aptima" pitchFamily="2" charset="0"/>
+                <a:latin typeface="VNI-Times" pitchFamily="2" charset="0"/>
+              </a:rPr>
+              <a:t> </a:t>
+            </a:r>
+            <a:r>
+              <a:rPr lang="en-US" sz="6600" b="1" dirty="0" err="1">
+                <a:solidFill>
+                  <a:prstClr val="black"/>
+                </a:solidFill>
+                <a:effectLst>
+                  <a:glow rad="101600">
+                    <a:prstClr val="white">
+                      <a:alpha val="60000"/>
+                    </a:prstClr>
+                  </a:glow>
+                </a:effectLst>
+                <a:latin typeface="VNI-Times" pitchFamily="2" charset="0"/>
               </a:rPr>
               <a:t>haùt</a:t>
             </a:r>
@@ -3851,23 +3709,23 @@
                     </a:prstClr>
                   </a:glow>
                 </a:effectLst>
-                <a:latin typeface="VNI-Aptima" pitchFamily="2" charset="0"/>
-              </a:rPr>
-              <a:t> </a:t>
-            </a:r>
-            <a:r>
-              <a:rPr lang="en-US" sz="6600" b="1" dirty="0" err="1">
-                <a:solidFill>
-                  <a:prstClr val="black"/>
-                </a:solidFill>
-                <a:effectLst>
-                  <a:glow rad="101600">
-                    <a:prstClr val="white">
-                      <a:alpha val="60000"/>
-                    </a:prstClr>
-                  </a:glow>
-                </a:effectLst>
-                <a:latin typeface="VNI-Aptima" pitchFamily="2" charset="0"/>
+                <a:latin typeface="VNI-Times" pitchFamily="2" charset="0"/>
+              </a:rPr>
+              <a:t> </a:t>
+            </a:r>
+            <a:r>
+              <a:rPr lang="en-US" sz="6600" b="1" dirty="0" err="1">
+                <a:solidFill>
+                  <a:prstClr val="black"/>
+                </a:solidFill>
+                <a:effectLst>
+                  <a:glow rad="101600">
+                    <a:prstClr val="white">
+                      <a:alpha val="60000"/>
+                    </a:prstClr>
+                  </a:glow>
+                </a:effectLst>
+                <a:latin typeface="VNI-Times" pitchFamily="2" charset="0"/>
               </a:rPr>
               <a:t>suoát</a:t>
             </a:r>
@@ -3883,23 +3741,23 @@
                     </a:prstClr>
                   </a:glow>
                 </a:effectLst>
-                <a:latin typeface="VNI-Aptima" pitchFamily="2" charset="0"/>
-              </a:rPr>
-              <a:t> </a:t>
-            </a:r>
-            <a:r>
-              <a:rPr lang="en-US" sz="6600" b="1" dirty="0" err="1">
-                <a:solidFill>
-                  <a:prstClr val="black"/>
-                </a:solidFill>
-                <a:effectLst>
-                  <a:glow rad="101600">
-                    <a:prstClr val="white">
-                      <a:alpha val="60000"/>
-                    </a:prstClr>
-                  </a:glow>
-                </a:effectLst>
-                <a:latin typeface="VNI-Aptima" pitchFamily="2" charset="0"/>
+                <a:latin typeface="VNI-Times" pitchFamily="2" charset="0"/>
+              </a:rPr>
+              <a:t> </a:t>
+            </a:r>
+            <a:r>
+              <a:rPr lang="en-US" sz="6600" b="1" dirty="0" err="1">
+                <a:solidFill>
+                  <a:prstClr val="black"/>
+                </a:solidFill>
+                <a:effectLst>
+                  <a:glow rad="101600">
+                    <a:prstClr val="white">
+                      <a:alpha val="60000"/>
+                    </a:prstClr>
+                  </a:glow>
+                </a:effectLst>
+                <a:latin typeface="VNI-Times" pitchFamily="2" charset="0"/>
               </a:rPr>
               <a:t>ñaøng</a:t>
             </a:r>
@@ -3915,7 +3773,7 @@
                     </a:prstClr>
                   </a:glow>
                 </a:effectLst>
-                <a:latin typeface="VNI-Aptima" pitchFamily="2" charset="0"/>
+                <a:latin typeface="VNI-Times" pitchFamily="2" charset="0"/>
               </a:rPr>
               <a:t>.</a:t>
             </a:r>
@@ -3971,10 +3829,11 @@
           </a:lstStyle>
           <a:p>
             <a:r>
-              <a:rPr lang="en-US" smtClean="0"/>
+              <a:rPr lang="en-US" dirty="0">
+                <a:latin typeface="VNI-Times" pitchFamily="2" charset="0"/>
+              </a:rPr>
               <a:t>HAÕY ÑEÁM CAÙC PHÖÔÙC CHUÙA BAN</a:t>
             </a:r>
-            <a:endParaRPr lang="en-US" dirty="0"/>
           </a:p>
         </p:txBody>
       </p:sp>
@@ -4032,18 +3891,18 @@
           <a:p>
             <a:pPr algn="ctr"/>
             <a:r>
-              <a:rPr lang="en-US" sz="4400" b="1" i="1" u="sng" dirty="0">
-                <a:solidFill>
-                  <a:prstClr val="black"/>
-                </a:solidFill>
-                <a:effectLst>
-                  <a:glow rad="101600">
-                    <a:prstClr val="white">
-                      <a:alpha val="60000"/>
-                    </a:prstClr>
-                  </a:glow>
-                </a:effectLst>
-                <a:latin typeface="VNI-Aptima" pitchFamily="2" charset="0"/>
+              <a:rPr lang="en-US" sz="4400" b="1" u="sng" dirty="0">
+                <a:solidFill>
+                  <a:prstClr val="black"/>
+                </a:solidFill>
+                <a:effectLst>
+                  <a:glow rad="101600">
+                    <a:prstClr val="white">
+                      <a:alpha val="60000"/>
+                    </a:prstClr>
+                  </a:glow>
+                </a:effectLst>
+                <a:latin typeface="VNI-Times" pitchFamily="2" charset="0"/>
               </a:rPr>
               <a:t>ÑK:</a:t>
             </a:r>
@@ -4059,23 +3918,23 @@
                     </a:prstClr>
                   </a:glow>
                 </a:effectLst>
-                <a:latin typeface="VNI-Aptima" pitchFamily="2" charset="0"/>
-              </a:rPr>
-              <a:t> </a:t>
-            </a:r>
-            <a:r>
-              <a:rPr lang="en-US" sz="6600" b="1" dirty="0" err="1">
-                <a:solidFill>
-                  <a:prstClr val="black"/>
-                </a:solidFill>
-                <a:effectLst>
-                  <a:glow rad="101600">
-                    <a:prstClr val="white">
-                      <a:alpha val="60000"/>
-                    </a:prstClr>
-                  </a:glow>
-                </a:effectLst>
-                <a:latin typeface="VNI-Aptima" pitchFamily="2" charset="0"/>
+                <a:latin typeface="VNI-Times" pitchFamily="2" charset="0"/>
+              </a:rPr>
+              <a:t> </a:t>
+            </a:r>
+            <a:r>
+              <a:rPr lang="en-US" sz="6600" b="1" dirty="0" err="1">
+                <a:solidFill>
+                  <a:prstClr val="black"/>
+                </a:solidFill>
+                <a:effectLst>
+                  <a:glow rad="101600">
+                    <a:prstClr val="white">
+                      <a:alpha val="60000"/>
+                    </a:prstClr>
+                  </a:glow>
+                </a:effectLst>
+                <a:latin typeface="VNI-Times" pitchFamily="2" charset="0"/>
               </a:rPr>
               <a:t>Xin</a:t>
             </a:r>
@@ -4091,23 +3950,23 @@
                     </a:prstClr>
                   </a:glow>
                 </a:effectLst>
-                <a:latin typeface="VNI-Aptima" pitchFamily="2" charset="0"/>
-              </a:rPr>
-              <a:t> </a:t>
-            </a:r>
-            <a:r>
-              <a:rPr lang="en-US" sz="6600" b="1" dirty="0" err="1">
-                <a:solidFill>
-                  <a:prstClr val="black"/>
-                </a:solidFill>
-                <a:effectLst>
-                  <a:glow rad="101600">
-                    <a:prstClr val="white">
-                      <a:alpha val="60000"/>
-                    </a:prstClr>
-                  </a:glow>
-                </a:effectLst>
-                <a:latin typeface="VNI-Aptima" pitchFamily="2" charset="0"/>
+                <a:latin typeface="VNI-Times" pitchFamily="2" charset="0"/>
+              </a:rPr>
+              <a:t> </a:t>
+            </a:r>
+            <a:r>
+              <a:rPr lang="en-US" sz="6600" b="1" dirty="0" err="1">
+                <a:solidFill>
+                  <a:prstClr val="black"/>
+                </a:solidFill>
+                <a:effectLst>
+                  <a:glow rad="101600">
+                    <a:prstClr val="white">
+                      <a:alpha val="60000"/>
+                    </a:prstClr>
+                  </a:glow>
+                </a:effectLst>
+                <a:latin typeface="VNI-Times" pitchFamily="2" charset="0"/>
               </a:rPr>
               <a:t>anh</a:t>
             </a:r>
@@ -4123,23 +3982,23 @@
                     </a:prstClr>
                   </a:glow>
                 </a:effectLst>
-                <a:latin typeface="VNI-Aptima" pitchFamily="2" charset="0"/>
-              </a:rPr>
-              <a:t> </a:t>
-            </a:r>
-            <a:r>
-              <a:rPr lang="en-US" sz="6600" b="1" dirty="0" err="1">
-                <a:solidFill>
-                  <a:prstClr val="black"/>
-                </a:solidFill>
-                <a:effectLst>
-                  <a:glow rad="101600">
-                    <a:prstClr val="white">
-                      <a:alpha val="60000"/>
-                    </a:prstClr>
-                  </a:glow>
-                </a:effectLst>
-                <a:latin typeface="VNI-Aptima" pitchFamily="2" charset="0"/>
+                <a:latin typeface="VNI-Times" pitchFamily="2" charset="0"/>
+              </a:rPr>
+              <a:t> </a:t>
+            </a:r>
+            <a:r>
+              <a:rPr lang="en-US" sz="6600" b="1" dirty="0" err="1">
+                <a:solidFill>
+                  <a:prstClr val="black"/>
+                </a:solidFill>
+                <a:effectLst>
+                  <a:glow rad="101600">
+                    <a:prstClr val="white">
+                      <a:alpha val="60000"/>
+                    </a:prstClr>
+                  </a:glow>
+                </a:effectLst>
+                <a:latin typeface="VNI-Times" pitchFamily="2" charset="0"/>
               </a:rPr>
               <a:t>ñeám</a:t>
             </a:r>
@@ -4155,7 +4014,7 @@
                     </a:prstClr>
                   </a:glow>
                 </a:effectLst>
-                <a:latin typeface="VNI-Aptima" pitchFamily="2" charset="0"/>
+                <a:latin typeface="VNI-Times" pitchFamily="2" charset="0"/>
               </a:rPr>
               <a:t> </a:t>
             </a:r>
@@ -4171,7 +4030,7 @@
                     </a:prstClr>
                   </a:glow>
                 </a:effectLst>
-                <a:latin typeface="VNI-Aptima" pitchFamily="2" charset="0"/>
+                <a:latin typeface="VNI-Times" pitchFamily="2" charset="0"/>
               </a:rPr>
             </a:br>
             <a:r>
@@ -4186,7 +4045,7 @@
                     </a:prstClr>
                   </a:glow>
                 </a:effectLst>
-                <a:latin typeface="VNI-Aptima" pitchFamily="2" charset="0"/>
+                <a:latin typeface="VNI-Times" pitchFamily="2" charset="0"/>
               </a:rPr>
               <a:t>caùc</a:t>
             </a:r>
@@ -4202,23 +4061,23 @@
                     </a:prstClr>
                   </a:glow>
                 </a:effectLst>
-                <a:latin typeface="VNI-Aptima" pitchFamily="2" charset="0"/>
-              </a:rPr>
-              <a:t> </a:t>
-            </a:r>
-            <a:r>
-              <a:rPr lang="en-US" sz="6600" b="1" dirty="0" err="1">
-                <a:solidFill>
-                  <a:prstClr val="black"/>
-                </a:solidFill>
-                <a:effectLst>
-                  <a:glow rad="101600">
-                    <a:prstClr val="white">
-                      <a:alpha val="60000"/>
-                    </a:prstClr>
-                  </a:glow>
-                </a:effectLst>
-                <a:latin typeface="VNI-Aptima" pitchFamily="2" charset="0"/>
+                <a:latin typeface="VNI-Times" pitchFamily="2" charset="0"/>
+              </a:rPr>
+              <a:t> </a:t>
+            </a:r>
+            <a:r>
+              <a:rPr lang="en-US" sz="6600" b="1" dirty="0" err="1">
+                <a:solidFill>
+                  <a:prstClr val="black"/>
+                </a:solidFill>
+                <a:effectLst>
+                  <a:glow rad="101600">
+                    <a:prstClr val="white">
+                      <a:alpha val="60000"/>
+                    </a:prstClr>
+                  </a:glow>
+                </a:effectLst>
+                <a:latin typeface="VNI-Times" pitchFamily="2" charset="0"/>
               </a:rPr>
               <a:t>phöôùc</a:t>
             </a:r>
@@ -4234,23 +4093,23 @@
                     </a:prstClr>
                   </a:glow>
                 </a:effectLst>
-                <a:latin typeface="VNI-Aptima" pitchFamily="2" charset="0"/>
-              </a:rPr>
-              <a:t> </a:t>
-            </a:r>
-            <a:r>
-              <a:rPr lang="en-US" sz="6600" b="1" dirty="0" err="1">
-                <a:solidFill>
-                  <a:prstClr val="black"/>
-                </a:solidFill>
-                <a:effectLst>
-                  <a:glow rad="101600">
-                    <a:prstClr val="white">
-                      <a:alpha val="60000"/>
-                    </a:prstClr>
-                  </a:glow>
-                </a:effectLst>
-                <a:latin typeface="VNI-Aptima" pitchFamily="2" charset="0"/>
+                <a:latin typeface="VNI-Times" pitchFamily="2" charset="0"/>
+              </a:rPr>
+              <a:t> </a:t>
+            </a:r>
+            <a:r>
+              <a:rPr lang="en-US" sz="6600" b="1" dirty="0" err="1">
+                <a:solidFill>
+                  <a:prstClr val="black"/>
+                </a:solidFill>
+                <a:effectLst>
+                  <a:glow rad="101600">
+                    <a:prstClr val="white">
+                      <a:alpha val="60000"/>
+                    </a:prstClr>
+                  </a:glow>
+                </a:effectLst>
+                <a:latin typeface="VNI-Times" pitchFamily="2" charset="0"/>
               </a:rPr>
               <a:t>laønh</a:t>
             </a:r>
@@ -4266,7 +4125,7 @@
                     </a:prstClr>
                   </a:glow>
                 </a:effectLst>
-                <a:latin typeface="VNI-Aptima" pitchFamily="2" charset="0"/>
+                <a:latin typeface="VNI-Times" pitchFamily="2" charset="0"/>
               </a:rPr>
               <a:t> </a:t>
             </a:r>
@@ -4282,7 +4141,7 @@
                     </a:prstClr>
                   </a:glow>
                 </a:effectLst>
-                <a:latin typeface="VNI-Aptima" pitchFamily="2" charset="0"/>
+                <a:latin typeface="VNI-Times" pitchFamily="2" charset="0"/>
               </a:rPr>
             </a:br>
             <a:r>
@@ -4297,7 +4156,7 @@
                     </a:prstClr>
                   </a:glow>
                 </a:effectLst>
-                <a:latin typeface="VNI-Aptima" pitchFamily="2" charset="0"/>
+                <a:latin typeface="VNI-Times" pitchFamily="2" charset="0"/>
               </a:rPr>
               <a:t>Cha </a:t>
             </a:r>
@@ -4313,7 +4172,7 @@
                     </a:prstClr>
                   </a:glow>
                 </a:effectLst>
-                <a:latin typeface="VNI-Aptima" pitchFamily="2" charset="0"/>
+                <a:latin typeface="VNI-Times" pitchFamily="2" charset="0"/>
               </a:rPr>
               <a:t>luoân</a:t>
             </a:r>
@@ -4329,7 +4188,7 @@
                     </a:prstClr>
                   </a:glow>
                 </a:effectLst>
-                <a:latin typeface="VNI-Aptima" pitchFamily="2" charset="0"/>
+                <a:latin typeface="VNI-Times" pitchFamily="2" charset="0"/>
               </a:rPr>
               <a:t> ban.</a:t>
             </a:r>
@@ -4385,10 +4244,11 @@
           </a:lstStyle>
           <a:p>
             <a:r>
-              <a:rPr lang="en-US" smtClean="0"/>
+              <a:rPr lang="en-US" dirty="0">
+                <a:latin typeface="VNI-Times" pitchFamily="2" charset="0"/>
+              </a:rPr>
               <a:t>HAÕY ÑEÁM CAÙC PHÖÔÙC CHUÙA BAN</a:t>
             </a:r>
-            <a:endParaRPr lang="en-US" dirty="0"/>
           </a:p>
         </p:txBody>
       </p:sp>
@@ -4457,7 +4317,7 @@
                     </a:prstClr>
                   </a:glow>
                 </a:effectLst>
-                <a:latin typeface="VNI-Aptima" pitchFamily="2" charset="0"/>
+                <a:latin typeface="VNI-Times" pitchFamily="2" charset="0"/>
               </a:rPr>
               <a:t>Xin</a:t>
             </a:r>
@@ -4473,23 +4333,23 @@
                     </a:prstClr>
                   </a:glow>
                 </a:effectLst>
-                <a:latin typeface="VNI-Aptima" pitchFamily="2" charset="0"/>
-              </a:rPr>
-              <a:t> </a:t>
-            </a:r>
-            <a:r>
-              <a:rPr lang="en-US" sz="6600" b="1" dirty="0" err="1">
-                <a:solidFill>
-                  <a:prstClr val="black"/>
-                </a:solidFill>
-                <a:effectLst>
-                  <a:glow rad="101600">
-                    <a:prstClr val="white">
-                      <a:alpha val="60000"/>
-                    </a:prstClr>
-                  </a:glow>
-                </a:effectLst>
-                <a:latin typeface="VNI-Aptima" pitchFamily="2" charset="0"/>
+                <a:latin typeface="VNI-Times" pitchFamily="2" charset="0"/>
+              </a:rPr>
+              <a:t> </a:t>
+            </a:r>
+            <a:r>
+              <a:rPr lang="en-US" sz="6600" b="1" dirty="0" err="1">
+                <a:solidFill>
+                  <a:prstClr val="black"/>
+                </a:solidFill>
+                <a:effectLst>
+                  <a:glow rad="101600">
+                    <a:prstClr val="white">
+                      <a:alpha val="60000"/>
+                    </a:prstClr>
+                  </a:glow>
+                </a:effectLst>
+                <a:latin typeface="VNI-Times" pitchFamily="2" charset="0"/>
               </a:rPr>
               <a:t>anh</a:t>
             </a:r>
@@ -4505,23 +4365,23 @@
                     </a:prstClr>
                   </a:glow>
                 </a:effectLst>
-                <a:latin typeface="VNI-Aptima" pitchFamily="2" charset="0"/>
-              </a:rPr>
-              <a:t> </a:t>
-            </a:r>
-            <a:r>
-              <a:rPr lang="en-US" sz="6600" b="1" dirty="0" err="1">
-                <a:solidFill>
-                  <a:prstClr val="black"/>
-                </a:solidFill>
-                <a:effectLst>
-                  <a:glow rad="101600">
-                    <a:prstClr val="white">
-                      <a:alpha val="60000"/>
-                    </a:prstClr>
-                  </a:glow>
-                </a:effectLst>
-                <a:latin typeface="VNI-Aptima" pitchFamily="2" charset="0"/>
+                <a:latin typeface="VNI-Times" pitchFamily="2" charset="0"/>
+              </a:rPr>
+              <a:t> </a:t>
+            </a:r>
+            <a:r>
+              <a:rPr lang="en-US" sz="6600" b="1" dirty="0" err="1">
+                <a:solidFill>
+                  <a:prstClr val="black"/>
+                </a:solidFill>
+                <a:effectLst>
+                  <a:glow rad="101600">
+                    <a:prstClr val="white">
+                      <a:alpha val="60000"/>
+                    </a:prstClr>
+                  </a:glow>
+                </a:effectLst>
+                <a:latin typeface="VNI-Times" pitchFamily="2" charset="0"/>
               </a:rPr>
               <a:t>haõy</a:t>
             </a:r>
@@ -4537,7 +4397,7 @@
                     </a:prstClr>
                   </a:glow>
                 </a:effectLst>
-                <a:latin typeface="VNI-Aptima" pitchFamily="2" charset="0"/>
+                <a:latin typeface="VNI-Times" pitchFamily="2" charset="0"/>
               </a:rPr>
               <a:t> </a:t>
             </a:r>
@@ -4553,7 +4413,7 @@
                     </a:prstClr>
                   </a:glow>
                 </a:effectLst>
-                <a:latin typeface="VNI-Aptima" pitchFamily="2" charset="0"/>
+                <a:latin typeface="VNI-Times" pitchFamily="2" charset="0"/>
               </a:rPr>
             </a:br>
             <a:r>
@@ -4568,7 +4428,7 @@
                     </a:prstClr>
                   </a:glow>
                 </a:effectLst>
-                <a:latin typeface="VNI-Aptima" pitchFamily="2" charset="0"/>
+                <a:latin typeface="VNI-Times" pitchFamily="2" charset="0"/>
               </a:rPr>
               <a:t>keå</a:t>
             </a:r>
@@ -4584,23 +4444,23 @@
                     </a:prstClr>
                   </a:glow>
                 </a:effectLst>
-                <a:latin typeface="VNI-Aptima" pitchFamily="2" charset="0"/>
-              </a:rPr>
-              <a:t> </a:t>
-            </a:r>
-            <a:r>
-              <a:rPr lang="en-US" sz="6600" b="1" dirty="0" err="1">
-                <a:solidFill>
-                  <a:prstClr val="black"/>
-                </a:solidFill>
-                <a:effectLst>
-                  <a:glow rad="101600">
-                    <a:prstClr val="white">
-                      <a:alpha val="60000"/>
-                    </a:prstClr>
-                  </a:glow>
-                </a:effectLst>
-                <a:latin typeface="VNI-Aptima" pitchFamily="2" charset="0"/>
+                <a:latin typeface="VNI-Times" pitchFamily="2" charset="0"/>
+              </a:rPr>
+              <a:t> </a:t>
+            </a:r>
+            <a:r>
+              <a:rPr lang="en-US" sz="6600" b="1" dirty="0" err="1">
+                <a:solidFill>
+                  <a:prstClr val="black"/>
+                </a:solidFill>
+                <a:effectLst>
+                  <a:glow rad="101600">
+                    <a:prstClr val="white">
+                      <a:alpha val="60000"/>
+                    </a:prstClr>
+                  </a:glow>
+                </a:effectLst>
+                <a:latin typeface="VNI-Times" pitchFamily="2" charset="0"/>
               </a:rPr>
               <a:t>ra</a:t>
             </a:r>
@@ -4616,23 +4476,23 @@
                     </a:prstClr>
                   </a:glow>
                 </a:effectLst>
-                <a:latin typeface="VNI-Aptima" pitchFamily="2" charset="0"/>
-              </a:rPr>
-              <a:t> </a:t>
-            </a:r>
-            <a:r>
-              <a:rPr lang="en-US" sz="6600" b="1" dirty="0" err="1">
-                <a:solidFill>
-                  <a:prstClr val="black"/>
-                </a:solidFill>
-                <a:effectLst>
-                  <a:glow rad="101600">
-                    <a:prstClr val="white">
-                      <a:alpha val="60000"/>
-                    </a:prstClr>
-                  </a:glow>
-                </a:effectLst>
-                <a:latin typeface="VNI-Aptima" pitchFamily="2" charset="0"/>
+                <a:latin typeface="VNI-Times" pitchFamily="2" charset="0"/>
+              </a:rPr>
+              <a:t> </a:t>
+            </a:r>
+            <a:r>
+              <a:rPr lang="en-US" sz="6600" b="1" dirty="0" err="1">
+                <a:solidFill>
+                  <a:prstClr val="black"/>
+                </a:solidFill>
+                <a:effectLst>
+                  <a:glow rad="101600">
+                    <a:prstClr val="white">
+                      <a:alpha val="60000"/>
+                    </a:prstClr>
+                  </a:glow>
+                </a:effectLst>
+                <a:latin typeface="VNI-Times" pitchFamily="2" charset="0"/>
               </a:rPr>
               <a:t>ôn</a:t>
             </a:r>
@@ -4648,23 +4508,23 @@
                     </a:prstClr>
                   </a:glow>
                 </a:effectLst>
-                <a:latin typeface="VNI-Aptima" pitchFamily="2" charset="0"/>
-              </a:rPr>
-              <a:t> </a:t>
-            </a:r>
-            <a:r>
-              <a:rPr lang="en-US" sz="6600" b="1" dirty="0" err="1">
-                <a:solidFill>
-                  <a:prstClr val="black"/>
-                </a:solidFill>
-                <a:effectLst>
-                  <a:glow rad="101600">
-                    <a:prstClr val="white">
-                      <a:alpha val="60000"/>
-                    </a:prstClr>
-                  </a:glow>
-                </a:effectLst>
-                <a:latin typeface="VNI-Aptima" pitchFamily="2" charset="0"/>
+                <a:latin typeface="VNI-Times" pitchFamily="2" charset="0"/>
+              </a:rPr>
+              <a:t> </a:t>
+            </a:r>
+            <a:r>
+              <a:rPr lang="en-US" sz="6600" b="1" dirty="0" err="1">
+                <a:solidFill>
+                  <a:prstClr val="black"/>
+                </a:solidFill>
+                <a:effectLst>
+                  <a:glow rad="101600">
+                    <a:prstClr val="white">
+                      <a:alpha val="60000"/>
+                    </a:prstClr>
+                  </a:glow>
+                </a:effectLst>
+                <a:latin typeface="VNI-Times" pitchFamily="2" charset="0"/>
               </a:rPr>
               <a:t>laønh</a:t>
             </a:r>
@@ -4680,7 +4540,7 @@
                     </a:prstClr>
                   </a:glow>
                 </a:effectLst>
-                <a:latin typeface="VNI-Aptima" pitchFamily="2" charset="0"/>
+                <a:latin typeface="VNI-Times" pitchFamily="2" charset="0"/>
               </a:rPr>
               <a:t> </a:t>
             </a:r>
@@ -4696,7 +4556,7 @@
                     </a:prstClr>
                   </a:glow>
                 </a:effectLst>
-                <a:latin typeface="VNI-Aptima" pitchFamily="2" charset="0"/>
+                <a:latin typeface="VNI-Times" pitchFamily="2" charset="0"/>
               </a:rPr>
             </a:br>
             <a:r>
@@ -4711,7 +4571,7 @@
                     </a:prstClr>
                   </a:glow>
                 </a:effectLst>
-                <a:latin typeface="VNI-Aptima" pitchFamily="2" charset="0"/>
+                <a:latin typeface="VNI-Times" pitchFamily="2" charset="0"/>
               </a:rPr>
               <a:t>töøng</a:t>
             </a:r>
@@ -4727,23 +4587,23 @@
                     </a:prstClr>
                   </a:glow>
                 </a:effectLst>
-                <a:latin typeface="VNI-Aptima" pitchFamily="2" charset="0"/>
-              </a:rPr>
-              <a:t> </a:t>
-            </a:r>
-            <a:r>
-              <a:rPr lang="en-US" sz="6600" b="1" dirty="0" err="1">
-                <a:solidFill>
-                  <a:prstClr val="black"/>
-                </a:solidFill>
-                <a:effectLst>
-                  <a:glow rad="101600">
-                    <a:prstClr val="white">
-                      <a:alpha val="60000"/>
-                    </a:prstClr>
-                  </a:glow>
-                </a:effectLst>
-                <a:latin typeface="VNI-Aptima" pitchFamily="2" charset="0"/>
+                <a:latin typeface="VNI-Times" pitchFamily="2" charset="0"/>
+              </a:rPr>
+              <a:t> </a:t>
+            </a:r>
+            <a:r>
+              <a:rPr lang="en-US" sz="6600" b="1" dirty="0" err="1">
+                <a:solidFill>
+                  <a:prstClr val="black"/>
+                </a:solidFill>
+                <a:effectLst>
+                  <a:glow rad="101600">
+                    <a:prstClr val="white">
+                      <a:alpha val="60000"/>
+                    </a:prstClr>
+                  </a:glow>
+                </a:effectLst>
+                <a:latin typeface="VNI-Times" pitchFamily="2" charset="0"/>
               </a:rPr>
               <a:t>teân</a:t>
             </a:r>
@@ -4759,7 +4619,7 @@
                     </a:prstClr>
                   </a:glow>
                 </a:effectLst>
-                <a:latin typeface="VNI-Aptima" pitchFamily="2" charset="0"/>
+                <a:latin typeface="VNI-Times" pitchFamily="2" charset="0"/>
               </a:rPr>
               <a:t>.</a:t>
             </a:r>
@@ -4815,10 +4675,11 @@
           </a:lstStyle>
           <a:p>
             <a:r>
-              <a:rPr lang="en-US" smtClean="0"/>
+              <a:rPr lang="en-US" dirty="0">
+                <a:latin typeface="VNI-Times" pitchFamily="2" charset="0"/>
+              </a:rPr>
               <a:t>HAÕY ÑEÁM CAÙC PHÖÔÙC CHUÙA BAN</a:t>
             </a:r>
-            <a:endParaRPr lang="en-US" dirty="0"/>
           </a:p>
         </p:txBody>
       </p:sp>
@@ -4887,7 +4748,7 @@
                     </a:prstClr>
                   </a:glow>
                 </a:effectLst>
-                <a:latin typeface="VNI-Aptima" pitchFamily="2" charset="0"/>
+                <a:latin typeface="VNI-Times" pitchFamily="2" charset="0"/>
               </a:rPr>
               <a:t>Haõy</a:t>
             </a:r>
@@ -4903,42 +4764,26 @@
                     </a:prstClr>
                   </a:glow>
                 </a:effectLst>
-                <a:latin typeface="VNI-Aptima" pitchFamily="2" charset="0"/>
-              </a:rPr>
-              <a:t> </a:t>
-            </a:r>
-            <a:r>
-              <a:rPr lang="en-US" sz="6600" b="1" dirty="0" err="1">
-                <a:solidFill>
-                  <a:prstClr val="black"/>
-                </a:solidFill>
-                <a:effectLst>
-                  <a:glow rad="101600">
-                    <a:prstClr val="white">
-                      <a:alpha val="60000"/>
-                    </a:prstClr>
-                  </a:glow>
-                </a:effectLst>
-                <a:latin typeface="VNI-Aptima" pitchFamily="2" charset="0"/>
+                <a:latin typeface="VNI-Times" pitchFamily="2" charset="0"/>
+              </a:rPr>
+              <a:t> </a:t>
+            </a:r>
+            <a:r>
+              <a:rPr lang="en-US" sz="6600" b="1" dirty="0" err="1">
+                <a:solidFill>
+                  <a:prstClr val="black"/>
+                </a:solidFill>
+                <a:effectLst>
+                  <a:glow rad="101600">
+                    <a:prstClr val="white">
+                      <a:alpha val="60000"/>
+                    </a:prstClr>
+                  </a:glow>
+                </a:effectLst>
+                <a:latin typeface="VNI-Times" pitchFamily="2" charset="0"/>
               </a:rPr>
               <a:t>ñeám</a:t>
             </a:r>
-            <a:r>
-              <a:rPr lang="en-US" sz="6600" b="1" dirty="0">
-                <a:solidFill>
-                  <a:prstClr val="black"/>
-                </a:solidFill>
-                <a:effectLst>
-                  <a:glow rad="101600">
-                    <a:prstClr val="white">
-                      <a:alpha val="60000"/>
-                    </a:prstClr>
-                  </a:glow>
-                </a:effectLst>
-                <a:latin typeface="VNI-Aptima" pitchFamily="2" charset="0"/>
-              </a:rPr>
-              <a:t/>
-            </a:r>
             <a:br>
               <a:rPr lang="en-US" sz="6600" b="1" dirty="0">
                 <a:solidFill>
@@ -4951,7 +4796,7 @@
                     </a:prstClr>
                   </a:glow>
                 </a:effectLst>
-                <a:latin typeface="VNI-Aptima" pitchFamily="2" charset="0"/>
+                <a:latin typeface="VNI-Times" pitchFamily="2" charset="0"/>
               </a:rPr>
             </a:br>
             <a:r>
@@ -4966,7 +4811,7 @@
                     </a:prstClr>
                   </a:glow>
                 </a:effectLst>
-                <a:latin typeface="VNI-Aptima" pitchFamily="2" charset="0"/>
+                <a:latin typeface="VNI-Times" pitchFamily="2" charset="0"/>
               </a:rPr>
               <a:t>ôn</a:t>
             </a:r>
@@ -4982,23 +4827,23 @@
                     </a:prstClr>
                   </a:glow>
                 </a:effectLst>
-                <a:latin typeface="VNI-Aptima" pitchFamily="2" charset="0"/>
-              </a:rPr>
-              <a:t> </a:t>
-            </a:r>
-            <a:r>
-              <a:rPr lang="en-US" sz="6600" b="1" dirty="0" err="1">
-                <a:solidFill>
-                  <a:prstClr val="black"/>
-                </a:solidFill>
-                <a:effectLst>
-                  <a:glow rad="101600">
-                    <a:prstClr val="white">
-                      <a:alpha val="60000"/>
-                    </a:prstClr>
-                  </a:glow>
-                </a:effectLst>
-                <a:latin typeface="VNI-Aptima" pitchFamily="2" charset="0"/>
+                <a:latin typeface="VNI-Times" pitchFamily="2" charset="0"/>
+              </a:rPr>
+              <a:t> </a:t>
+            </a:r>
+            <a:r>
+              <a:rPr lang="en-US" sz="6600" b="1" dirty="0" err="1">
+                <a:solidFill>
+                  <a:prstClr val="black"/>
+                </a:solidFill>
+                <a:effectLst>
+                  <a:glow rad="101600">
+                    <a:prstClr val="white">
+                      <a:alpha val="60000"/>
+                    </a:prstClr>
+                  </a:glow>
+                </a:effectLst>
+                <a:latin typeface="VNI-Times" pitchFamily="2" charset="0"/>
               </a:rPr>
               <a:t>treân</a:t>
             </a:r>
@@ -5014,7 +4859,7 @@
                     </a:prstClr>
                   </a:glow>
                 </a:effectLst>
-                <a:latin typeface="VNI-Aptima" pitchFamily="2" charset="0"/>
+                <a:latin typeface="VNI-Times" pitchFamily="2" charset="0"/>
               </a:rPr>
               <a:t>, </a:t>
             </a:r>
@@ -5030,7 +4875,7 @@
                     </a:prstClr>
                   </a:glow>
                 </a:effectLst>
-                <a:latin typeface="VNI-Aptima" pitchFamily="2" charset="0"/>
+                <a:latin typeface="VNI-Times" pitchFamily="2" charset="0"/>
               </a:rPr>
               <a:t>haõy</a:t>
             </a:r>
@@ -5046,7 +4891,7 @@
                     </a:prstClr>
                   </a:glow>
                 </a:effectLst>
-                <a:latin typeface="VNI-Aptima" pitchFamily="2" charset="0"/>
+                <a:latin typeface="VNI-Times" pitchFamily="2" charset="0"/>
               </a:rPr>
               <a:t> </a:t>
             </a:r>
@@ -5062,7 +4907,7 @@
                     </a:prstClr>
                   </a:glow>
                 </a:effectLst>
-                <a:latin typeface="VNI-Aptima" pitchFamily="2" charset="0"/>
+                <a:latin typeface="VNI-Times" pitchFamily="2" charset="0"/>
               </a:rPr>
             </a:br>
             <a:r>
@@ -5077,7 +4922,7 @@
                     </a:prstClr>
                   </a:glow>
                 </a:effectLst>
-                <a:latin typeface="VNI-Aptima" pitchFamily="2" charset="0"/>
+                <a:latin typeface="VNI-Times" pitchFamily="2" charset="0"/>
               </a:rPr>
               <a:t>keå</a:t>
             </a:r>
@@ -5093,23 +4938,23 @@
                     </a:prstClr>
                   </a:glow>
                 </a:effectLst>
-                <a:latin typeface="VNI-Aptima" pitchFamily="2" charset="0"/>
-              </a:rPr>
-              <a:t> </a:t>
-            </a:r>
-            <a:r>
-              <a:rPr lang="en-US" sz="6600" b="1" dirty="0" err="1">
-                <a:solidFill>
-                  <a:prstClr val="black"/>
-                </a:solidFill>
-                <a:effectLst>
-                  <a:glow rad="101600">
-                    <a:prstClr val="white">
-                      <a:alpha val="60000"/>
-                    </a:prstClr>
-                  </a:glow>
-                </a:effectLst>
-                <a:latin typeface="VNI-Aptima" pitchFamily="2" charset="0"/>
+                <a:latin typeface="VNI-Times" pitchFamily="2" charset="0"/>
+              </a:rPr>
+              <a:t> </a:t>
+            </a:r>
+            <a:r>
+              <a:rPr lang="en-US" sz="6600" b="1" dirty="0" err="1">
+                <a:solidFill>
+                  <a:prstClr val="black"/>
+                </a:solidFill>
+                <a:effectLst>
+                  <a:glow rad="101600">
+                    <a:prstClr val="white">
+                      <a:alpha val="60000"/>
+                    </a:prstClr>
+                  </a:glow>
+                </a:effectLst>
+                <a:latin typeface="VNI-Times" pitchFamily="2" charset="0"/>
               </a:rPr>
               <a:t>teân</a:t>
             </a:r>
@@ -5125,23 +4970,23 @@
                     </a:prstClr>
                   </a:glow>
                 </a:effectLst>
-                <a:latin typeface="VNI-Aptima" pitchFamily="2" charset="0"/>
-              </a:rPr>
-              <a:t> </a:t>
-            </a:r>
-            <a:r>
-              <a:rPr lang="en-US" sz="6600" b="1" dirty="0" err="1">
-                <a:solidFill>
-                  <a:prstClr val="black"/>
-                </a:solidFill>
-                <a:effectLst>
-                  <a:glow rad="101600">
-                    <a:prstClr val="white">
-                      <a:alpha val="60000"/>
-                    </a:prstClr>
-                  </a:glow>
-                </a:effectLst>
-                <a:latin typeface="VNI-Aptima" pitchFamily="2" charset="0"/>
+                <a:latin typeface="VNI-Times" pitchFamily="2" charset="0"/>
+              </a:rPr>
+              <a:t> </a:t>
+            </a:r>
+            <a:r>
+              <a:rPr lang="en-US" sz="6600" b="1" dirty="0" err="1">
+                <a:solidFill>
+                  <a:prstClr val="black"/>
+                </a:solidFill>
+                <a:effectLst>
+                  <a:glow rad="101600">
+                    <a:prstClr val="white">
+                      <a:alpha val="60000"/>
+                    </a:prstClr>
+                  </a:glow>
+                </a:effectLst>
+                <a:latin typeface="VNI-Times" pitchFamily="2" charset="0"/>
               </a:rPr>
               <a:t>linh</a:t>
             </a:r>
@@ -5157,23 +5002,23 @@
                     </a:prstClr>
                   </a:glow>
                 </a:effectLst>
-                <a:latin typeface="VNI-Aptima" pitchFamily="2" charset="0"/>
-              </a:rPr>
-              <a:t> </a:t>
-            </a:r>
-            <a:r>
-              <a:rPr lang="en-US" sz="6600" b="1" dirty="0" err="1">
-                <a:solidFill>
-                  <a:prstClr val="black"/>
-                </a:solidFill>
-                <a:effectLst>
-                  <a:glow rad="101600">
-                    <a:prstClr val="white">
-                      <a:alpha val="60000"/>
-                    </a:prstClr>
-                  </a:glow>
-                </a:effectLst>
-                <a:latin typeface="VNI-Aptima" pitchFamily="2" charset="0"/>
+                <a:latin typeface="VNI-Times" pitchFamily="2" charset="0"/>
+              </a:rPr>
+              <a:t> </a:t>
+            </a:r>
+            <a:r>
+              <a:rPr lang="en-US" sz="6600" b="1" dirty="0" err="1">
+                <a:solidFill>
+                  <a:prstClr val="black"/>
+                </a:solidFill>
+                <a:effectLst>
+                  <a:glow rad="101600">
+                    <a:prstClr val="white">
+                      <a:alpha val="60000"/>
+                    </a:prstClr>
+                  </a:glow>
+                </a:effectLst>
+                <a:latin typeface="VNI-Times" pitchFamily="2" charset="0"/>
               </a:rPr>
               <a:t>aân</a:t>
             </a:r>
@@ -5189,7 +5034,7 @@
                     </a:prstClr>
                   </a:glow>
                 </a:effectLst>
-                <a:latin typeface="VNI-Aptima" pitchFamily="2" charset="0"/>
+                <a:latin typeface="VNI-Times" pitchFamily="2" charset="0"/>
               </a:rPr>
               <a:t>!</a:t>
             </a:r>
@@ -5245,10 +5090,11 @@
           </a:lstStyle>
           <a:p>
             <a:r>
-              <a:rPr lang="en-US" smtClean="0"/>
+              <a:rPr lang="en-US" dirty="0">
+                <a:latin typeface="VNI-Times" pitchFamily="2" charset="0"/>
+              </a:rPr>
               <a:t>HAÕY ÑEÁM CAÙC PHÖÔÙC CHUÙA BAN</a:t>
             </a:r>
-            <a:endParaRPr lang="en-US" dirty="0"/>
           </a:p>
         </p:txBody>
       </p:sp>
@@ -5317,7 +5163,7 @@
                     </a:prstClr>
                   </a:glow>
                 </a:effectLst>
-                <a:latin typeface="VNI-Aptima" pitchFamily="2" charset="0"/>
+                <a:latin typeface="VNI-Times" pitchFamily="2" charset="0"/>
               </a:rPr>
               <a:t>Chaéc</a:t>
             </a:r>
@@ -5333,23 +5179,23 @@
                     </a:prstClr>
                   </a:glow>
                 </a:effectLst>
-                <a:latin typeface="VNI-Aptima" pitchFamily="2" charset="0"/>
-              </a:rPr>
-              <a:t> </a:t>
-            </a:r>
-            <a:r>
-              <a:rPr lang="en-US" sz="6600" b="1" dirty="0" err="1">
-                <a:solidFill>
-                  <a:prstClr val="black"/>
-                </a:solidFill>
-                <a:effectLst>
-                  <a:glow rad="101600">
-                    <a:prstClr val="white">
-                      <a:alpha val="60000"/>
-                    </a:prstClr>
-                  </a:glow>
-                </a:effectLst>
-                <a:latin typeface="VNI-Aptima" pitchFamily="2" charset="0"/>
+                <a:latin typeface="VNI-Times" pitchFamily="2" charset="0"/>
+              </a:rPr>
+              <a:t> </a:t>
+            </a:r>
+            <a:r>
+              <a:rPr lang="en-US" sz="6600" b="1" dirty="0" err="1">
+                <a:solidFill>
+                  <a:prstClr val="black"/>
+                </a:solidFill>
+                <a:effectLst>
+                  <a:glow rad="101600">
+                    <a:prstClr val="white">
+                      <a:alpha val="60000"/>
+                    </a:prstClr>
+                  </a:glow>
+                </a:effectLst>
+                <a:latin typeface="VNI-Times" pitchFamily="2" charset="0"/>
               </a:rPr>
               <a:t>chaén</a:t>
             </a:r>
@@ -5365,23 +5211,23 @@
                     </a:prstClr>
                   </a:glow>
                 </a:effectLst>
-                <a:latin typeface="VNI-Aptima" pitchFamily="2" charset="0"/>
-              </a:rPr>
-              <a:t> </a:t>
-            </a:r>
-            <a:r>
-              <a:rPr lang="en-US" sz="6600" b="1" dirty="0" err="1">
-                <a:solidFill>
-                  <a:prstClr val="black"/>
-                </a:solidFill>
-                <a:effectLst>
-                  <a:glow rad="101600">
-                    <a:prstClr val="white">
-                      <a:alpha val="60000"/>
-                    </a:prstClr>
-                  </a:glow>
-                </a:effectLst>
-                <a:latin typeface="VNI-Aptima" pitchFamily="2" charset="0"/>
+                <a:latin typeface="VNI-Times" pitchFamily="2" charset="0"/>
+              </a:rPr>
+              <a:t> </a:t>
+            </a:r>
+            <a:r>
+              <a:rPr lang="en-US" sz="6600" b="1" dirty="0" err="1">
+                <a:solidFill>
+                  <a:prstClr val="black"/>
+                </a:solidFill>
+                <a:effectLst>
+                  <a:glow rad="101600">
+                    <a:prstClr val="white">
+                      <a:alpha val="60000"/>
+                    </a:prstClr>
+                  </a:glow>
+                </a:effectLst>
+                <a:latin typeface="VNI-Times" pitchFamily="2" charset="0"/>
               </a:rPr>
               <a:t>anh</a:t>
             </a:r>
@@ -5397,7 +5243,7 @@
                     </a:prstClr>
                   </a:glow>
                 </a:effectLst>
-                <a:latin typeface="VNI-Aptima" pitchFamily="2" charset="0"/>
+                <a:latin typeface="VNI-Times" pitchFamily="2" charset="0"/>
               </a:rPr>
               <a:t> </a:t>
             </a:r>
@@ -5413,7 +5259,7 @@
                     </a:prstClr>
                   </a:glow>
                 </a:effectLst>
-                <a:latin typeface="VNI-Aptima" pitchFamily="2" charset="0"/>
+                <a:latin typeface="VNI-Times" pitchFamily="2" charset="0"/>
               </a:rPr>
             </a:br>
             <a:r>
@@ -5428,7 +5274,7 @@
                     </a:prstClr>
                   </a:glow>
                 </a:effectLst>
-                <a:latin typeface="VNI-Aptima" pitchFamily="2" charset="0"/>
+                <a:latin typeface="VNI-Times" pitchFamily="2" charset="0"/>
               </a:rPr>
               <a:t>seõ</a:t>
             </a:r>
@@ -5444,23 +5290,23 @@
                     </a:prstClr>
                   </a:glow>
                 </a:effectLst>
-                <a:latin typeface="VNI-Aptima" pitchFamily="2" charset="0"/>
-              </a:rPr>
-              <a:t> </a:t>
-            </a:r>
-            <a:r>
-              <a:rPr lang="en-US" sz="6600" b="1" dirty="0" err="1">
-                <a:solidFill>
-                  <a:prstClr val="black"/>
-                </a:solidFill>
-                <a:effectLst>
-                  <a:glow rad="101600">
-                    <a:prstClr val="white">
-                      <a:alpha val="60000"/>
-                    </a:prstClr>
-                  </a:glow>
-                </a:effectLst>
-                <a:latin typeface="VNI-Aptima" pitchFamily="2" charset="0"/>
+                <a:latin typeface="VNI-Times" pitchFamily="2" charset="0"/>
+              </a:rPr>
+              <a:t> </a:t>
+            </a:r>
+            <a:r>
+              <a:rPr lang="en-US" sz="6600" b="1" dirty="0" err="1">
+                <a:solidFill>
+                  <a:prstClr val="black"/>
+                </a:solidFill>
+                <a:effectLst>
+                  <a:glow rad="101600">
+                    <a:prstClr val="white">
+                      <a:alpha val="60000"/>
+                    </a:prstClr>
+                  </a:glow>
+                </a:effectLst>
+                <a:latin typeface="VNI-Times" pitchFamily="2" charset="0"/>
               </a:rPr>
               <a:t>thaáy</a:t>
             </a:r>
@@ -5476,23 +5322,23 @@
                     </a:prstClr>
                   </a:glow>
                 </a:effectLst>
-                <a:latin typeface="VNI-Aptima" pitchFamily="2" charset="0"/>
-              </a:rPr>
-              <a:t> </a:t>
-            </a:r>
-            <a:r>
-              <a:rPr lang="en-US" sz="6600" b="1" dirty="0" err="1">
-                <a:solidFill>
-                  <a:prstClr val="black"/>
-                </a:solidFill>
-                <a:effectLst>
-                  <a:glow rad="101600">
-                    <a:prstClr val="white">
-                      <a:alpha val="60000"/>
-                    </a:prstClr>
-                  </a:glow>
-                </a:effectLst>
-                <a:latin typeface="VNI-Aptima" pitchFamily="2" charset="0"/>
+                <a:latin typeface="VNI-Times" pitchFamily="2" charset="0"/>
+              </a:rPr>
+              <a:t> </a:t>
+            </a:r>
+            <a:r>
+              <a:rPr lang="en-US" sz="6600" b="1" dirty="0" err="1">
+                <a:solidFill>
+                  <a:prstClr val="black"/>
+                </a:solidFill>
+                <a:effectLst>
+                  <a:glow rad="101600">
+                    <a:prstClr val="white">
+                      <a:alpha val="60000"/>
+                    </a:prstClr>
+                  </a:glow>
+                </a:effectLst>
+                <a:latin typeface="VNI-Times" pitchFamily="2" charset="0"/>
               </a:rPr>
               <a:t>caùc</a:t>
             </a:r>
@@ -5508,23 +5354,23 @@
                     </a:prstClr>
                   </a:glow>
                 </a:effectLst>
-                <a:latin typeface="VNI-Aptima" pitchFamily="2" charset="0"/>
-              </a:rPr>
-              <a:t> </a:t>
-            </a:r>
-            <a:r>
-              <a:rPr lang="en-US" sz="6600" b="1" dirty="0" err="1">
-                <a:solidFill>
-                  <a:prstClr val="black"/>
-                </a:solidFill>
-                <a:effectLst>
-                  <a:glow rad="101600">
-                    <a:prstClr val="white">
-                      <a:alpha val="60000"/>
-                    </a:prstClr>
-                  </a:glow>
-                </a:effectLst>
-                <a:latin typeface="VNI-Aptima" pitchFamily="2" charset="0"/>
+                <a:latin typeface="VNI-Times" pitchFamily="2" charset="0"/>
+              </a:rPr>
+              <a:t> </a:t>
+            </a:r>
+            <a:r>
+              <a:rPr lang="en-US" sz="6600" b="1" dirty="0" err="1">
+                <a:solidFill>
+                  <a:prstClr val="black"/>
+                </a:solidFill>
+                <a:effectLst>
+                  <a:glow rad="101600">
+                    <a:prstClr val="white">
+                      <a:alpha val="60000"/>
+                    </a:prstClr>
+                  </a:glow>
+                </a:effectLst>
+                <a:latin typeface="VNI-Times" pitchFamily="2" charset="0"/>
               </a:rPr>
               <a:t>coâng</a:t>
             </a:r>
@@ -5540,23 +5386,23 @@
                     </a:prstClr>
                   </a:glow>
                 </a:effectLst>
-                <a:latin typeface="VNI-Aptima" pitchFamily="2" charset="0"/>
-              </a:rPr>
-              <a:t> </a:t>
-            </a:r>
-            <a:r>
-              <a:rPr lang="en-US" sz="6600" b="1" dirty="0" err="1">
-                <a:solidFill>
-                  <a:prstClr val="black"/>
-                </a:solidFill>
-                <a:effectLst>
-                  <a:glow rad="101600">
-                    <a:prstClr val="white">
-                      <a:alpha val="60000"/>
-                    </a:prstClr>
-                  </a:glow>
-                </a:effectLst>
-                <a:latin typeface="VNI-Aptima" pitchFamily="2" charset="0"/>
+                <a:latin typeface="VNI-Times" pitchFamily="2" charset="0"/>
+              </a:rPr>
+              <a:t> </a:t>
+            </a:r>
+            <a:r>
+              <a:rPr lang="en-US" sz="6600" b="1" dirty="0" err="1">
+                <a:solidFill>
+                  <a:prstClr val="black"/>
+                </a:solidFill>
+                <a:effectLst>
+                  <a:glow rad="101600">
+                    <a:prstClr val="white">
+                      <a:alpha val="60000"/>
+                    </a:prstClr>
+                  </a:glow>
+                </a:effectLst>
+                <a:latin typeface="VNI-Times" pitchFamily="2" charset="0"/>
               </a:rPr>
               <a:t>taùc</a:t>
             </a:r>
@@ -5572,55 +5418,55 @@
                     </a:prstClr>
                   </a:glow>
                 </a:effectLst>
-                <a:latin typeface="VNI-Aptima" pitchFamily="2" charset="0"/>
-              </a:rPr>
-              <a:t> </a:t>
-            </a:r>
-            <a:r>
-              <a:rPr lang="en-US" sz="6600" b="1">
-                <a:solidFill>
-                  <a:prstClr val="black"/>
-                </a:solidFill>
-                <a:effectLst>
-                  <a:glow rad="101600">
-                    <a:prstClr val="white">
-                      <a:alpha val="60000"/>
-                    </a:prstClr>
-                  </a:glow>
-                </a:effectLst>
-                <a:latin typeface="VNI-Aptima" pitchFamily="2" charset="0"/>
-              </a:rPr>
-              <a:t>Cha </a:t>
-            </a:r>
-            <a:r>
-              <a:rPr lang="en-US" sz="6600" b="1" smtClean="0">
-                <a:solidFill>
-                  <a:prstClr val="black"/>
-                </a:solidFill>
-                <a:effectLst>
-                  <a:glow rad="101600">
-                    <a:prstClr val="white">
-                      <a:alpha val="60000"/>
-                    </a:prstClr>
-                  </a:glow>
-                </a:effectLst>
-                <a:latin typeface="VNI-Aptima" pitchFamily="2" charset="0"/>
-              </a:rPr>
-              <a:t>ñaõ </a:t>
-            </a:r>
-            <a:r>
-              <a:rPr lang="en-US" sz="6600" b="1" dirty="0" err="1">
-                <a:solidFill>
-                  <a:prstClr val="black"/>
-                </a:solidFill>
-                <a:effectLst>
-                  <a:glow rad="101600">
-                    <a:prstClr val="white">
-                      <a:alpha val="60000"/>
-                    </a:prstClr>
-                  </a:glow>
-                </a:effectLst>
-                <a:latin typeface="VNI-Aptima" pitchFamily="2" charset="0"/>
+                <a:latin typeface="VNI-Times" pitchFamily="2" charset="0"/>
+              </a:rPr>
+              <a:t> Cha </a:t>
+            </a:r>
+            <a:r>
+              <a:rPr lang="en-US" sz="6600" b="1" dirty="0" err="1">
+                <a:solidFill>
+                  <a:prstClr val="black"/>
+                </a:solidFill>
+                <a:effectLst>
+                  <a:glow rad="101600">
+                    <a:prstClr val="white">
+                      <a:alpha val="60000"/>
+                    </a:prstClr>
+                  </a:glow>
+                </a:effectLst>
+                <a:latin typeface="VNI-Times" pitchFamily="2" charset="0"/>
+              </a:rPr>
+              <a:t>ñaõ</a:t>
+            </a:r>
+            <a:r>
+              <a:rPr lang="en-US" sz="6600" b="1" dirty="0">
+                <a:solidFill>
+                  <a:prstClr val="black"/>
+                </a:solidFill>
+                <a:effectLst>
+                  <a:glow rad="101600">
+                    <a:prstClr val="white">
+                      <a:alpha val="60000"/>
+                    </a:prstClr>
+                  </a:glow>
+                </a:effectLst>
+                <a:latin typeface="VNI-Times" pitchFamily="2" charset="0"/>
+              </a:rPr>
+              <a:t> </a:t>
+            </a:r>
+            <a:r>
+              <a:rPr lang="en-US" sz="6600" b="1" dirty="0" err="1">
+                <a:solidFill>
+                  <a:prstClr val="black"/>
+                </a:solidFill>
+                <a:effectLst>
+                  <a:glow rad="101600">
+                    <a:prstClr val="white">
+                      <a:alpha val="60000"/>
+                    </a:prstClr>
+                  </a:glow>
+                </a:effectLst>
+                <a:latin typeface="VNI-Times" pitchFamily="2" charset="0"/>
               </a:rPr>
               <a:t>laøm</a:t>
             </a:r>
@@ -5636,7 +5482,7 @@
                     </a:prstClr>
                   </a:glow>
                 </a:effectLst>
-                <a:latin typeface="VNI-Aptima" pitchFamily="2" charset="0"/>
+                <a:latin typeface="VNI-Times" pitchFamily="2" charset="0"/>
               </a:rPr>
               <a:t>.</a:t>
             </a:r>
@@ -5692,10 +5538,11 @@
           </a:lstStyle>
           <a:p>
             <a:r>
-              <a:rPr lang="en-US" smtClean="0"/>
+              <a:rPr lang="en-US" dirty="0">
+                <a:latin typeface="VNI-Times" pitchFamily="2" charset="0"/>
+              </a:rPr>
               <a:t>HAÕY ÑEÁM CAÙC PHÖÔÙC CHUÙA BAN</a:t>
             </a:r>
-            <a:endParaRPr lang="en-US" dirty="0"/>
           </a:p>
         </p:txBody>
       </p:sp>
@@ -5764,7 +5611,7 @@
                     </a:prstClr>
                   </a:glow>
                 </a:effectLst>
-                <a:latin typeface="VNI-Aptima" pitchFamily="2" charset="0"/>
+                <a:latin typeface="VNI-Times" pitchFamily="2" charset="0"/>
               </a:rPr>
               <a:t>3. </a:t>
             </a:r>
@@ -5780,7 +5627,7 @@
                     </a:prstClr>
                   </a:glow>
                 </a:effectLst>
-                <a:latin typeface="VNI-Aptima" pitchFamily="2" charset="0"/>
+                <a:latin typeface="VNI-Times" pitchFamily="2" charset="0"/>
               </a:rPr>
               <a:t>Anh</a:t>
             </a:r>
@@ -5796,23 +5643,23 @@
                     </a:prstClr>
                   </a:glow>
                 </a:effectLst>
-                <a:latin typeface="VNI-Aptima" pitchFamily="2" charset="0"/>
-              </a:rPr>
-              <a:t> </a:t>
-            </a:r>
-            <a:r>
-              <a:rPr lang="en-US" sz="6600" b="1" dirty="0" err="1">
-                <a:solidFill>
-                  <a:prstClr val="black"/>
-                </a:solidFill>
-                <a:effectLst>
-                  <a:glow rad="101600">
-                    <a:prstClr val="white">
-                      <a:alpha val="60000"/>
-                    </a:prstClr>
-                  </a:glow>
-                </a:effectLst>
-                <a:latin typeface="VNI-Aptima" pitchFamily="2" charset="0"/>
+                <a:latin typeface="VNI-Times" pitchFamily="2" charset="0"/>
+              </a:rPr>
+              <a:t> </a:t>
+            </a:r>
+            <a:r>
+              <a:rPr lang="en-US" sz="6600" b="1" dirty="0" err="1">
+                <a:solidFill>
+                  <a:prstClr val="black"/>
+                </a:solidFill>
+                <a:effectLst>
+                  <a:glow rad="101600">
+                    <a:prstClr val="white">
+                      <a:alpha val="60000"/>
+                    </a:prstClr>
+                  </a:glow>
+                </a:effectLst>
+                <a:latin typeface="VNI-Times" pitchFamily="2" charset="0"/>
               </a:rPr>
               <a:t>ñang</a:t>
             </a:r>
@@ -5828,23 +5675,23 @@
                     </a:prstClr>
                   </a:glow>
                 </a:effectLst>
-                <a:latin typeface="VNI-Aptima" pitchFamily="2" charset="0"/>
-              </a:rPr>
-              <a:t> </a:t>
-            </a:r>
-            <a:r>
-              <a:rPr lang="en-US" sz="6600" b="1" dirty="0" err="1">
-                <a:solidFill>
-                  <a:prstClr val="black"/>
-                </a:solidFill>
-                <a:effectLst>
-                  <a:glow rad="101600">
-                    <a:prstClr val="white">
-                      <a:alpha val="60000"/>
-                    </a:prstClr>
-                  </a:glow>
-                </a:effectLst>
-                <a:latin typeface="VNI-Aptima" pitchFamily="2" charset="0"/>
+                <a:latin typeface="VNI-Times" pitchFamily="2" charset="0"/>
+              </a:rPr>
+              <a:t> </a:t>
+            </a:r>
+            <a:r>
+              <a:rPr lang="en-US" sz="6600" b="1" dirty="0" err="1">
+                <a:solidFill>
+                  <a:prstClr val="black"/>
+                </a:solidFill>
+                <a:effectLst>
+                  <a:glow rad="101600">
+                    <a:prstClr val="white">
+                      <a:alpha val="60000"/>
+                    </a:prstClr>
+                  </a:glow>
+                </a:effectLst>
+                <a:latin typeface="VNI-Times" pitchFamily="2" charset="0"/>
               </a:rPr>
               <a:t>troâng</a:t>
             </a:r>
@@ -5860,7 +5707,7 @@
                     </a:prstClr>
                   </a:glow>
                 </a:effectLst>
-                <a:latin typeface="VNI-Aptima" pitchFamily="2" charset="0"/>
+                <a:latin typeface="VNI-Times" pitchFamily="2" charset="0"/>
               </a:rPr>
               <a:t> </a:t>
             </a:r>
@@ -5876,7 +5723,7 @@
                     </a:prstClr>
                   </a:glow>
                 </a:effectLst>
-                <a:latin typeface="VNI-Aptima" pitchFamily="2" charset="0"/>
+                <a:latin typeface="VNI-Times" pitchFamily="2" charset="0"/>
               </a:rPr>
             </a:br>
             <a:r>
@@ -5891,7 +5738,7 @@
                     </a:prstClr>
                   </a:glow>
                 </a:effectLst>
-                <a:latin typeface="VNI-Aptima" pitchFamily="2" charset="0"/>
+                <a:latin typeface="VNI-Times" pitchFamily="2" charset="0"/>
               </a:rPr>
               <a:t>nôi</a:t>
             </a:r>
@@ -5907,23 +5754,23 @@
                     </a:prstClr>
                   </a:glow>
                 </a:effectLst>
-                <a:latin typeface="VNI-Aptima" pitchFamily="2" charset="0"/>
-              </a:rPr>
-              <a:t> </a:t>
-            </a:r>
-            <a:r>
-              <a:rPr lang="en-US" sz="6600" b="1" dirty="0" err="1">
-                <a:solidFill>
-                  <a:prstClr val="black"/>
-                </a:solidFill>
-                <a:effectLst>
-                  <a:glow rad="101600">
-                    <a:prstClr val="white">
-                      <a:alpha val="60000"/>
-                    </a:prstClr>
-                  </a:glow>
-                </a:effectLst>
-                <a:latin typeface="VNI-Aptima" pitchFamily="2" charset="0"/>
+                <a:latin typeface="VNI-Times" pitchFamily="2" charset="0"/>
+              </a:rPr>
+              <a:t> </a:t>
+            </a:r>
+            <a:r>
+              <a:rPr lang="en-US" sz="6600" b="1" dirty="0" err="1">
+                <a:solidFill>
+                  <a:prstClr val="black"/>
+                </a:solidFill>
+                <a:effectLst>
+                  <a:glow rad="101600">
+                    <a:prstClr val="white">
+                      <a:alpha val="60000"/>
+                    </a:prstClr>
+                  </a:glow>
+                </a:effectLst>
+                <a:latin typeface="VNI-Times" pitchFamily="2" charset="0"/>
               </a:rPr>
               <a:t>cuûa</a:t>
             </a:r>
@@ -5939,23 +5786,23 @@
                     </a:prstClr>
                   </a:glow>
                 </a:effectLst>
-                <a:latin typeface="VNI-Aptima" pitchFamily="2" charset="0"/>
-              </a:rPr>
-              <a:t> </a:t>
-            </a:r>
-            <a:r>
-              <a:rPr lang="en-US" sz="6600" b="1" dirty="0" err="1">
-                <a:solidFill>
-                  <a:prstClr val="black"/>
-                </a:solidFill>
-                <a:effectLst>
-                  <a:glow rad="101600">
-                    <a:prstClr val="white">
-                      <a:alpha val="60000"/>
-                    </a:prstClr>
-                  </a:glow>
-                </a:effectLst>
-                <a:latin typeface="VNI-Aptima" pitchFamily="2" charset="0"/>
+                <a:latin typeface="VNI-Times" pitchFamily="2" charset="0"/>
+              </a:rPr>
+              <a:t> </a:t>
+            </a:r>
+            <a:r>
+              <a:rPr lang="en-US" sz="6600" b="1" dirty="0" err="1">
+                <a:solidFill>
+                  <a:prstClr val="black"/>
+                </a:solidFill>
+                <a:effectLst>
+                  <a:glow rad="101600">
+                    <a:prstClr val="white">
+                      <a:alpha val="60000"/>
+                    </a:prstClr>
+                  </a:glow>
+                </a:effectLst>
+                <a:latin typeface="VNI-Times" pitchFamily="2" charset="0"/>
               </a:rPr>
               <a:t>caûi</a:t>
             </a:r>
@@ -5971,23 +5818,23 @@
                     </a:prstClr>
                   </a:glow>
                 </a:effectLst>
-                <a:latin typeface="VNI-Aptima" pitchFamily="2" charset="0"/>
-              </a:rPr>
-              <a:t> </a:t>
-            </a:r>
-            <a:r>
-              <a:rPr lang="en-US" sz="6600" b="1" dirty="0" err="1">
-                <a:solidFill>
-                  <a:prstClr val="black"/>
-                </a:solidFill>
-                <a:effectLst>
-                  <a:glow rad="101600">
-                    <a:prstClr val="white">
-                      <a:alpha val="60000"/>
-                    </a:prstClr>
-                  </a:glow>
-                </a:effectLst>
-                <a:latin typeface="VNI-Aptima" pitchFamily="2" charset="0"/>
+                <a:latin typeface="VNI-Times" pitchFamily="2" charset="0"/>
+              </a:rPr>
+              <a:t> </a:t>
+            </a:r>
+            <a:r>
+              <a:rPr lang="en-US" sz="6600" b="1" dirty="0" err="1">
+                <a:solidFill>
+                  <a:prstClr val="black"/>
+                </a:solidFill>
+                <a:effectLst>
+                  <a:glow rad="101600">
+                    <a:prstClr val="white">
+                      <a:alpha val="60000"/>
+                    </a:prstClr>
+                  </a:glow>
+                </a:effectLst>
+                <a:latin typeface="VNI-Times" pitchFamily="2" charset="0"/>
               </a:rPr>
               <a:t>keû</a:t>
             </a:r>
@@ -6003,23 +5850,23 @@
                     </a:prstClr>
                   </a:glow>
                 </a:effectLst>
-                <a:latin typeface="VNI-Aptima" pitchFamily="2" charset="0"/>
-              </a:rPr>
-              <a:t> </a:t>
-            </a:r>
-            <a:r>
-              <a:rPr lang="en-US" sz="6600" b="1" dirty="0" err="1">
-                <a:solidFill>
-                  <a:prstClr val="black"/>
-                </a:solidFill>
-                <a:effectLst>
-                  <a:glow rad="101600">
-                    <a:prstClr val="white">
-                      <a:alpha val="60000"/>
-                    </a:prstClr>
-                  </a:glow>
-                </a:effectLst>
-                <a:latin typeface="VNI-Aptima" pitchFamily="2" charset="0"/>
+                <a:latin typeface="VNI-Times" pitchFamily="2" charset="0"/>
+              </a:rPr>
+              <a:t> </a:t>
+            </a:r>
+            <a:r>
+              <a:rPr lang="en-US" sz="6600" b="1" dirty="0" err="1">
+                <a:solidFill>
+                  <a:prstClr val="black"/>
+                </a:solidFill>
+                <a:effectLst>
+                  <a:glow rad="101600">
+                    <a:prstClr val="white">
+                      <a:alpha val="60000"/>
+                    </a:prstClr>
+                  </a:glow>
+                </a:effectLst>
+                <a:latin typeface="VNI-Times" pitchFamily="2" charset="0"/>
               </a:rPr>
               <a:t>giaøu</a:t>
             </a:r>
@@ -6035,7 +5882,7 @@
                     </a:prstClr>
                   </a:glow>
                 </a:effectLst>
-                <a:latin typeface="VNI-Aptima" pitchFamily="2" charset="0"/>
+                <a:latin typeface="VNI-Times" pitchFamily="2" charset="0"/>
               </a:rPr>
               <a:t> sang </a:t>
             </a:r>
@@ -6051,7 +5898,7 @@
                     </a:prstClr>
                   </a:glow>
                 </a:effectLst>
-                <a:latin typeface="VNI-Aptima" pitchFamily="2" charset="0"/>
+                <a:latin typeface="VNI-Times" pitchFamily="2" charset="0"/>
               </a:rPr>
               <a:t>ñôøi</a:t>
             </a:r>
@@ -6067,23 +5914,23 @@
                     </a:prstClr>
                   </a:glow>
                 </a:effectLst>
-                <a:latin typeface="VNI-Aptima" pitchFamily="2" charset="0"/>
-              </a:rPr>
-              <a:t> </a:t>
-            </a:r>
-            <a:r>
-              <a:rPr lang="en-US" sz="6600" b="1" dirty="0" err="1">
-                <a:solidFill>
-                  <a:prstClr val="black"/>
-                </a:solidFill>
-                <a:effectLst>
-                  <a:glow rad="101600">
-                    <a:prstClr val="white">
-                      <a:alpha val="60000"/>
-                    </a:prstClr>
-                  </a:glow>
-                </a:effectLst>
-                <a:latin typeface="VNI-Aptima" pitchFamily="2" charset="0"/>
+                <a:latin typeface="VNI-Times" pitchFamily="2" charset="0"/>
+              </a:rPr>
+              <a:t> </a:t>
+            </a:r>
+            <a:r>
+              <a:rPr lang="en-US" sz="6600" b="1" dirty="0" err="1">
+                <a:solidFill>
+                  <a:prstClr val="black"/>
+                </a:solidFill>
+                <a:effectLst>
+                  <a:glow rad="101600">
+                    <a:prstClr val="white">
+                      <a:alpha val="60000"/>
+                    </a:prstClr>
+                  </a:glow>
+                </a:effectLst>
+                <a:latin typeface="VNI-Times" pitchFamily="2" charset="0"/>
               </a:rPr>
               <a:t>naày</a:t>
             </a:r>
@@ -6099,7 +5946,7 @@
                     </a:prstClr>
                   </a:glow>
                 </a:effectLst>
-                <a:latin typeface="VNI-Aptima" pitchFamily="2" charset="0"/>
+                <a:latin typeface="VNI-Times" pitchFamily="2" charset="0"/>
               </a:rPr>
               <a:t>? </a:t>
             </a:r>
@@ -6155,10 +6002,11 @@
           </a:lstStyle>
           <a:p>
             <a:r>
-              <a:rPr lang="en-US" smtClean="0"/>
+              <a:rPr lang="en-US" dirty="0">
+                <a:latin typeface="VNI-Times" pitchFamily="2" charset="0"/>
+              </a:rPr>
               <a:t>HAÕY ÑEÁM CAÙC PHÖÔÙC CHUÙA BAN</a:t>
             </a:r>
-            <a:endParaRPr lang="en-US" dirty="0"/>
           </a:p>
         </p:txBody>
       </p:sp>
@@ -6184,13 +6032,6 @@
       </p:transition>
     </mc:Fallback>
   </mc:AlternateContent>
-  <p:timing>
-    <p:tnLst>
-      <p:par>
-        <p:cTn id="1" dur="indefinite" restart="never" nodeType="tmRoot"/>
-      </p:par>
-    </p:tnLst>
-  </p:timing>
 </p:sld>
 </file>
 
@@ -6246,7 +6087,7 @@
                     </a:prstClr>
                   </a:glow>
                 </a:effectLst>
-                <a:latin typeface="VNI-Aptima" pitchFamily="2" charset="0"/>
+                <a:latin typeface="VNI-Times" pitchFamily="2" charset="0"/>
               </a:rPr>
               <a:t>Kìa</a:t>
             </a:r>
@@ -6262,23 +6103,23 @@
                     </a:prstClr>
                   </a:glow>
                 </a:effectLst>
-                <a:latin typeface="VNI-Aptima" pitchFamily="2" charset="0"/>
-              </a:rPr>
-              <a:t> </a:t>
-            </a:r>
-            <a:r>
-              <a:rPr lang="en-US" sz="6600" b="1" dirty="0" err="1">
-                <a:solidFill>
-                  <a:prstClr val="black"/>
-                </a:solidFill>
-                <a:effectLst>
-                  <a:glow rad="101600">
-                    <a:prstClr val="white">
-                      <a:alpha val="60000"/>
-                    </a:prstClr>
-                  </a:glow>
-                </a:effectLst>
-                <a:latin typeface="VNI-Aptima" pitchFamily="2" charset="0"/>
+                <a:latin typeface="VNI-Times" pitchFamily="2" charset="0"/>
+              </a:rPr>
+              <a:t> </a:t>
+            </a:r>
+            <a:r>
+              <a:rPr lang="en-US" sz="6600" b="1" dirty="0" err="1">
+                <a:solidFill>
+                  <a:prstClr val="black"/>
+                </a:solidFill>
+                <a:effectLst>
+                  <a:glow rad="101600">
+                    <a:prstClr val="white">
+                      <a:alpha val="60000"/>
+                    </a:prstClr>
+                  </a:glow>
+                </a:effectLst>
+                <a:latin typeface="VNI-Times" pitchFamily="2" charset="0"/>
               </a:rPr>
               <a:t>kim</a:t>
             </a:r>
@@ -6294,23 +6135,23 @@
                     </a:prstClr>
                   </a:glow>
                 </a:effectLst>
-                <a:latin typeface="VNI-Aptima" pitchFamily="2" charset="0"/>
-              </a:rPr>
-              <a:t> </a:t>
-            </a:r>
-            <a:r>
-              <a:rPr lang="en-US" sz="6600" b="1" dirty="0" err="1">
-                <a:solidFill>
-                  <a:prstClr val="black"/>
-                </a:solidFill>
-                <a:effectLst>
-                  <a:glow rad="101600">
-                    <a:prstClr val="white">
-                      <a:alpha val="60000"/>
-                    </a:prstClr>
-                  </a:glow>
-                </a:effectLst>
-                <a:latin typeface="VNI-Aptima" pitchFamily="2" charset="0"/>
+                <a:latin typeface="VNI-Times" pitchFamily="2" charset="0"/>
+              </a:rPr>
+              <a:t> </a:t>
+            </a:r>
+            <a:r>
+              <a:rPr lang="en-US" sz="6600" b="1" dirty="0" err="1">
+                <a:solidFill>
+                  <a:prstClr val="black"/>
+                </a:solidFill>
+                <a:effectLst>
+                  <a:glow rad="101600">
+                    <a:prstClr val="white">
+                      <a:alpha val="60000"/>
+                    </a:prstClr>
+                  </a:glow>
+                </a:effectLst>
+                <a:latin typeface="VNI-Times" pitchFamily="2" charset="0"/>
               </a:rPr>
               <a:t>ngoân</a:t>
             </a:r>
@@ -6326,7 +6167,7 @@
                     </a:prstClr>
                   </a:glow>
                 </a:effectLst>
-                <a:latin typeface="VNI-Aptima" pitchFamily="2" charset="0"/>
+                <a:latin typeface="VNI-Times" pitchFamily="2" charset="0"/>
               </a:rPr>
               <a:t> Cha </a:t>
             </a:r>
@@ -6342,7 +6183,7 @@
                     </a:prstClr>
                   </a:glow>
                 </a:effectLst>
-                <a:latin typeface="VNI-Aptima" pitchFamily="2" charset="0"/>
+                <a:latin typeface="VNI-Times" pitchFamily="2" charset="0"/>
               </a:rPr>
             </a:br>
             <a:r>
@@ -6357,7 +6198,7 @@
                     </a:prstClr>
                   </a:glow>
                 </a:effectLst>
-                <a:latin typeface="VNI-Aptima" pitchFamily="2" charset="0"/>
+                <a:latin typeface="VNI-Times" pitchFamily="2" charset="0"/>
               </a:rPr>
               <a:t>höùa</a:t>
             </a:r>
@@ -6373,55 +6214,87 @@
                     </a:prstClr>
                   </a:glow>
                 </a:effectLst>
-                <a:latin typeface="VNI-Aptima" pitchFamily="2" charset="0"/>
-              </a:rPr>
-              <a:t> </a:t>
-            </a:r>
-            <a:r>
-              <a:rPr lang="en-US" sz="6600" b="1">
-                <a:solidFill>
-                  <a:prstClr val="black"/>
-                </a:solidFill>
-                <a:effectLst>
-                  <a:glow rad="101600">
-                    <a:prstClr val="white">
-                      <a:alpha val="60000"/>
-                    </a:prstClr>
-                  </a:glow>
-                </a:effectLst>
-                <a:latin typeface="VNI-Aptima" pitchFamily="2" charset="0"/>
-              </a:rPr>
-              <a:t>ban </a:t>
-            </a:r>
-            <a:r>
-              <a:rPr lang="en-US" sz="6600" b="1" smtClean="0">
-                <a:solidFill>
-                  <a:prstClr val="black"/>
-                </a:solidFill>
-                <a:effectLst>
-                  <a:glow rad="101600">
-                    <a:prstClr val="white">
-                      <a:alpha val="60000"/>
-                    </a:prstClr>
-                  </a:glow>
-                </a:effectLst>
-                <a:latin typeface="VNI-Aptima" pitchFamily="2" charset="0"/>
-              </a:rPr>
-              <a:t>cho voâ </a:t>
-            </a:r>
-            <a:r>
-              <a:rPr lang="en-US" sz="6600" b="1" dirty="0" err="1">
-                <a:solidFill>
-                  <a:prstClr val="black"/>
-                </a:solidFill>
-                <a:effectLst>
-                  <a:glow rad="101600">
-                    <a:prstClr val="white">
-                      <a:alpha val="60000"/>
-                    </a:prstClr>
-                  </a:glow>
-                </a:effectLst>
-                <a:latin typeface="VNI-Aptima" pitchFamily="2" charset="0"/>
+                <a:latin typeface="VNI-Times" pitchFamily="2" charset="0"/>
+              </a:rPr>
+              <a:t> ban </a:t>
+            </a:r>
+            <a:r>
+              <a:rPr lang="en-US" sz="6600" b="1" dirty="0" err="1">
+                <a:solidFill>
+                  <a:prstClr val="black"/>
+                </a:solidFill>
+                <a:effectLst>
+                  <a:glow rad="101600">
+                    <a:prstClr val="white">
+                      <a:alpha val="60000"/>
+                    </a:prstClr>
+                  </a:glow>
+                </a:effectLst>
+                <a:latin typeface="VNI-Times" pitchFamily="2" charset="0"/>
+              </a:rPr>
+              <a:t>cho</a:t>
+            </a:r>
+            <a:r>
+              <a:rPr lang="en-US" sz="6600" b="1" dirty="0">
+                <a:solidFill>
+                  <a:prstClr val="black"/>
+                </a:solidFill>
+                <a:effectLst>
+                  <a:glow rad="101600">
+                    <a:prstClr val="white">
+                      <a:alpha val="60000"/>
+                    </a:prstClr>
+                  </a:glow>
+                </a:effectLst>
+                <a:latin typeface="VNI-Times" pitchFamily="2" charset="0"/>
+              </a:rPr>
+              <a:t> </a:t>
+            </a:r>
+            <a:r>
+              <a:rPr lang="en-US" sz="6600" b="1" dirty="0" err="1">
+                <a:solidFill>
+                  <a:prstClr val="black"/>
+                </a:solidFill>
+                <a:effectLst>
+                  <a:glow rad="101600">
+                    <a:prstClr val="white">
+                      <a:alpha val="60000"/>
+                    </a:prstClr>
+                  </a:glow>
+                </a:effectLst>
+                <a:latin typeface="VNI-Times" pitchFamily="2" charset="0"/>
+              </a:rPr>
+              <a:t>voâ</a:t>
+            </a:r>
+            <a:r>
+              <a:rPr lang="en-US" sz="6600" b="1" dirty="0">
+                <a:solidFill>
+                  <a:prstClr val="black"/>
+                </a:solidFill>
+                <a:effectLst>
+                  <a:glow rad="101600">
+                    <a:prstClr val="white">
+                      <a:alpha val="60000"/>
+                    </a:prstClr>
+                  </a:glow>
+                </a:effectLst>
+                <a:latin typeface="VNI-Times" pitchFamily="2" charset="0"/>
+              </a:rPr>
+              <a:t> </a:t>
+            </a:r>
+            <a:r>
+              <a:rPr lang="en-US" sz="6600" b="1" dirty="0" err="1">
+                <a:solidFill>
+                  <a:prstClr val="black"/>
+                </a:solidFill>
+                <a:effectLst>
+                  <a:glow rad="101600">
+                    <a:prstClr val="white">
+                      <a:alpha val="60000"/>
+                    </a:prstClr>
+                  </a:glow>
+                </a:effectLst>
+                <a:latin typeface="VNI-Times" pitchFamily="2" charset="0"/>
               </a:rPr>
               <a:t>taän</a:t>
             </a:r>
@@ -6437,23 +6310,23 @@
                     </a:prstClr>
                   </a:glow>
                 </a:effectLst>
-                <a:latin typeface="VNI-Aptima" pitchFamily="2" charset="0"/>
-              </a:rPr>
-              <a:t> </a:t>
-            </a:r>
-            <a:r>
-              <a:rPr lang="en-US" sz="6600" b="1" dirty="0" err="1">
-                <a:solidFill>
-                  <a:prstClr val="black"/>
-                </a:solidFill>
-                <a:effectLst>
-                  <a:glow rad="101600">
-                    <a:prstClr val="white">
-                      <a:alpha val="60000"/>
-                    </a:prstClr>
-                  </a:glow>
-                </a:effectLst>
-                <a:latin typeface="VNI-Aptima" pitchFamily="2" charset="0"/>
+                <a:latin typeface="VNI-Times" pitchFamily="2" charset="0"/>
+              </a:rPr>
+              <a:t> </a:t>
+            </a:r>
+            <a:r>
+              <a:rPr lang="en-US" sz="6600" b="1" dirty="0" err="1">
+                <a:solidFill>
+                  <a:prstClr val="black"/>
+                </a:solidFill>
+                <a:effectLst>
+                  <a:glow rad="101600">
+                    <a:prstClr val="white">
+                      <a:alpha val="60000"/>
+                    </a:prstClr>
+                  </a:glow>
+                </a:effectLst>
+                <a:latin typeface="VNI-Times" pitchFamily="2" charset="0"/>
               </a:rPr>
               <a:t>ngaøy</a:t>
             </a:r>
@@ -6469,23 +6342,23 @@
                     </a:prstClr>
                   </a:glow>
                 </a:effectLst>
-                <a:latin typeface="VNI-Aptima" pitchFamily="2" charset="0"/>
-              </a:rPr>
-              <a:t> </a:t>
-            </a:r>
-            <a:r>
-              <a:rPr lang="en-US" sz="6600" b="1" dirty="0" err="1">
-                <a:solidFill>
-                  <a:prstClr val="black"/>
-                </a:solidFill>
-                <a:effectLst>
-                  <a:glow rad="101600">
-                    <a:prstClr val="white">
-                      <a:alpha val="60000"/>
-                    </a:prstClr>
-                  </a:glow>
-                </a:effectLst>
-                <a:latin typeface="VNI-Aptima" pitchFamily="2" charset="0"/>
+                <a:latin typeface="VNI-Times" pitchFamily="2" charset="0"/>
+              </a:rPr>
+              <a:t> </a:t>
+            </a:r>
+            <a:r>
+              <a:rPr lang="en-US" sz="6600" b="1" dirty="0" err="1">
+                <a:solidFill>
+                  <a:prstClr val="black"/>
+                </a:solidFill>
+                <a:effectLst>
+                  <a:glow rad="101600">
+                    <a:prstClr val="white">
+                      <a:alpha val="60000"/>
+                    </a:prstClr>
+                  </a:glow>
+                </a:effectLst>
+                <a:latin typeface="VNI-Times" pitchFamily="2" charset="0"/>
               </a:rPr>
               <a:t>mai</a:t>
             </a:r>
@@ -6501,7 +6374,7 @@
                     </a:prstClr>
                   </a:glow>
                 </a:effectLst>
-                <a:latin typeface="VNI-Aptima" pitchFamily="2" charset="0"/>
+                <a:latin typeface="VNI-Times" pitchFamily="2" charset="0"/>
               </a:rPr>
               <a:t>.</a:t>
             </a:r>
@@ -6557,10 +6430,11 @@
           </a:lstStyle>
           <a:p>
             <a:r>
-              <a:rPr lang="en-US" smtClean="0"/>
+              <a:rPr lang="en-US" dirty="0">
+                <a:latin typeface="VNI-Times" pitchFamily="2" charset="0"/>
+              </a:rPr>
               <a:t>HAÕY ÑEÁM CAÙC PHÖÔÙC CHUÙA BAN</a:t>
             </a:r>
-            <a:endParaRPr lang="en-US" dirty="0"/>
           </a:p>
         </p:txBody>
       </p:sp>
@@ -6629,7 +6503,7 @@
               <a:defRPr/>
             </a:pPr>
             <a:r>
-              <a:rPr lang="en-US" sz="3100" b="1" smtClean="0">
+              <a:rPr lang="en-US" sz="3100" b="1" dirty="0">
                 <a:solidFill>
                   <a:srgbClr val="FFFF00"/>
                 </a:solidFill>
@@ -6638,21 +6512,10 @@
                     <a:schemeClr val="tx1"/>
                   </a:glow>
                 </a:effectLst>
-                <a:latin typeface="VNI-Garam" pitchFamily="34" charset="0"/>
+                <a:latin typeface="VNI-Times" pitchFamily="2" charset="0"/>
               </a:rPr>
               <a:t>HAÕY ÑEÁM CAÙC PHÖÔÙC CHUÙA BAN</a:t>
             </a:r>
-            <a:endParaRPr lang="en-US" sz="3100" b="1" dirty="0">
-              <a:solidFill>
-                <a:srgbClr val="FFFF00"/>
-              </a:solidFill>
-              <a:effectLst>
-                <a:glow rad="101600">
-                  <a:schemeClr val="tx1"/>
-                </a:glow>
-              </a:effectLst>
-              <a:latin typeface="VNI-Garam" pitchFamily="34" charset="0"/>
-            </a:endParaRPr>
           </a:p>
         </p:txBody>
       </p:sp>
@@ -6691,7 +6554,7 @@
                     </a:prstClr>
                   </a:glow>
                 </a:effectLst>
-                <a:latin typeface="VNI-Aptima" pitchFamily="2" charset="0"/>
+                <a:latin typeface="VNI-Times" pitchFamily="2" charset="0"/>
               </a:rPr>
               <a:t>1. </a:t>
             </a:r>
@@ -6707,7 +6570,7 @@
                     </a:prstClr>
                   </a:glow>
                 </a:effectLst>
-                <a:latin typeface="VNI-Aptima" pitchFamily="2" charset="0"/>
+                <a:latin typeface="VNI-Times" pitchFamily="2" charset="0"/>
               </a:rPr>
               <a:t>Khi</a:t>
             </a:r>
@@ -6723,23 +6586,23 @@
                     </a:prstClr>
                   </a:glow>
                 </a:effectLst>
-                <a:latin typeface="VNI-Aptima" pitchFamily="2" charset="0"/>
-              </a:rPr>
-              <a:t> </a:t>
-            </a:r>
-            <a:r>
-              <a:rPr lang="en-US" sz="6600" b="1" dirty="0" err="1">
-                <a:solidFill>
-                  <a:prstClr val="black"/>
-                </a:solidFill>
-                <a:effectLst>
-                  <a:glow rad="101600">
-                    <a:prstClr val="white">
-                      <a:alpha val="60000"/>
-                    </a:prstClr>
-                  </a:glow>
-                </a:effectLst>
-                <a:latin typeface="VNI-Aptima" pitchFamily="2" charset="0"/>
+                <a:latin typeface="VNI-Times" pitchFamily="2" charset="0"/>
+              </a:rPr>
+              <a:t> </a:t>
+            </a:r>
+            <a:r>
+              <a:rPr lang="en-US" sz="6600" b="1" dirty="0" err="1">
+                <a:solidFill>
+                  <a:prstClr val="black"/>
+                </a:solidFill>
+                <a:effectLst>
+                  <a:glow rad="101600">
+                    <a:prstClr val="white">
+                      <a:alpha val="60000"/>
+                    </a:prstClr>
+                  </a:glow>
+                </a:effectLst>
+                <a:latin typeface="VNI-Times" pitchFamily="2" charset="0"/>
               </a:rPr>
               <a:t>bao</a:t>
             </a:r>
@@ -6755,23 +6618,23 @@
                     </a:prstClr>
                   </a:glow>
                 </a:effectLst>
-                <a:latin typeface="VNI-Aptima" pitchFamily="2" charset="0"/>
-              </a:rPr>
-              <a:t> </a:t>
-            </a:r>
-            <a:r>
-              <a:rPr lang="en-US" sz="6600" b="1" dirty="0" err="1">
-                <a:solidFill>
-                  <a:prstClr val="black"/>
-                </a:solidFill>
-                <a:effectLst>
-                  <a:glow rad="101600">
-                    <a:prstClr val="white">
-                      <a:alpha val="60000"/>
-                    </a:prstClr>
-                  </a:glow>
-                </a:effectLst>
-                <a:latin typeface="VNI-Aptima" pitchFamily="2" charset="0"/>
+                <a:latin typeface="VNI-Times" pitchFamily="2" charset="0"/>
+              </a:rPr>
+              <a:t> </a:t>
+            </a:r>
+            <a:r>
+              <a:rPr lang="en-US" sz="6600" b="1" dirty="0" err="1">
+                <a:solidFill>
+                  <a:prstClr val="black"/>
+                </a:solidFill>
+                <a:effectLst>
+                  <a:glow rad="101600">
+                    <a:prstClr val="white">
+                      <a:alpha val="60000"/>
+                    </a:prstClr>
+                  </a:glow>
+                </a:effectLst>
+                <a:latin typeface="VNI-Times" pitchFamily="2" charset="0"/>
               </a:rPr>
               <a:t>côn</a:t>
             </a:r>
@@ -6787,23 +6650,23 @@
                     </a:prstClr>
                   </a:glow>
                 </a:effectLst>
-                <a:latin typeface="VNI-Aptima" pitchFamily="2" charset="0"/>
-              </a:rPr>
-              <a:t> </a:t>
-            </a:r>
-            <a:r>
-              <a:rPr lang="en-US" sz="6600" b="1" dirty="0" err="1">
-                <a:solidFill>
-                  <a:prstClr val="black"/>
-                </a:solidFill>
-                <a:effectLst>
-                  <a:glow rad="101600">
-                    <a:prstClr val="white">
-                      <a:alpha val="60000"/>
-                    </a:prstClr>
-                  </a:glow>
-                </a:effectLst>
-                <a:latin typeface="VNI-Aptima" pitchFamily="2" charset="0"/>
+                <a:latin typeface="VNI-Times" pitchFamily="2" charset="0"/>
+              </a:rPr>
+              <a:t> </a:t>
+            </a:r>
+            <a:r>
+              <a:rPr lang="en-US" sz="6600" b="1" dirty="0" err="1">
+                <a:solidFill>
+                  <a:prstClr val="black"/>
+                </a:solidFill>
+                <a:effectLst>
+                  <a:glow rad="101600">
+                    <a:prstClr val="white">
+                      <a:alpha val="60000"/>
+                    </a:prstClr>
+                  </a:glow>
+                </a:effectLst>
+                <a:latin typeface="VNI-Times" pitchFamily="2" charset="0"/>
               </a:rPr>
               <a:t>soùng</a:t>
             </a:r>
@@ -6819,7 +6682,7 @@
                     </a:prstClr>
                   </a:glow>
                 </a:effectLst>
-                <a:latin typeface="VNI-Aptima" pitchFamily="2" charset="0"/>
+                <a:latin typeface="VNI-Times" pitchFamily="2" charset="0"/>
               </a:rPr>
               <a:t> </a:t>
             </a:r>
@@ -6835,7 +6698,7 @@
                     </a:prstClr>
                   </a:glow>
                 </a:effectLst>
-                <a:latin typeface="VNI-Aptima" pitchFamily="2" charset="0"/>
+                <a:latin typeface="VNI-Times" pitchFamily="2" charset="0"/>
               </a:rPr>
             </a:br>
             <a:r>
@@ -6850,7 +6713,7 @@
                     </a:prstClr>
                   </a:glow>
                 </a:effectLst>
-                <a:latin typeface="VNI-Aptima" pitchFamily="2" charset="0"/>
+                <a:latin typeface="VNI-Times" pitchFamily="2" charset="0"/>
               </a:rPr>
               <a:t>gioù</a:t>
             </a:r>
@@ -6866,23 +6729,23 @@
                     </a:prstClr>
                   </a:glow>
                 </a:effectLst>
-                <a:latin typeface="VNI-Aptima" pitchFamily="2" charset="0"/>
-              </a:rPr>
-              <a:t> </a:t>
-            </a:r>
-            <a:r>
-              <a:rPr lang="en-US" sz="6600" b="1" dirty="0" err="1">
-                <a:solidFill>
-                  <a:prstClr val="black"/>
-                </a:solidFill>
-                <a:effectLst>
-                  <a:glow rad="101600">
-                    <a:prstClr val="white">
-                      <a:alpha val="60000"/>
-                    </a:prstClr>
-                  </a:glow>
-                </a:effectLst>
-                <a:latin typeface="VNI-Aptima" pitchFamily="2" charset="0"/>
+                <a:latin typeface="VNI-Times" pitchFamily="2" charset="0"/>
+              </a:rPr>
+              <a:t> </a:t>
+            </a:r>
+            <a:r>
+              <a:rPr lang="en-US" sz="6600" b="1" dirty="0" err="1">
+                <a:solidFill>
+                  <a:prstClr val="black"/>
+                </a:solidFill>
+                <a:effectLst>
+                  <a:glow rad="101600">
+                    <a:prstClr val="white">
+                      <a:alpha val="60000"/>
+                    </a:prstClr>
+                  </a:glow>
+                </a:effectLst>
+                <a:latin typeface="VNI-Times" pitchFamily="2" charset="0"/>
               </a:rPr>
               <a:t>buûa</a:t>
             </a:r>
@@ -6898,23 +6761,23 @@
                     </a:prstClr>
                   </a:glow>
                 </a:effectLst>
-                <a:latin typeface="VNI-Aptima" pitchFamily="2" charset="0"/>
-              </a:rPr>
-              <a:t> </a:t>
-            </a:r>
-            <a:r>
-              <a:rPr lang="en-US" sz="6600" b="1" dirty="0" err="1">
-                <a:solidFill>
-                  <a:prstClr val="black"/>
-                </a:solidFill>
-                <a:effectLst>
-                  <a:glow rad="101600">
-                    <a:prstClr val="white">
-                      <a:alpha val="60000"/>
-                    </a:prstClr>
-                  </a:glow>
-                </a:effectLst>
-                <a:latin typeface="VNI-Aptima" pitchFamily="2" charset="0"/>
+                <a:latin typeface="VNI-Times" pitchFamily="2" charset="0"/>
+              </a:rPr>
+              <a:t> </a:t>
+            </a:r>
+            <a:r>
+              <a:rPr lang="en-US" sz="6600" b="1" dirty="0" err="1">
+                <a:solidFill>
+                  <a:prstClr val="black"/>
+                </a:solidFill>
+                <a:effectLst>
+                  <a:glow rad="101600">
+                    <a:prstClr val="white">
+                      <a:alpha val="60000"/>
+                    </a:prstClr>
+                  </a:glow>
+                </a:effectLst>
+                <a:latin typeface="VNI-Times" pitchFamily="2" charset="0"/>
               </a:rPr>
               <a:t>khaép</a:t>
             </a:r>
@@ -6930,23 +6793,23 @@
                     </a:prstClr>
                   </a:glow>
                 </a:effectLst>
-                <a:latin typeface="VNI-Aptima" pitchFamily="2" charset="0"/>
-              </a:rPr>
-              <a:t> </a:t>
-            </a:r>
-            <a:r>
-              <a:rPr lang="en-US" sz="6600" b="1" dirty="0" err="1">
-                <a:solidFill>
-                  <a:prstClr val="black"/>
-                </a:solidFill>
-                <a:effectLst>
-                  <a:glow rad="101600">
-                    <a:prstClr val="white">
-                      <a:alpha val="60000"/>
-                    </a:prstClr>
-                  </a:glow>
-                </a:effectLst>
-                <a:latin typeface="VNI-Aptima" pitchFamily="2" charset="0"/>
+                <a:latin typeface="VNI-Times" pitchFamily="2" charset="0"/>
+              </a:rPr>
+              <a:t> </a:t>
+            </a:r>
+            <a:r>
+              <a:rPr lang="en-US" sz="6600" b="1" dirty="0" err="1">
+                <a:solidFill>
+                  <a:prstClr val="black"/>
+                </a:solidFill>
+                <a:effectLst>
+                  <a:glow rad="101600">
+                    <a:prstClr val="white">
+                      <a:alpha val="60000"/>
+                    </a:prstClr>
+                  </a:glow>
+                </a:effectLst>
+                <a:latin typeface="VNI-Times" pitchFamily="2" charset="0"/>
               </a:rPr>
               <a:t>chung</a:t>
             </a:r>
@@ -6962,23 +6825,23 @@
                     </a:prstClr>
                   </a:glow>
                 </a:effectLst>
-                <a:latin typeface="VNI-Aptima" pitchFamily="2" charset="0"/>
-              </a:rPr>
-              <a:t> </a:t>
-            </a:r>
-            <a:r>
-              <a:rPr lang="en-US" sz="6600" b="1" dirty="0" err="1">
-                <a:solidFill>
-                  <a:prstClr val="black"/>
-                </a:solidFill>
-                <a:effectLst>
-                  <a:glow rad="101600">
-                    <a:prstClr val="white">
-                      <a:alpha val="60000"/>
-                    </a:prstClr>
-                  </a:glow>
-                </a:effectLst>
-                <a:latin typeface="VNI-Aptima" pitchFamily="2" charset="0"/>
+                <a:latin typeface="VNI-Times" pitchFamily="2" charset="0"/>
+              </a:rPr>
+              <a:t> </a:t>
+            </a:r>
+            <a:r>
+              <a:rPr lang="en-US" sz="6600" b="1" dirty="0" err="1">
+                <a:solidFill>
+                  <a:prstClr val="black"/>
+                </a:solidFill>
+                <a:effectLst>
+                  <a:glow rad="101600">
+                    <a:prstClr val="white">
+                      <a:alpha val="60000"/>
+                    </a:prstClr>
+                  </a:glow>
+                </a:effectLst>
+                <a:latin typeface="VNI-Times" pitchFamily="2" charset="0"/>
               </a:rPr>
               <a:t>quanh</a:t>
             </a:r>
@@ -6994,23 +6857,23 @@
                     </a:prstClr>
                   </a:glow>
                 </a:effectLst>
-                <a:latin typeface="VNI-Aptima" pitchFamily="2" charset="0"/>
-              </a:rPr>
-              <a:t> </a:t>
-            </a:r>
-            <a:r>
-              <a:rPr lang="en-US" sz="6600" b="1" dirty="0" err="1">
-                <a:solidFill>
-                  <a:prstClr val="black"/>
-                </a:solidFill>
-                <a:effectLst>
-                  <a:glow rad="101600">
-                    <a:prstClr val="white">
-                      <a:alpha val="60000"/>
-                    </a:prstClr>
-                  </a:glow>
-                </a:effectLst>
-                <a:latin typeface="VNI-Aptima" pitchFamily="2" charset="0"/>
+                <a:latin typeface="VNI-Times" pitchFamily="2" charset="0"/>
+              </a:rPr>
+              <a:t> </a:t>
+            </a:r>
+            <a:r>
+              <a:rPr lang="en-US" sz="6600" b="1" dirty="0" err="1">
+                <a:solidFill>
+                  <a:prstClr val="black"/>
+                </a:solidFill>
+                <a:effectLst>
+                  <a:glow rad="101600">
+                    <a:prstClr val="white">
+                      <a:alpha val="60000"/>
+                    </a:prstClr>
+                  </a:glow>
+                </a:effectLst>
+                <a:latin typeface="VNI-Times" pitchFamily="2" charset="0"/>
               </a:rPr>
               <a:t>baïn</a:t>
             </a:r>
@@ -7026,23 +6889,23 @@
                     </a:prstClr>
                   </a:glow>
                 </a:effectLst>
-                <a:latin typeface="VNI-Aptima" pitchFamily="2" charset="0"/>
-              </a:rPr>
-              <a:t> </a:t>
-            </a:r>
-            <a:r>
-              <a:rPr lang="en-US" sz="6600" b="1" dirty="0" err="1">
-                <a:solidFill>
-                  <a:prstClr val="black"/>
-                </a:solidFill>
-                <a:effectLst>
-                  <a:glow rad="101600">
-                    <a:prstClr val="white">
-                      <a:alpha val="60000"/>
-                    </a:prstClr>
-                  </a:glow>
-                </a:effectLst>
-                <a:latin typeface="VNI-Aptima" pitchFamily="2" charset="0"/>
+                <a:latin typeface="VNI-Times" pitchFamily="2" charset="0"/>
+              </a:rPr>
+              <a:t> </a:t>
+            </a:r>
+            <a:r>
+              <a:rPr lang="en-US" sz="6600" b="1" dirty="0" err="1">
+                <a:solidFill>
+                  <a:prstClr val="black"/>
+                </a:solidFill>
+                <a:effectLst>
+                  <a:glow rad="101600">
+                    <a:prstClr val="white">
+                      <a:alpha val="60000"/>
+                    </a:prstClr>
+                  </a:glow>
+                </a:effectLst>
+                <a:latin typeface="VNI-Times" pitchFamily="2" charset="0"/>
               </a:rPr>
               <a:t>ñaây</a:t>
             </a:r>
@@ -7058,7 +6921,7 @@
                     </a:prstClr>
                   </a:glow>
                 </a:effectLst>
-                <a:latin typeface="VNI-Aptima" pitchFamily="2" charset="0"/>
+                <a:latin typeface="VNI-Times" pitchFamily="2" charset="0"/>
               </a:rPr>
               <a:t>. </a:t>
             </a:r>
@@ -7087,13 +6950,6 @@
       </p:transition>
     </mc:Fallback>
   </mc:AlternateContent>
-  <p:timing>
-    <p:tnLst>
-      <p:par>
-        <p:cTn id="1" dur="indefinite" restart="never" nodeType="tmRoot"/>
-      </p:par>
-    </p:tnLst>
-  </p:timing>
 </p:sld>
 </file>
 
@@ -7149,7 +7005,7 @@
                     </a:prstClr>
                   </a:glow>
                 </a:effectLst>
-                <a:latin typeface="VNI-Aptima" pitchFamily="2" charset="0"/>
+                <a:latin typeface="VNI-Times" pitchFamily="2" charset="0"/>
               </a:rPr>
               <a:t>Xin</a:t>
             </a:r>
@@ -7165,23 +7021,23 @@
                     </a:prstClr>
                   </a:glow>
                 </a:effectLst>
-                <a:latin typeface="VNI-Aptima" pitchFamily="2" charset="0"/>
-              </a:rPr>
-              <a:t> </a:t>
-            </a:r>
-            <a:r>
-              <a:rPr lang="en-US" sz="6600" b="1" dirty="0" err="1">
-                <a:solidFill>
-                  <a:prstClr val="black"/>
-                </a:solidFill>
-                <a:effectLst>
-                  <a:glow rad="101600">
-                    <a:prstClr val="white">
-                      <a:alpha val="60000"/>
-                    </a:prstClr>
-                  </a:glow>
-                </a:effectLst>
-                <a:latin typeface="VNI-Aptima" pitchFamily="2" charset="0"/>
+                <a:latin typeface="VNI-Times" pitchFamily="2" charset="0"/>
+              </a:rPr>
+              <a:t> </a:t>
+            </a:r>
+            <a:r>
+              <a:rPr lang="en-US" sz="6600" b="1" dirty="0" err="1">
+                <a:solidFill>
+                  <a:prstClr val="black"/>
+                </a:solidFill>
+                <a:effectLst>
+                  <a:glow rad="101600">
+                    <a:prstClr val="white">
+                      <a:alpha val="60000"/>
+                    </a:prstClr>
+                  </a:glow>
+                </a:effectLst>
+                <a:latin typeface="VNI-Times" pitchFamily="2" charset="0"/>
               </a:rPr>
               <a:t>anh</a:t>
             </a:r>
@@ -7197,23 +7053,23 @@
                     </a:prstClr>
                   </a:glow>
                 </a:effectLst>
-                <a:latin typeface="VNI-Aptima" pitchFamily="2" charset="0"/>
-              </a:rPr>
-              <a:t> </a:t>
-            </a:r>
-            <a:r>
-              <a:rPr lang="en-US" sz="6600" b="1" dirty="0" err="1">
-                <a:solidFill>
-                  <a:prstClr val="black"/>
-                </a:solidFill>
-                <a:effectLst>
-                  <a:glow rad="101600">
-                    <a:prstClr val="white">
-                      <a:alpha val="60000"/>
-                    </a:prstClr>
-                  </a:glow>
-                </a:effectLst>
-                <a:latin typeface="VNI-Aptima" pitchFamily="2" charset="0"/>
+                <a:latin typeface="VNI-Times" pitchFamily="2" charset="0"/>
+              </a:rPr>
+              <a:t> </a:t>
+            </a:r>
+            <a:r>
+              <a:rPr lang="en-US" sz="6600" b="1" dirty="0" err="1">
+                <a:solidFill>
+                  <a:prstClr val="black"/>
+                </a:solidFill>
+                <a:effectLst>
+                  <a:glow rad="101600">
+                    <a:prstClr val="white">
+                      <a:alpha val="60000"/>
+                    </a:prstClr>
+                  </a:glow>
+                </a:effectLst>
+                <a:latin typeface="VNI-Times" pitchFamily="2" charset="0"/>
               </a:rPr>
               <a:t>ghi</a:t>
             </a:r>
@@ -7229,7 +7085,7 @@
                     </a:prstClr>
                   </a:glow>
                 </a:effectLst>
-                <a:latin typeface="VNI-Aptima" pitchFamily="2" charset="0"/>
+                <a:latin typeface="VNI-Times" pitchFamily="2" charset="0"/>
               </a:rPr>
               <a:t> </a:t>
             </a:r>
@@ -7245,7 +7101,7 @@
                     </a:prstClr>
                   </a:glow>
                 </a:effectLst>
-                <a:latin typeface="VNI-Aptima" pitchFamily="2" charset="0"/>
+                <a:latin typeface="VNI-Times" pitchFamily="2" charset="0"/>
               </a:rPr>
             </a:br>
             <a:r>
@@ -7260,7 +7116,7 @@
                     </a:prstClr>
                   </a:glow>
                 </a:effectLst>
-                <a:latin typeface="VNI-Aptima" pitchFamily="2" charset="0"/>
+                <a:latin typeface="VNI-Times" pitchFamily="2" charset="0"/>
               </a:rPr>
               <a:t>ôn</a:t>
             </a:r>
@@ -7276,23 +7132,23 @@
                     </a:prstClr>
                   </a:glow>
                 </a:effectLst>
-                <a:latin typeface="VNI-Aptima" pitchFamily="2" charset="0"/>
-              </a:rPr>
-              <a:t> </a:t>
-            </a:r>
-            <a:r>
-              <a:rPr lang="en-US" sz="6600" b="1" dirty="0" err="1">
-                <a:solidFill>
-                  <a:prstClr val="black"/>
-                </a:solidFill>
-                <a:effectLst>
-                  <a:glow rad="101600">
-                    <a:prstClr val="white">
-                      <a:alpha val="60000"/>
-                    </a:prstClr>
-                  </a:glow>
-                </a:effectLst>
-                <a:latin typeface="VNI-Aptima" pitchFamily="2" charset="0"/>
+                <a:latin typeface="VNI-Times" pitchFamily="2" charset="0"/>
+              </a:rPr>
+              <a:t> </a:t>
+            </a:r>
+            <a:r>
+              <a:rPr lang="en-US" sz="6600" b="1" dirty="0" err="1">
+                <a:solidFill>
+                  <a:prstClr val="black"/>
+                </a:solidFill>
+                <a:effectLst>
+                  <a:glow rad="101600">
+                    <a:prstClr val="white">
+                      <a:alpha val="60000"/>
+                    </a:prstClr>
+                  </a:glow>
+                </a:effectLst>
+                <a:latin typeface="VNI-Times" pitchFamily="2" charset="0"/>
               </a:rPr>
               <a:t>phöôùc</a:t>
             </a:r>
@@ -7308,23 +7164,23 @@
                     </a:prstClr>
                   </a:glow>
                 </a:effectLst>
-                <a:latin typeface="VNI-Aptima" pitchFamily="2" charset="0"/>
-              </a:rPr>
-              <a:t> </a:t>
-            </a:r>
-            <a:r>
-              <a:rPr lang="en-US" sz="6600" b="1" dirty="0" err="1">
-                <a:solidFill>
-                  <a:prstClr val="black"/>
-                </a:solidFill>
-                <a:effectLst>
-                  <a:glow rad="101600">
-                    <a:prstClr val="white">
-                      <a:alpha val="60000"/>
-                    </a:prstClr>
-                  </a:glow>
-                </a:effectLst>
-                <a:latin typeface="VNI-Aptima" pitchFamily="2" charset="0"/>
+                <a:latin typeface="VNI-Times" pitchFamily="2" charset="0"/>
+              </a:rPr>
+              <a:t> </a:t>
+            </a:r>
+            <a:r>
+              <a:rPr lang="en-US" sz="6600" b="1" dirty="0" err="1">
+                <a:solidFill>
+                  <a:prstClr val="black"/>
+                </a:solidFill>
+                <a:effectLst>
+                  <a:glow rad="101600">
+                    <a:prstClr val="white">
+                      <a:alpha val="60000"/>
+                    </a:prstClr>
+                  </a:glow>
+                </a:effectLst>
+                <a:latin typeface="VNI-Times" pitchFamily="2" charset="0"/>
               </a:rPr>
               <a:t>Chuùa</a:t>
             </a:r>
@@ -7340,23 +7196,23 @@
                     </a:prstClr>
                   </a:glow>
                 </a:effectLst>
-                <a:latin typeface="VNI-Aptima" pitchFamily="2" charset="0"/>
-              </a:rPr>
-              <a:t> </a:t>
-            </a:r>
-            <a:r>
-              <a:rPr lang="en-US" sz="6600" b="1" dirty="0" err="1">
-                <a:solidFill>
-                  <a:prstClr val="black"/>
-                </a:solidFill>
-                <a:effectLst>
-                  <a:glow rad="101600">
-                    <a:prstClr val="white">
-                      <a:alpha val="60000"/>
-                    </a:prstClr>
-                  </a:glow>
-                </a:effectLst>
-                <a:latin typeface="VNI-Aptima" pitchFamily="2" charset="0"/>
+                <a:latin typeface="VNI-Times" pitchFamily="2" charset="0"/>
+              </a:rPr>
+              <a:t> </a:t>
+            </a:r>
+            <a:r>
+              <a:rPr lang="en-US" sz="6600" b="1" dirty="0" err="1">
+                <a:solidFill>
+                  <a:prstClr val="black"/>
+                </a:solidFill>
+                <a:effectLst>
+                  <a:glow rad="101600">
+                    <a:prstClr val="white">
+                      <a:alpha val="60000"/>
+                    </a:prstClr>
+                  </a:glow>
+                </a:effectLst>
+                <a:latin typeface="VNI-Times" pitchFamily="2" charset="0"/>
               </a:rPr>
               <a:t>vaãn</a:t>
             </a:r>
@@ -7372,23 +7228,23 @@
                     </a:prstClr>
                   </a:glow>
                 </a:effectLst>
-                <a:latin typeface="VNI-Aptima" pitchFamily="2" charset="0"/>
-              </a:rPr>
-              <a:t> </a:t>
-            </a:r>
-            <a:r>
-              <a:rPr lang="en-US" sz="6600" b="1" dirty="0" err="1">
-                <a:solidFill>
-                  <a:prstClr val="black"/>
-                </a:solidFill>
-                <a:effectLst>
-                  <a:glow rad="101600">
-                    <a:prstClr val="white">
-                      <a:alpha val="60000"/>
-                    </a:prstClr>
-                  </a:glow>
-                </a:effectLst>
-                <a:latin typeface="VNI-Aptima" pitchFamily="2" charset="0"/>
+                <a:latin typeface="VNI-Times" pitchFamily="2" charset="0"/>
+              </a:rPr>
+              <a:t> </a:t>
+            </a:r>
+            <a:r>
+              <a:rPr lang="en-US" sz="6600" b="1" dirty="0" err="1">
+                <a:solidFill>
+                  <a:prstClr val="black"/>
+                </a:solidFill>
+                <a:effectLst>
+                  <a:glow rad="101600">
+                    <a:prstClr val="white">
+                      <a:alpha val="60000"/>
+                    </a:prstClr>
+                  </a:glow>
+                </a:effectLst>
+                <a:latin typeface="VNI-Times" pitchFamily="2" charset="0"/>
               </a:rPr>
               <a:t>haèng</a:t>
             </a:r>
@@ -7404,7 +7260,7 @@
                     </a:prstClr>
                   </a:glow>
                 </a:effectLst>
-                <a:latin typeface="VNI-Aptima" pitchFamily="2" charset="0"/>
+                <a:latin typeface="VNI-Times" pitchFamily="2" charset="0"/>
               </a:rPr>
               <a:t> ban </a:t>
             </a:r>
@@ -7420,7 +7276,7 @@
                     </a:prstClr>
                   </a:glow>
                 </a:effectLst>
-                <a:latin typeface="VNI-Aptima" pitchFamily="2" charset="0"/>
+                <a:latin typeface="VNI-Times" pitchFamily="2" charset="0"/>
               </a:rPr>
               <a:t>ñaày</a:t>
             </a:r>
@@ -7436,23 +7292,23 @@
                     </a:prstClr>
                   </a:glow>
                 </a:effectLst>
-                <a:latin typeface="VNI-Aptima" pitchFamily="2" charset="0"/>
-              </a:rPr>
-              <a:t> </a:t>
-            </a:r>
-            <a:r>
-              <a:rPr lang="en-US" sz="6600" b="1" dirty="0" err="1">
-                <a:solidFill>
-                  <a:prstClr val="black"/>
-                </a:solidFill>
-                <a:effectLst>
-                  <a:glow rad="101600">
-                    <a:prstClr val="white">
-                      <a:alpha val="60000"/>
-                    </a:prstClr>
-                  </a:glow>
-                </a:effectLst>
-                <a:latin typeface="VNI-Aptima" pitchFamily="2" charset="0"/>
+                <a:latin typeface="VNI-Times" pitchFamily="2" charset="0"/>
+              </a:rPr>
+              <a:t> </a:t>
+            </a:r>
+            <a:r>
+              <a:rPr lang="en-US" sz="6600" b="1" dirty="0" err="1">
+                <a:solidFill>
+                  <a:prstClr val="black"/>
+                </a:solidFill>
+                <a:effectLst>
+                  <a:glow rad="101600">
+                    <a:prstClr val="white">
+                      <a:alpha val="60000"/>
+                    </a:prstClr>
+                  </a:glow>
+                </a:effectLst>
+                <a:latin typeface="VNI-Times" pitchFamily="2" charset="0"/>
               </a:rPr>
               <a:t>dö</a:t>
             </a:r>
@@ -7468,7 +7324,7 @@
                     </a:prstClr>
                   </a:glow>
                 </a:effectLst>
-                <a:latin typeface="VNI-Aptima" pitchFamily="2" charset="0"/>
+                <a:latin typeface="VNI-Times" pitchFamily="2" charset="0"/>
               </a:rPr>
               <a:t>. </a:t>
             </a:r>
@@ -7524,10 +7380,11 @@
           </a:lstStyle>
           <a:p>
             <a:r>
-              <a:rPr lang="en-US" smtClean="0"/>
+              <a:rPr lang="en-US" dirty="0">
+                <a:latin typeface="VNI-Times" pitchFamily="2" charset="0"/>
+              </a:rPr>
               <a:t>HAÕY ÑEÁM CAÙC PHÖÔÙC CHUÙA BAN</a:t>
             </a:r>
-            <a:endParaRPr lang="en-US" dirty="0"/>
           </a:p>
         </p:txBody>
       </p:sp>
@@ -7596,7 +7453,7 @@
                     </a:prstClr>
                   </a:glow>
                 </a:effectLst>
-                <a:latin typeface="VNI-Aptima" pitchFamily="2" charset="0"/>
+                <a:latin typeface="VNI-Times" pitchFamily="2" charset="0"/>
               </a:rPr>
               <a:t>Daàu</a:t>
             </a:r>
@@ -7612,23 +7469,23 @@
                     </a:prstClr>
                   </a:glow>
                 </a:effectLst>
-                <a:latin typeface="VNI-Aptima" pitchFamily="2" charset="0"/>
-              </a:rPr>
-              <a:t> </a:t>
-            </a:r>
-            <a:r>
-              <a:rPr lang="en-US" sz="6600" b="1" dirty="0" err="1">
-                <a:solidFill>
-                  <a:prstClr val="black"/>
-                </a:solidFill>
-                <a:effectLst>
-                  <a:glow rad="101600">
-                    <a:prstClr val="white">
-                      <a:alpha val="60000"/>
-                    </a:prstClr>
-                  </a:glow>
-                </a:effectLst>
-                <a:latin typeface="VNI-Aptima" pitchFamily="2" charset="0"/>
+                <a:latin typeface="VNI-Times" pitchFamily="2" charset="0"/>
+              </a:rPr>
+              <a:t> </a:t>
+            </a:r>
+            <a:r>
+              <a:rPr lang="en-US" sz="6600" b="1" dirty="0" err="1">
+                <a:solidFill>
+                  <a:prstClr val="black"/>
+                </a:solidFill>
+                <a:effectLst>
+                  <a:glow rad="101600">
+                    <a:prstClr val="white">
+                      <a:alpha val="60000"/>
+                    </a:prstClr>
+                  </a:glow>
+                </a:effectLst>
+                <a:latin typeface="VNI-Times" pitchFamily="2" charset="0"/>
               </a:rPr>
               <a:t>bao</a:t>
             </a:r>
@@ -7644,23 +7501,23 @@
                     </a:prstClr>
                   </a:glow>
                 </a:effectLst>
-                <a:latin typeface="VNI-Aptima" pitchFamily="2" charset="0"/>
-              </a:rPr>
-              <a:t> </a:t>
-            </a:r>
-            <a:r>
-              <a:rPr lang="en-US" sz="6600" b="1" dirty="0" err="1">
-                <a:solidFill>
-                  <a:prstClr val="black"/>
-                </a:solidFill>
-                <a:effectLst>
-                  <a:glow rad="101600">
-                    <a:prstClr val="white">
-                      <a:alpha val="60000"/>
-                    </a:prstClr>
-                  </a:glow>
-                </a:effectLst>
-                <a:latin typeface="VNI-Aptima" pitchFamily="2" charset="0"/>
+                <a:latin typeface="VNI-Times" pitchFamily="2" charset="0"/>
+              </a:rPr>
+              <a:t> </a:t>
+            </a:r>
+            <a:r>
+              <a:rPr lang="en-US" sz="6600" b="1" dirty="0" err="1">
+                <a:solidFill>
+                  <a:prstClr val="black"/>
+                </a:solidFill>
+                <a:effectLst>
+                  <a:glow rad="101600">
+                    <a:prstClr val="white">
+                      <a:alpha val="60000"/>
+                    </a:prstClr>
+                  </a:glow>
+                </a:effectLst>
+                <a:latin typeface="VNI-Times" pitchFamily="2" charset="0"/>
               </a:rPr>
               <a:t>nhieâu</a:t>
             </a:r>
@@ -7676,7 +7533,7 @@
                     </a:prstClr>
                   </a:glow>
                 </a:effectLst>
-                <a:latin typeface="VNI-Aptima" pitchFamily="2" charset="0"/>
+                <a:latin typeface="VNI-Times" pitchFamily="2" charset="0"/>
               </a:rPr>
               <a:t> </a:t>
             </a:r>
@@ -7692,7 +7549,7 @@
                     </a:prstClr>
                   </a:glow>
                 </a:effectLst>
-                <a:latin typeface="VNI-Aptima" pitchFamily="2" charset="0"/>
+                <a:latin typeface="VNI-Times" pitchFamily="2" charset="0"/>
               </a:rPr>
             </a:br>
             <a:r>
@@ -7707,7 +7564,7 @@
                     </a:prstClr>
                   </a:glow>
                 </a:effectLst>
-                <a:latin typeface="VNI-Aptima" pitchFamily="2" charset="0"/>
+                <a:latin typeface="VNI-Times" pitchFamily="2" charset="0"/>
               </a:rPr>
               <a:t>gia</a:t>
             </a:r>
@@ -7723,23 +7580,23 @@
                     </a:prstClr>
                   </a:glow>
                 </a:effectLst>
-                <a:latin typeface="VNI-Aptima" pitchFamily="2" charset="0"/>
-              </a:rPr>
-              <a:t> </a:t>
-            </a:r>
-            <a:r>
-              <a:rPr lang="en-US" sz="6600" b="1" dirty="0" err="1">
-                <a:solidFill>
-                  <a:prstClr val="black"/>
-                </a:solidFill>
-                <a:effectLst>
-                  <a:glow rad="101600">
-                    <a:prstClr val="white">
-                      <a:alpha val="60000"/>
-                    </a:prstClr>
-                  </a:glow>
-                </a:effectLst>
-                <a:latin typeface="VNI-Aptima" pitchFamily="2" charset="0"/>
+                <a:latin typeface="VNI-Times" pitchFamily="2" charset="0"/>
+              </a:rPr>
+              <a:t> </a:t>
+            </a:r>
+            <a:r>
+              <a:rPr lang="en-US" sz="6600" b="1" dirty="0" err="1">
+                <a:solidFill>
+                  <a:prstClr val="black"/>
+                </a:solidFill>
+                <a:effectLst>
+                  <a:glow rad="101600">
+                    <a:prstClr val="white">
+                      <a:alpha val="60000"/>
+                    </a:prstClr>
+                  </a:glow>
+                </a:effectLst>
+                <a:latin typeface="VNI-Times" pitchFamily="2" charset="0"/>
               </a:rPr>
               <a:t>saûn</a:t>
             </a:r>
@@ -7755,23 +7612,23 @@
                     </a:prstClr>
                   </a:glow>
                 </a:effectLst>
-                <a:latin typeface="VNI-Aptima" pitchFamily="2" charset="0"/>
-              </a:rPr>
-              <a:t> </a:t>
-            </a:r>
-            <a:r>
-              <a:rPr lang="en-US" sz="6600" b="1" dirty="0" err="1">
-                <a:solidFill>
-                  <a:prstClr val="black"/>
-                </a:solidFill>
-                <a:effectLst>
-                  <a:glow rad="101600">
-                    <a:prstClr val="white">
-                      <a:alpha val="60000"/>
-                    </a:prstClr>
-                  </a:glow>
-                </a:effectLst>
-                <a:latin typeface="VNI-Aptima" pitchFamily="2" charset="0"/>
+                <a:latin typeface="VNI-Times" pitchFamily="2" charset="0"/>
+              </a:rPr>
+              <a:t> </a:t>
+            </a:r>
+            <a:r>
+              <a:rPr lang="en-US" sz="6600" b="1" dirty="0" err="1">
+                <a:solidFill>
+                  <a:prstClr val="black"/>
+                </a:solidFill>
+                <a:effectLst>
+                  <a:glow rad="101600">
+                    <a:prstClr val="white">
+                      <a:alpha val="60000"/>
+                    </a:prstClr>
+                  </a:glow>
+                </a:effectLst>
+                <a:latin typeface="VNI-Times" pitchFamily="2" charset="0"/>
               </a:rPr>
               <a:t>vaãn</a:t>
             </a:r>
@@ -7787,23 +7644,23 @@
                     </a:prstClr>
                   </a:glow>
                 </a:effectLst>
-                <a:latin typeface="VNI-Aptima" pitchFamily="2" charset="0"/>
-              </a:rPr>
-              <a:t> </a:t>
-            </a:r>
-            <a:r>
-              <a:rPr lang="en-US" sz="6600" b="1" dirty="0" err="1">
-                <a:solidFill>
-                  <a:prstClr val="black"/>
-                </a:solidFill>
-                <a:effectLst>
-                  <a:glow rad="101600">
-                    <a:prstClr val="white">
-                      <a:alpha val="60000"/>
-                    </a:prstClr>
-                  </a:glow>
-                </a:effectLst>
-                <a:latin typeface="VNI-Aptima" pitchFamily="2" charset="0"/>
+                <a:latin typeface="VNI-Times" pitchFamily="2" charset="0"/>
+              </a:rPr>
+              <a:t> </a:t>
+            </a:r>
+            <a:r>
+              <a:rPr lang="en-US" sz="6600" b="1" dirty="0" err="1">
+                <a:solidFill>
+                  <a:prstClr val="black"/>
+                </a:solidFill>
+                <a:effectLst>
+                  <a:glow rad="101600">
+                    <a:prstClr val="white">
+                      <a:alpha val="60000"/>
+                    </a:prstClr>
+                  </a:glow>
+                </a:effectLst>
+                <a:latin typeface="VNI-Times" pitchFamily="2" charset="0"/>
               </a:rPr>
               <a:t>khoâng</a:t>
             </a:r>
@@ -7819,7 +7676,7 @@
                     </a:prstClr>
                   </a:glow>
                 </a:effectLst>
-                <a:latin typeface="VNI-Aptima" pitchFamily="2" charset="0"/>
+                <a:latin typeface="VNI-Times" pitchFamily="2" charset="0"/>
               </a:rPr>
               <a:t> </a:t>
             </a:r>
@@ -7835,7 +7692,7 @@
                     </a:prstClr>
                   </a:glow>
                 </a:effectLst>
-                <a:latin typeface="VNI-Aptima" pitchFamily="2" charset="0"/>
+                <a:latin typeface="VNI-Times" pitchFamily="2" charset="0"/>
               </a:rPr>
             </a:br>
             <a:r>
@@ -7850,7 +7707,7 @@
                     </a:prstClr>
                   </a:glow>
                 </a:effectLst>
-                <a:latin typeface="VNI-Aptima" pitchFamily="2" charset="0"/>
+                <a:latin typeface="VNI-Times" pitchFamily="2" charset="0"/>
               </a:rPr>
               <a:t>theå</a:t>
             </a:r>
@@ -7866,23 +7723,23 @@
                     </a:prstClr>
                   </a:glow>
                 </a:effectLst>
-                <a:latin typeface="VNI-Aptima" pitchFamily="2" charset="0"/>
-              </a:rPr>
-              <a:t> </a:t>
-            </a:r>
-            <a:r>
-              <a:rPr lang="en-US" sz="6600" b="1" dirty="0" err="1">
-                <a:solidFill>
-                  <a:prstClr val="black"/>
-                </a:solidFill>
-                <a:effectLst>
-                  <a:glow rad="101600">
-                    <a:prstClr val="white">
-                      <a:alpha val="60000"/>
-                    </a:prstClr>
-                  </a:glow>
-                </a:effectLst>
-                <a:latin typeface="VNI-Aptima" pitchFamily="2" charset="0"/>
+                <a:latin typeface="VNI-Times" pitchFamily="2" charset="0"/>
+              </a:rPr>
+              <a:t> </a:t>
+            </a:r>
+            <a:r>
+              <a:rPr lang="en-US" sz="6600" b="1" dirty="0" err="1">
+                <a:solidFill>
+                  <a:prstClr val="black"/>
+                </a:solidFill>
+                <a:effectLst>
+                  <a:glow rad="101600">
+                    <a:prstClr val="white">
+                      <a:alpha val="60000"/>
+                    </a:prstClr>
+                  </a:glow>
+                </a:effectLst>
+                <a:latin typeface="VNI-Times" pitchFamily="2" charset="0"/>
               </a:rPr>
               <a:t>mua</a:t>
             </a:r>
@@ -7898,23 +7755,23 @@
                     </a:prstClr>
                   </a:glow>
                 </a:effectLst>
-                <a:latin typeface="VNI-Aptima" pitchFamily="2" charset="0"/>
-              </a:rPr>
-              <a:t> </a:t>
-            </a:r>
-            <a:r>
-              <a:rPr lang="en-US" sz="6600" b="1" dirty="0" err="1">
-                <a:solidFill>
-                  <a:prstClr val="black"/>
-                </a:solidFill>
-                <a:effectLst>
-                  <a:glow rad="101600">
-                    <a:prstClr val="white">
-                      <a:alpha val="60000"/>
-                    </a:prstClr>
-                  </a:glow>
-                </a:effectLst>
-                <a:latin typeface="VNI-Aptima" pitchFamily="2" charset="0"/>
+                <a:latin typeface="VNI-Times" pitchFamily="2" charset="0"/>
+              </a:rPr>
+              <a:t> </a:t>
+            </a:r>
+            <a:r>
+              <a:rPr lang="en-US" sz="6600" b="1" dirty="0" err="1">
+                <a:solidFill>
+                  <a:prstClr val="black"/>
+                </a:solidFill>
+                <a:effectLst>
+                  <a:glow rad="101600">
+                    <a:prstClr val="white">
+                      <a:alpha val="60000"/>
+                    </a:prstClr>
+                  </a:glow>
+                </a:effectLst>
+                <a:latin typeface="VNI-Times" pitchFamily="2" charset="0"/>
               </a:rPr>
               <a:t>ñaâu</a:t>
             </a:r>
@@ -7930,23 +7787,23 @@
                     </a:prstClr>
                   </a:glow>
                 </a:effectLst>
-                <a:latin typeface="VNI-Aptima" pitchFamily="2" charset="0"/>
-              </a:rPr>
-              <a:t> </a:t>
-            </a:r>
-            <a:r>
-              <a:rPr lang="en-US" sz="6600" b="1" dirty="0" err="1">
-                <a:solidFill>
-                  <a:prstClr val="black"/>
-                </a:solidFill>
-                <a:effectLst>
-                  <a:glow rad="101600">
-                    <a:prstClr val="white">
-                      <a:alpha val="60000"/>
-                    </a:prstClr>
-                  </a:glow>
-                </a:effectLst>
-                <a:latin typeface="VNI-Aptima" pitchFamily="2" charset="0"/>
+                <a:latin typeface="VNI-Times" pitchFamily="2" charset="0"/>
+              </a:rPr>
+              <a:t> </a:t>
+            </a:r>
+            <a:r>
+              <a:rPr lang="en-US" sz="6600" b="1" dirty="0" err="1">
+                <a:solidFill>
+                  <a:prstClr val="black"/>
+                </a:solidFill>
+                <a:effectLst>
+                  <a:glow rad="101600">
+                    <a:prstClr val="white">
+                      <a:alpha val="60000"/>
+                    </a:prstClr>
+                  </a:glow>
+                </a:effectLst>
+                <a:latin typeface="VNI-Times" pitchFamily="2" charset="0"/>
               </a:rPr>
               <a:t>naøo</a:t>
             </a:r>
@@ -7962,7 +7819,7 @@
                     </a:prstClr>
                   </a:glow>
                 </a:effectLst>
-                <a:latin typeface="VNI-Aptima" pitchFamily="2" charset="0"/>
+                <a:latin typeface="VNI-Times" pitchFamily="2" charset="0"/>
               </a:rPr>
               <a:t>.</a:t>
             </a:r>
@@ -8018,10 +7875,11 @@
           </a:lstStyle>
           <a:p>
             <a:r>
-              <a:rPr lang="en-US" smtClean="0"/>
+              <a:rPr lang="en-US" dirty="0">
+                <a:latin typeface="VNI-Times" pitchFamily="2" charset="0"/>
+              </a:rPr>
               <a:t>HAÕY ÑEÁM CAÙC PHÖÔÙC CHUÙA BAN</a:t>
             </a:r>
-            <a:endParaRPr lang="en-US" dirty="0"/>
           </a:p>
         </p:txBody>
       </p:sp>
@@ -8079,18 +7937,18 @@
           <a:p>
             <a:pPr algn="ctr"/>
             <a:r>
-              <a:rPr lang="en-US" sz="4400" b="1" i="1" u="sng" dirty="0">
-                <a:solidFill>
-                  <a:prstClr val="black"/>
-                </a:solidFill>
-                <a:effectLst>
-                  <a:glow rad="101600">
-                    <a:prstClr val="white">
-                      <a:alpha val="60000"/>
-                    </a:prstClr>
-                  </a:glow>
-                </a:effectLst>
-                <a:latin typeface="VNI-Aptima" pitchFamily="2" charset="0"/>
+              <a:rPr lang="en-US" sz="4400" b="1" u="sng" dirty="0">
+                <a:solidFill>
+                  <a:prstClr val="black"/>
+                </a:solidFill>
+                <a:effectLst>
+                  <a:glow rad="101600">
+                    <a:prstClr val="white">
+                      <a:alpha val="60000"/>
+                    </a:prstClr>
+                  </a:glow>
+                </a:effectLst>
+                <a:latin typeface="VNI-Times" pitchFamily="2" charset="0"/>
               </a:rPr>
               <a:t>ÑK:</a:t>
             </a:r>
@@ -8106,23 +7964,23 @@
                     </a:prstClr>
                   </a:glow>
                 </a:effectLst>
-                <a:latin typeface="VNI-Aptima" pitchFamily="2" charset="0"/>
-              </a:rPr>
-              <a:t> </a:t>
-            </a:r>
-            <a:r>
-              <a:rPr lang="en-US" sz="6600" b="1" dirty="0" err="1">
-                <a:solidFill>
-                  <a:prstClr val="black"/>
-                </a:solidFill>
-                <a:effectLst>
-                  <a:glow rad="101600">
-                    <a:prstClr val="white">
-                      <a:alpha val="60000"/>
-                    </a:prstClr>
-                  </a:glow>
-                </a:effectLst>
-                <a:latin typeface="VNI-Aptima" pitchFamily="2" charset="0"/>
+                <a:latin typeface="VNI-Times" pitchFamily="2" charset="0"/>
+              </a:rPr>
+              <a:t> </a:t>
+            </a:r>
+            <a:r>
+              <a:rPr lang="en-US" sz="6600" b="1" dirty="0" err="1">
+                <a:solidFill>
+                  <a:prstClr val="black"/>
+                </a:solidFill>
+                <a:effectLst>
+                  <a:glow rad="101600">
+                    <a:prstClr val="white">
+                      <a:alpha val="60000"/>
+                    </a:prstClr>
+                  </a:glow>
+                </a:effectLst>
+                <a:latin typeface="VNI-Times" pitchFamily="2" charset="0"/>
               </a:rPr>
               <a:t>Xin</a:t>
             </a:r>
@@ -8138,23 +7996,23 @@
                     </a:prstClr>
                   </a:glow>
                 </a:effectLst>
-                <a:latin typeface="VNI-Aptima" pitchFamily="2" charset="0"/>
-              </a:rPr>
-              <a:t> </a:t>
-            </a:r>
-            <a:r>
-              <a:rPr lang="en-US" sz="6600" b="1" dirty="0" err="1">
-                <a:solidFill>
-                  <a:prstClr val="black"/>
-                </a:solidFill>
-                <a:effectLst>
-                  <a:glow rad="101600">
-                    <a:prstClr val="white">
-                      <a:alpha val="60000"/>
-                    </a:prstClr>
-                  </a:glow>
-                </a:effectLst>
-                <a:latin typeface="VNI-Aptima" pitchFamily="2" charset="0"/>
+                <a:latin typeface="VNI-Times" pitchFamily="2" charset="0"/>
+              </a:rPr>
+              <a:t> </a:t>
+            </a:r>
+            <a:r>
+              <a:rPr lang="en-US" sz="6600" b="1" dirty="0" err="1">
+                <a:solidFill>
+                  <a:prstClr val="black"/>
+                </a:solidFill>
+                <a:effectLst>
+                  <a:glow rad="101600">
+                    <a:prstClr val="white">
+                      <a:alpha val="60000"/>
+                    </a:prstClr>
+                  </a:glow>
+                </a:effectLst>
+                <a:latin typeface="VNI-Times" pitchFamily="2" charset="0"/>
               </a:rPr>
               <a:t>anh</a:t>
             </a:r>
@@ -8170,23 +8028,23 @@
                     </a:prstClr>
                   </a:glow>
                 </a:effectLst>
-                <a:latin typeface="VNI-Aptima" pitchFamily="2" charset="0"/>
-              </a:rPr>
-              <a:t> </a:t>
-            </a:r>
-            <a:r>
-              <a:rPr lang="en-US" sz="6600" b="1" dirty="0" err="1">
-                <a:solidFill>
-                  <a:prstClr val="black"/>
-                </a:solidFill>
-                <a:effectLst>
-                  <a:glow rad="101600">
-                    <a:prstClr val="white">
-                      <a:alpha val="60000"/>
-                    </a:prstClr>
-                  </a:glow>
-                </a:effectLst>
-                <a:latin typeface="VNI-Aptima" pitchFamily="2" charset="0"/>
+                <a:latin typeface="VNI-Times" pitchFamily="2" charset="0"/>
+              </a:rPr>
+              <a:t> </a:t>
+            </a:r>
+            <a:r>
+              <a:rPr lang="en-US" sz="6600" b="1" dirty="0" err="1">
+                <a:solidFill>
+                  <a:prstClr val="black"/>
+                </a:solidFill>
+                <a:effectLst>
+                  <a:glow rad="101600">
+                    <a:prstClr val="white">
+                      <a:alpha val="60000"/>
+                    </a:prstClr>
+                  </a:glow>
+                </a:effectLst>
+                <a:latin typeface="VNI-Times" pitchFamily="2" charset="0"/>
               </a:rPr>
               <a:t>ñeám</a:t>
             </a:r>
@@ -8202,7 +8060,7 @@
                     </a:prstClr>
                   </a:glow>
                 </a:effectLst>
-                <a:latin typeface="VNI-Aptima" pitchFamily="2" charset="0"/>
+                <a:latin typeface="VNI-Times" pitchFamily="2" charset="0"/>
               </a:rPr>
               <a:t> </a:t>
             </a:r>
@@ -8218,7 +8076,7 @@
                     </a:prstClr>
                   </a:glow>
                 </a:effectLst>
-                <a:latin typeface="VNI-Aptima" pitchFamily="2" charset="0"/>
+                <a:latin typeface="VNI-Times" pitchFamily="2" charset="0"/>
               </a:rPr>
             </a:br>
             <a:r>
@@ -8233,7 +8091,7 @@
                     </a:prstClr>
                   </a:glow>
                 </a:effectLst>
-                <a:latin typeface="VNI-Aptima" pitchFamily="2" charset="0"/>
+                <a:latin typeface="VNI-Times" pitchFamily="2" charset="0"/>
               </a:rPr>
               <a:t>caùc</a:t>
             </a:r>
@@ -8249,23 +8107,23 @@
                     </a:prstClr>
                   </a:glow>
                 </a:effectLst>
-                <a:latin typeface="VNI-Aptima" pitchFamily="2" charset="0"/>
-              </a:rPr>
-              <a:t> </a:t>
-            </a:r>
-            <a:r>
-              <a:rPr lang="en-US" sz="6600" b="1" dirty="0" err="1">
-                <a:solidFill>
-                  <a:prstClr val="black"/>
-                </a:solidFill>
-                <a:effectLst>
-                  <a:glow rad="101600">
-                    <a:prstClr val="white">
-                      <a:alpha val="60000"/>
-                    </a:prstClr>
-                  </a:glow>
-                </a:effectLst>
-                <a:latin typeface="VNI-Aptima" pitchFamily="2" charset="0"/>
+                <a:latin typeface="VNI-Times" pitchFamily="2" charset="0"/>
+              </a:rPr>
+              <a:t> </a:t>
+            </a:r>
+            <a:r>
+              <a:rPr lang="en-US" sz="6600" b="1" dirty="0" err="1">
+                <a:solidFill>
+                  <a:prstClr val="black"/>
+                </a:solidFill>
+                <a:effectLst>
+                  <a:glow rad="101600">
+                    <a:prstClr val="white">
+                      <a:alpha val="60000"/>
+                    </a:prstClr>
+                  </a:glow>
+                </a:effectLst>
+                <a:latin typeface="VNI-Times" pitchFamily="2" charset="0"/>
               </a:rPr>
               <a:t>phöôùc</a:t>
             </a:r>
@@ -8281,23 +8139,23 @@
                     </a:prstClr>
                   </a:glow>
                 </a:effectLst>
-                <a:latin typeface="VNI-Aptima" pitchFamily="2" charset="0"/>
-              </a:rPr>
-              <a:t> </a:t>
-            </a:r>
-            <a:r>
-              <a:rPr lang="en-US" sz="6600" b="1" dirty="0" err="1">
-                <a:solidFill>
-                  <a:prstClr val="black"/>
-                </a:solidFill>
-                <a:effectLst>
-                  <a:glow rad="101600">
-                    <a:prstClr val="white">
-                      <a:alpha val="60000"/>
-                    </a:prstClr>
-                  </a:glow>
-                </a:effectLst>
-                <a:latin typeface="VNI-Aptima" pitchFamily="2" charset="0"/>
+                <a:latin typeface="VNI-Times" pitchFamily="2" charset="0"/>
+              </a:rPr>
+              <a:t> </a:t>
+            </a:r>
+            <a:r>
+              <a:rPr lang="en-US" sz="6600" b="1" dirty="0" err="1">
+                <a:solidFill>
+                  <a:prstClr val="black"/>
+                </a:solidFill>
+                <a:effectLst>
+                  <a:glow rad="101600">
+                    <a:prstClr val="white">
+                      <a:alpha val="60000"/>
+                    </a:prstClr>
+                  </a:glow>
+                </a:effectLst>
+                <a:latin typeface="VNI-Times" pitchFamily="2" charset="0"/>
               </a:rPr>
               <a:t>laønh</a:t>
             </a:r>
@@ -8313,7 +8171,7 @@
                     </a:prstClr>
                   </a:glow>
                 </a:effectLst>
-                <a:latin typeface="VNI-Aptima" pitchFamily="2" charset="0"/>
+                <a:latin typeface="VNI-Times" pitchFamily="2" charset="0"/>
               </a:rPr>
               <a:t> </a:t>
             </a:r>
@@ -8329,7 +8187,7 @@
                     </a:prstClr>
                   </a:glow>
                 </a:effectLst>
-                <a:latin typeface="VNI-Aptima" pitchFamily="2" charset="0"/>
+                <a:latin typeface="VNI-Times" pitchFamily="2" charset="0"/>
               </a:rPr>
             </a:br>
             <a:r>
@@ -8344,7 +8202,7 @@
                     </a:prstClr>
                   </a:glow>
                 </a:effectLst>
-                <a:latin typeface="VNI-Aptima" pitchFamily="2" charset="0"/>
+                <a:latin typeface="VNI-Times" pitchFamily="2" charset="0"/>
               </a:rPr>
               <a:t>Cha </a:t>
             </a:r>
@@ -8360,7 +8218,7 @@
                     </a:prstClr>
                   </a:glow>
                 </a:effectLst>
-                <a:latin typeface="VNI-Aptima" pitchFamily="2" charset="0"/>
+                <a:latin typeface="VNI-Times" pitchFamily="2" charset="0"/>
               </a:rPr>
               <a:t>luoân</a:t>
             </a:r>
@@ -8376,7 +8234,7 @@
                     </a:prstClr>
                   </a:glow>
                 </a:effectLst>
-                <a:latin typeface="VNI-Aptima" pitchFamily="2" charset="0"/>
+                <a:latin typeface="VNI-Times" pitchFamily="2" charset="0"/>
               </a:rPr>
               <a:t> ban.</a:t>
             </a:r>
@@ -8432,10 +8290,11 @@
           </a:lstStyle>
           <a:p>
             <a:r>
-              <a:rPr lang="en-US" smtClean="0"/>
+              <a:rPr lang="en-US" dirty="0">
+                <a:latin typeface="VNI-Times" pitchFamily="2" charset="0"/>
+              </a:rPr>
               <a:t>HAÕY ÑEÁM CAÙC PHÖÔÙC CHUÙA BAN</a:t>
             </a:r>
-            <a:endParaRPr lang="en-US" dirty="0"/>
           </a:p>
         </p:txBody>
       </p:sp>
@@ -8504,7 +8363,7 @@
                     </a:prstClr>
                   </a:glow>
                 </a:effectLst>
-                <a:latin typeface="VNI-Aptima" pitchFamily="2" charset="0"/>
+                <a:latin typeface="VNI-Times" pitchFamily="2" charset="0"/>
               </a:rPr>
               <a:t>Xin</a:t>
             </a:r>
@@ -8520,23 +8379,23 @@
                     </a:prstClr>
                   </a:glow>
                 </a:effectLst>
-                <a:latin typeface="VNI-Aptima" pitchFamily="2" charset="0"/>
-              </a:rPr>
-              <a:t> </a:t>
-            </a:r>
-            <a:r>
-              <a:rPr lang="en-US" sz="6600" b="1" dirty="0" err="1">
-                <a:solidFill>
-                  <a:prstClr val="black"/>
-                </a:solidFill>
-                <a:effectLst>
-                  <a:glow rad="101600">
-                    <a:prstClr val="white">
-                      <a:alpha val="60000"/>
-                    </a:prstClr>
-                  </a:glow>
-                </a:effectLst>
-                <a:latin typeface="VNI-Aptima" pitchFamily="2" charset="0"/>
+                <a:latin typeface="VNI-Times" pitchFamily="2" charset="0"/>
+              </a:rPr>
+              <a:t> </a:t>
+            </a:r>
+            <a:r>
+              <a:rPr lang="en-US" sz="6600" b="1" dirty="0" err="1">
+                <a:solidFill>
+                  <a:prstClr val="black"/>
+                </a:solidFill>
+                <a:effectLst>
+                  <a:glow rad="101600">
+                    <a:prstClr val="white">
+                      <a:alpha val="60000"/>
+                    </a:prstClr>
+                  </a:glow>
+                </a:effectLst>
+                <a:latin typeface="VNI-Times" pitchFamily="2" charset="0"/>
               </a:rPr>
               <a:t>anh</a:t>
             </a:r>
@@ -8552,23 +8411,23 @@
                     </a:prstClr>
                   </a:glow>
                 </a:effectLst>
-                <a:latin typeface="VNI-Aptima" pitchFamily="2" charset="0"/>
-              </a:rPr>
-              <a:t> </a:t>
-            </a:r>
-            <a:r>
-              <a:rPr lang="en-US" sz="6600" b="1" dirty="0" err="1">
-                <a:solidFill>
-                  <a:prstClr val="black"/>
-                </a:solidFill>
-                <a:effectLst>
-                  <a:glow rad="101600">
-                    <a:prstClr val="white">
-                      <a:alpha val="60000"/>
-                    </a:prstClr>
-                  </a:glow>
-                </a:effectLst>
-                <a:latin typeface="VNI-Aptima" pitchFamily="2" charset="0"/>
+                <a:latin typeface="VNI-Times" pitchFamily="2" charset="0"/>
+              </a:rPr>
+              <a:t> </a:t>
+            </a:r>
+            <a:r>
+              <a:rPr lang="en-US" sz="6600" b="1" dirty="0" err="1">
+                <a:solidFill>
+                  <a:prstClr val="black"/>
+                </a:solidFill>
+                <a:effectLst>
+                  <a:glow rad="101600">
+                    <a:prstClr val="white">
+                      <a:alpha val="60000"/>
+                    </a:prstClr>
+                  </a:glow>
+                </a:effectLst>
+                <a:latin typeface="VNI-Times" pitchFamily="2" charset="0"/>
               </a:rPr>
               <a:t>haõy</a:t>
             </a:r>
@@ -8584,7 +8443,7 @@
                     </a:prstClr>
                   </a:glow>
                 </a:effectLst>
-                <a:latin typeface="VNI-Aptima" pitchFamily="2" charset="0"/>
+                <a:latin typeface="VNI-Times" pitchFamily="2" charset="0"/>
               </a:rPr>
               <a:t> </a:t>
             </a:r>
@@ -8600,7 +8459,7 @@
                     </a:prstClr>
                   </a:glow>
                 </a:effectLst>
-                <a:latin typeface="VNI-Aptima" pitchFamily="2" charset="0"/>
+                <a:latin typeface="VNI-Times" pitchFamily="2" charset="0"/>
               </a:rPr>
             </a:br>
             <a:r>
@@ -8615,7 +8474,7 @@
                     </a:prstClr>
                   </a:glow>
                 </a:effectLst>
-                <a:latin typeface="VNI-Aptima" pitchFamily="2" charset="0"/>
+                <a:latin typeface="VNI-Times" pitchFamily="2" charset="0"/>
               </a:rPr>
               <a:t>keå</a:t>
             </a:r>
@@ -8631,23 +8490,23 @@
                     </a:prstClr>
                   </a:glow>
                 </a:effectLst>
-                <a:latin typeface="VNI-Aptima" pitchFamily="2" charset="0"/>
-              </a:rPr>
-              <a:t> </a:t>
-            </a:r>
-            <a:r>
-              <a:rPr lang="en-US" sz="6600" b="1" dirty="0" err="1">
-                <a:solidFill>
-                  <a:prstClr val="black"/>
-                </a:solidFill>
-                <a:effectLst>
-                  <a:glow rad="101600">
-                    <a:prstClr val="white">
-                      <a:alpha val="60000"/>
-                    </a:prstClr>
-                  </a:glow>
-                </a:effectLst>
-                <a:latin typeface="VNI-Aptima" pitchFamily="2" charset="0"/>
+                <a:latin typeface="VNI-Times" pitchFamily="2" charset="0"/>
+              </a:rPr>
+              <a:t> </a:t>
+            </a:r>
+            <a:r>
+              <a:rPr lang="en-US" sz="6600" b="1" dirty="0" err="1">
+                <a:solidFill>
+                  <a:prstClr val="black"/>
+                </a:solidFill>
+                <a:effectLst>
+                  <a:glow rad="101600">
+                    <a:prstClr val="white">
+                      <a:alpha val="60000"/>
+                    </a:prstClr>
+                  </a:glow>
+                </a:effectLst>
+                <a:latin typeface="VNI-Times" pitchFamily="2" charset="0"/>
               </a:rPr>
               <a:t>ra</a:t>
             </a:r>
@@ -8663,23 +8522,23 @@
                     </a:prstClr>
                   </a:glow>
                 </a:effectLst>
-                <a:latin typeface="VNI-Aptima" pitchFamily="2" charset="0"/>
-              </a:rPr>
-              <a:t> </a:t>
-            </a:r>
-            <a:r>
-              <a:rPr lang="en-US" sz="6600" b="1" dirty="0" err="1">
-                <a:solidFill>
-                  <a:prstClr val="black"/>
-                </a:solidFill>
-                <a:effectLst>
-                  <a:glow rad="101600">
-                    <a:prstClr val="white">
-                      <a:alpha val="60000"/>
-                    </a:prstClr>
-                  </a:glow>
-                </a:effectLst>
-                <a:latin typeface="VNI-Aptima" pitchFamily="2" charset="0"/>
+                <a:latin typeface="VNI-Times" pitchFamily="2" charset="0"/>
+              </a:rPr>
+              <a:t> </a:t>
+            </a:r>
+            <a:r>
+              <a:rPr lang="en-US" sz="6600" b="1" dirty="0" err="1">
+                <a:solidFill>
+                  <a:prstClr val="black"/>
+                </a:solidFill>
+                <a:effectLst>
+                  <a:glow rad="101600">
+                    <a:prstClr val="white">
+                      <a:alpha val="60000"/>
+                    </a:prstClr>
+                  </a:glow>
+                </a:effectLst>
+                <a:latin typeface="VNI-Times" pitchFamily="2" charset="0"/>
               </a:rPr>
               <a:t>ôn</a:t>
             </a:r>
@@ -8695,23 +8554,23 @@
                     </a:prstClr>
                   </a:glow>
                 </a:effectLst>
-                <a:latin typeface="VNI-Aptima" pitchFamily="2" charset="0"/>
-              </a:rPr>
-              <a:t> </a:t>
-            </a:r>
-            <a:r>
-              <a:rPr lang="en-US" sz="6600" b="1" dirty="0" err="1">
-                <a:solidFill>
-                  <a:prstClr val="black"/>
-                </a:solidFill>
-                <a:effectLst>
-                  <a:glow rad="101600">
-                    <a:prstClr val="white">
-                      <a:alpha val="60000"/>
-                    </a:prstClr>
-                  </a:glow>
-                </a:effectLst>
-                <a:latin typeface="VNI-Aptima" pitchFamily="2" charset="0"/>
+                <a:latin typeface="VNI-Times" pitchFamily="2" charset="0"/>
+              </a:rPr>
+              <a:t> </a:t>
+            </a:r>
+            <a:r>
+              <a:rPr lang="en-US" sz="6600" b="1" dirty="0" err="1">
+                <a:solidFill>
+                  <a:prstClr val="black"/>
+                </a:solidFill>
+                <a:effectLst>
+                  <a:glow rad="101600">
+                    <a:prstClr val="white">
+                      <a:alpha val="60000"/>
+                    </a:prstClr>
+                  </a:glow>
+                </a:effectLst>
+                <a:latin typeface="VNI-Times" pitchFamily="2" charset="0"/>
               </a:rPr>
               <a:t>laønh</a:t>
             </a:r>
@@ -8727,7 +8586,7 @@
                     </a:prstClr>
                   </a:glow>
                 </a:effectLst>
-                <a:latin typeface="VNI-Aptima" pitchFamily="2" charset="0"/>
+                <a:latin typeface="VNI-Times" pitchFamily="2" charset="0"/>
               </a:rPr>
               <a:t> </a:t>
             </a:r>
@@ -8743,7 +8602,7 @@
                     </a:prstClr>
                   </a:glow>
                 </a:effectLst>
-                <a:latin typeface="VNI-Aptima" pitchFamily="2" charset="0"/>
+                <a:latin typeface="VNI-Times" pitchFamily="2" charset="0"/>
               </a:rPr>
             </a:br>
             <a:r>
@@ -8758,7 +8617,7 @@
                     </a:prstClr>
                   </a:glow>
                 </a:effectLst>
-                <a:latin typeface="VNI-Aptima" pitchFamily="2" charset="0"/>
+                <a:latin typeface="VNI-Times" pitchFamily="2" charset="0"/>
               </a:rPr>
               <a:t>töøng</a:t>
             </a:r>
@@ -8774,23 +8633,23 @@
                     </a:prstClr>
                   </a:glow>
                 </a:effectLst>
-                <a:latin typeface="VNI-Aptima" pitchFamily="2" charset="0"/>
-              </a:rPr>
-              <a:t> </a:t>
-            </a:r>
-            <a:r>
-              <a:rPr lang="en-US" sz="6600" b="1" dirty="0" err="1">
-                <a:solidFill>
-                  <a:prstClr val="black"/>
-                </a:solidFill>
-                <a:effectLst>
-                  <a:glow rad="101600">
-                    <a:prstClr val="white">
-                      <a:alpha val="60000"/>
-                    </a:prstClr>
-                  </a:glow>
-                </a:effectLst>
-                <a:latin typeface="VNI-Aptima" pitchFamily="2" charset="0"/>
+                <a:latin typeface="VNI-Times" pitchFamily="2" charset="0"/>
+              </a:rPr>
+              <a:t> </a:t>
+            </a:r>
+            <a:r>
+              <a:rPr lang="en-US" sz="6600" b="1" dirty="0" err="1">
+                <a:solidFill>
+                  <a:prstClr val="black"/>
+                </a:solidFill>
+                <a:effectLst>
+                  <a:glow rad="101600">
+                    <a:prstClr val="white">
+                      <a:alpha val="60000"/>
+                    </a:prstClr>
+                  </a:glow>
+                </a:effectLst>
+                <a:latin typeface="VNI-Times" pitchFamily="2" charset="0"/>
               </a:rPr>
               <a:t>teân</a:t>
             </a:r>
@@ -8806,7 +8665,7 @@
                     </a:prstClr>
                   </a:glow>
                 </a:effectLst>
-                <a:latin typeface="VNI-Aptima" pitchFamily="2" charset="0"/>
+                <a:latin typeface="VNI-Times" pitchFamily="2" charset="0"/>
               </a:rPr>
               <a:t>.</a:t>
             </a:r>
@@ -8862,10 +8721,11 @@
           </a:lstStyle>
           <a:p>
             <a:r>
-              <a:rPr lang="en-US" smtClean="0"/>
+              <a:rPr lang="en-US" dirty="0">
+                <a:latin typeface="VNI-Times" pitchFamily="2" charset="0"/>
+              </a:rPr>
               <a:t>HAÕY ÑEÁM CAÙC PHÖÔÙC CHUÙA BAN</a:t>
             </a:r>
-            <a:endParaRPr lang="en-US" dirty="0"/>
           </a:p>
         </p:txBody>
       </p:sp>
@@ -8934,7 +8794,7 @@
                     </a:prstClr>
                   </a:glow>
                 </a:effectLst>
-                <a:latin typeface="VNI-Aptima" pitchFamily="2" charset="0"/>
+                <a:latin typeface="VNI-Times" pitchFamily="2" charset="0"/>
               </a:rPr>
               <a:t>Haõy</a:t>
             </a:r>
@@ -8950,42 +8810,26 @@
                     </a:prstClr>
                   </a:glow>
                 </a:effectLst>
-                <a:latin typeface="VNI-Aptima" pitchFamily="2" charset="0"/>
-              </a:rPr>
-              <a:t> </a:t>
-            </a:r>
-            <a:r>
-              <a:rPr lang="en-US" sz="6600" b="1" dirty="0" err="1">
-                <a:solidFill>
-                  <a:prstClr val="black"/>
-                </a:solidFill>
-                <a:effectLst>
-                  <a:glow rad="101600">
-                    <a:prstClr val="white">
-                      <a:alpha val="60000"/>
-                    </a:prstClr>
-                  </a:glow>
-                </a:effectLst>
-                <a:latin typeface="VNI-Aptima" pitchFamily="2" charset="0"/>
+                <a:latin typeface="VNI-Times" pitchFamily="2" charset="0"/>
+              </a:rPr>
+              <a:t> </a:t>
+            </a:r>
+            <a:r>
+              <a:rPr lang="en-US" sz="6600" b="1" dirty="0" err="1">
+                <a:solidFill>
+                  <a:prstClr val="black"/>
+                </a:solidFill>
+                <a:effectLst>
+                  <a:glow rad="101600">
+                    <a:prstClr val="white">
+                      <a:alpha val="60000"/>
+                    </a:prstClr>
+                  </a:glow>
+                </a:effectLst>
+                <a:latin typeface="VNI-Times" pitchFamily="2" charset="0"/>
               </a:rPr>
               <a:t>ñeám</a:t>
             </a:r>
-            <a:r>
-              <a:rPr lang="en-US" sz="6600" b="1" dirty="0">
-                <a:solidFill>
-                  <a:prstClr val="black"/>
-                </a:solidFill>
-                <a:effectLst>
-                  <a:glow rad="101600">
-                    <a:prstClr val="white">
-                      <a:alpha val="60000"/>
-                    </a:prstClr>
-                  </a:glow>
-                </a:effectLst>
-                <a:latin typeface="VNI-Aptima" pitchFamily="2" charset="0"/>
-              </a:rPr>
-              <a:t/>
-            </a:r>
             <a:br>
               <a:rPr lang="en-US" sz="6600" b="1" dirty="0">
                 <a:solidFill>
@@ -8998,7 +8842,7 @@
                     </a:prstClr>
                   </a:glow>
                 </a:effectLst>
-                <a:latin typeface="VNI-Aptima" pitchFamily="2" charset="0"/>
+                <a:latin typeface="VNI-Times" pitchFamily="2" charset="0"/>
               </a:rPr>
             </a:br>
             <a:r>
@@ -9013,7 +8857,7 @@
                     </a:prstClr>
                   </a:glow>
                 </a:effectLst>
-                <a:latin typeface="VNI-Aptima" pitchFamily="2" charset="0"/>
+                <a:latin typeface="VNI-Times" pitchFamily="2" charset="0"/>
               </a:rPr>
               <a:t>ôn</a:t>
             </a:r>
@@ -9029,23 +8873,23 @@
                     </a:prstClr>
                   </a:glow>
                 </a:effectLst>
-                <a:latin typeface="VNI-Aptima" pitchFamily="2" charset="0"/>
-              </a:rPr>
-              <a:t> </a:t>
-            </a:r>
-            <a:r>
-              <a:rPr lang="en-US" sz="6600" b="1" dirty="0" err="1">
-                <a:solidFill>
-                  <a:prstClr val="black"/>
-                </a:solidFill>
-                <a:effectLst>
-                  <a:glow rad="101600">
-                    <a:prstClr val="white">
-                      <a:alpha val="60000"/>
-                    </a:prstClr>
-                  </a:glow>
-                </a:effectLst>
-                <a:latin typeface="VNI-Aptima" pitchFamily="2" charset="0"/>
+                <a:latin typeface="VNI-Times" pitchFamily="2" charset="0"/>
+              </a:rPr>
+              <a:t> </a:t>
+            </a:r>
+            <a:r>
+              <a:rPr lang="en-US" sz="6600" b="1" dirty="0" err="1">
+                <a:solidFill>
+                  <a:prstClr val="black"/>
+                </a:solidFill>
+                <a:effectLst>
+                  <a:glow rad="101600">
+                    <a:prstClr val="white">
+                      <a:alpha val="60000"/>
+                    </a:prstClr>
+                  </a:glow>
+                </a:effectLst>
+                <a:latin typeface="VNI-Times" pitchFamily="2" charset="0"/>
               </a:rPr>
               <a:t>treân</a:t>
             </a:r>
@@ -9061,7 +8905,7 @@
                     </a:prstClr>
                   </a:glow>
                 </a:effectLst>
-                <a:latin typeface="VNI-Aptima" pitchFamily="2" charset="0"/>
+                <a:latin typeface="VNI-Times" pitchFamily="2" charset="0"/>
               </a:rPr>
               <a:t>, </a:t>
             </a:r>
@@ -9077,7 +8921,7 @@
                     </a:prstClr>
                   </a:glow>
                 </a:effectLst>
-                <a:latin typeface="VNI-Aptima" pitchFamily="2" charset="0"/>
+                <a:latin typeface="VNI-Times" pitchFamily="2" charset="0"/>
               </a:rPr>
               <a:t>haõy</a:t>
             </a:r>
@@ -9093,7 +8937,7 @@
                     </a:prstClr>
                   </a:glow>
                 </a:effectLst>
-                <a:latin typeface="VNI-Aptima" pitchFamily="2" charset="0"/>
+                <a:latin typeface="VNI-Times" pitchFamily="2" charset="0"/>
               </a:rPr>
               <a:t> </a:t>
             </a:r>
@@ -9109,7 +8953,7 @@
                     </a:prstClr>
                   </a:glow>
                 </a:effectLst>
-                <a:latin typeface="VNI-Aptima" pitchFamily="2" charset="0"/>
+                <a:latin typeface="VNI-Times" pitchFamily="2" charset="0"/>
               </a:rPr>
             </a:br>
             <a:r>
@@ -9124,7 +8968,7 @@
                     </a:prstClr>
                   </a:glow>
                 </a:effectLst>
-                <a:latin typeface="VNI-Aptima" pitchFamily="2" charset="0"/>
+                <a:latin typeface="VNI-Times" pitchFamily="2" charset="0"/>
               </a:rPr>
               <a:t>keå</a:t>
             </a:r>
@@ -9140,23 +8984,23 @@
                     </a:prstClr>
                   </a:glow>
                 </a:effectLst>
-                <a:latin typeface="VNI-Aptima" pitchFamily="2" charset="0"/>
-              </a:rPr>
-              <a:t> </a:t>
-            </a:r>
-            <a:r>
-              <a:rPr lang="en-US" sz="6600" b="1" dirty="0" err="1">
-                <a:solidFill>
-                  <a:prstClr val="black"/>
-                </a:solidFill>
-                <a:effectLst>
-                  <a:glow rad="101600">
-                    <a:prstClr val="white">
-                      <a:alpha val="60000"/>
-                    </a:prstClr>
-                  </a:glow>
-                </a:effectLst>
-                <a:latin typeface="VNI-Aptima" pitchFamily="2" charset="0"/>
+                <a:latin typeface="VNI-Times" pitchFamily="2" charset="0"/>
+              </a:rPr>
+              <a:t> </a:t>
+            </a:r>
+            <a:r>
+              <a:rPr lang="en-US" sz="6600" b="1" dirty="0" err="1">
+                <a:solidFill>
+                  <a:prstClr val="black"/>
+                </a:solidFill>
+                <a:effectLst>
+                  <a:glow rad="101600">
+                    <a:prstClr val="white">
+                      <a:alpha val="60000"/>
+                    </a:prstClr>
+                  </a:glow>
+                </a:effectLst>
+                <a:latin typeface="VNI-Times" pitchFamily="2" charset="0"/>
               </a:rPr>
               <a:t>teân</a:t>
             </a:r>
@@ -9172,23 +9016,23 @@
                     </a:prstClr>
                   </a:glow>
                 </a:effectLst>
-                <a:latin typeface="VNI-Aptima" pitchFamily="2" charset="0"/>
-              </a:rPr>
-              <a:t> </a:t>
-            </a:r>
-            <a:r>
-              <a:rPr lang="en-US" sz="6600" b="1" dirty="0" err="1">
-                <a:solidFill>
-                  <a:prstClr val="black"/>
-                </a:solidFill>
-                <a:effectLst>
-                  <a:glow rad="101600">
-                    <a:prstClr val="white">
-                      <a:alpha val="60000"/>
-                    </a:prstClr>
-                  </a:glow>
-                </a:effectLst>
-                <a:latin typeface="VNI-Aptima" pitchFamily="2" charset="0"/>
+                <a:latin typeface="VNI-Times" pitchFamily="2" charset="0"/>
+              </a:rPr>
+              <a:t> </a:t>
+            </a:r>
+            <a:r>
+              <a:rPr lang="en-US" sz="6600" b="1" dirty="0" err="1">
+                <a:solidFill>
+                  <a:prstClr val="black"/>
+                </a:solidFill>
+                <a:effectLst>
+                  <a:glow rad="101600">
+                    <a:prstClr val="white">
+                      <a:alpha val="60000"/>
+                    </a:prstClr>
+                  </a:glow>
+                </a:effectLst>
+                <a:latin typeface="VNI-Times" pitchFamily="2" charset="0"/>
               </a:rPr>
               <a:t>linh</a:t>
             </a:r>
@@ -9204,23 +9048,23 @@
                     </a:prstClr>
                   </a:glow>
                 </a:effectLst>
-                <a:latin typeface="VNI-Aptima" pitchFamily="2" charset="0"/>
-              </a:rPr>
-              <a:t> </a:t>
-            </a:r>
-            <a:r>
-              <a:rPr lang="en-US" sz="6600" b="1" dirty="0" err="1">
-                <a:solidFill>
-                  <a:prstClr val="black"/>
-                </a:solidFill>
-                <a:effectLst>
-                  <a:glow rad="101600">
-                    <a:prstClr val="white">
-                      <a:alpha val="60000"/>
-                    </a:prstClr>
-                  </a:glow>
-                </a:effectLst>
-                <a:latin typeface="VNI-Aptima" pitchFamily="2" charset="0"/>
+                <a:latin typeface="VNI-Times" pitchFamily="2" charset="0"/>
+              </a:rPr>
+              <a:t> </a:t>
+            </a:r>
+            <a:r>
+              <a:rPr lang="en-US" sz="6600" b="1" dirty="0" err="1">
+                <a:solidFill>
+                  <a:prstClr val="black"/>
+                </a:solidFill>
+                <a:effectLst>
+                  <a:glow rad="101600">
+                    <a:prstClr val="white">
+                      <a:alpha val="60000"/>
+                    </a:prstClr>
+                  </a:glow>
+                </a:effectLst>
+                <a:latin typeface="VNI-Times" pitchFamily="2" charset="0"/>
               </a:rPr>
               <a:t>aân</a:t>
             </a:r>
@@ -9236,7 +9080,7 @@
                     </a:prstClr>
                   </a:glow>
                 </a:effectLst>
-                <a:latin typeface="VNI-Aptima" pitchFamily="2" charset="0"/>
+                <a:latin typeface="VNI-Times" pitchFamily="2" charset="0"/>
               </a:rPr>
               <a:t>!</a:t>
             </a:r>
@@ -9292,10 +9136,11 @@
           </a:lstStyle>
           <a:p>
             <a:r>
-              <a:rPr lang="en-US" smtClean="0"/>
+              <a:rPr lang="en-US" dirty="0">
+                <a:latin typeface="VNI-Times" pitchFamily="2" charset="0"/>
+              </a:rPr>
               <a:t>HAÕY ÑEÁM CAÙC PHÖÔÙC CHUÙA BAN</a:t>
             </a:r>
-            <a:endParaRPr lang="en-US" dirty="0"/>
           </a:p>
         </p:txBody>
       </p:sp>
@@ -9364,7 +9209,7 @@
                     </a:prstClr>
                   </a:glow>
                 </a:effectLst>
-                <a:latin typeface="VNI-Aptima" pitchFamily="2" charset="0"/>
+                <a:latin typeface="VNI-Times" pitchFamily="2" charset="0"/>
               </a:rPr>
               <a:t>Chaéc</a:t>
             </a:r>
@@ -9380,23 +9225,23 @@
                     </a:prstClr>
                   </a:glow>
                 </a:effectLst>
-                <a:latin typeface="VNI-Aptima" pitchFamily="2" charset="0"/>
-              </a:rPr>
-              <a:t> </a:t>
-            </a:r>
-            <a:r>
-              <a:rPr lang="en-US" sz="6600" b="1" dirty="0" err="1">
-                <a:solidFill>
-                  <a:prstClr val="black"/>
-                </a:solidFill>
-                <a:effectLst>
-                  <a:glow rad="101600">
-                    <a:prstClr val="white">
-                      <a:alpha val="60000"/>
-                    </a:prstClr>
-                  </a:glow>
-                </a:effectLst>
-                <a:latin typeface="VNI-Aptima" pitchFamily="2" charset="0"/>
+                <a:latin typeface="VNI-Times" pitchFamily="2" charset="0"/>
+              </a:rPr>
+              <a:t> </a:t>
+            </a:r>
+            <a:r>
+              <a:rPr lang="en-US" sz="6600" b="1" dirty="0" err="1">
+                <a:solidFill>
+                  <a:prstClr val="black"/>
+                </a:solidFill>
+                <a:effectLst>
+                  <a:glow rad="101600">
+                    <a:prstClr val="white">
+                      <a:alpha val="60000"/>
+                    </a:prstClr>
+                  </a:glow>
+                </a:effectLst>
+                <a:latin typeface="VNI-Times" pitchFamily="2" charset="0"/>
               </a:rPr>
               <a:t>chaén</a:t>
             </a:r>
@@ -9412,23 +9257,23 @@
                     </a:prstClr>
                   </a:glow>
                 </a:effectLst>
-                <a:latin typeface="VNI-Aptima" pitchFamily="2" charset="0"/>
-              </a:rPr>
-              <a:t> </a:t>
-            </a:r>
-            <a:r>
-              <a:rPr lang="en-US" sz="6600" b="1" dirty="0" err="1">
-                <a:solidFill>
-                  <a:prstClr val="black"/>
-                </a:solidFill>
-                <a:effectLst>
-                  <a:glow rad="101600">
-                    <a:prstClr val="white">
-                      <a:alpha val="60000"/>
-                    </a:prstClr>
-                  </a:glow>
-                </a:effectLst>
-                <a:latin typeface="VNI-Aptima" pitchFamily="2" charset="0"/>
+                <a:latin typeface="VNI-Times" pitchFamily="2" charset="0"/>
+              </a:rPr>
+              <a:t> </a:t>
+            </a:r>
+            <a:r>
+              <a:rPr lang="en-US" sz="6600" b="1" dirty="0" err="1">
+                <a:solidFill>
+                  <a:prstClr val="black"/>
+                </a:solidFill>
+                <a:effectLst>
+                  <a:glow rad="101600">
+                    <a:prstClr val="white">
+                      <a:alpha val="60000"/>
+                    </a:prstClr>
+                  </a:glow>
+                </a:effectLst>
+                <a:latin typeface="VNI-Times" pitchFamily="2" charset="0"/>
               </a:rPr>
               <a:t>anh</a:t>
             </a:r>
@@ -9444,7 +9289,7 @@
                     </a:prstClr>
                   </a:glow>
                 </a:effectLst>
-                <a:latin typeface="VNI-Aptima" pitchFamily="2" charset="0"/>
+                <a:latin typeface="VNI-Times" pitchFamily="2" charset="0"/>
               </a:rPr>
               <a:t> </a:t>
             </a:r>
@@ -9460,7 +9305,7 @@
                     </a:prstClr>
                   </a:glow>
                 </a:effectLst>
-                <a:latin typeface="VNI-Aptima" pitchFamily="2" charset="0"/>
+                <a:latin typeface="VNI-Times" pitchFamily="2" charset="0"/>
               </a:rPr>
             </a:br>
             <a:r>
@@ -9475,7 +9320,7 @@
                     </a:prstClr>
                   </a:glow>
                 </a:effectLst>
-                <a:latin typeface="VNI-Aptima" pitchFamily="2" charset="0"/>
+                <a:latin typeface="VNI-Times" pitchFamily="2" charset="0"/>
               </a:rPr>
               <a:t>seõ</a:t>
             </a:r>
@@ -9491,23 +9336,23 @@
                     </a:prstClr>
                   </a:glow>
                 </a:effectLst>
-                <a:latin typeface="VNI-Aptima" pitchFamily="2" charset="0"/>
-              </a:rPr>
-              <a:t> </a:t>
-            </a:r>
-            <a:r>
-              <a:rPr lang="en-US" sz="6600" b="1" dirty="0" err="1">
-                <a:solidFill>
-                  <a:prstClr val="black"/>
-                </a:solidFill>
-                <a:effectLst>
-                  <a:glow rad="101600">
-                    <a:prstClr val="white">
-                      <a:alpha val="60000"/>
-                    </a:prstClr>
-                  </a:glow>
-                </a:effectLst>
-                <a:latin typeface="VNI-Aptima" pitchFamily="2" charset="0"/>
+                <a:latin typeface="VNI-Times" pitchFamily="2" charset="0"/>
+              </a:rPr>
+              <a:t> </a:t>
+            </a:r>
+            <a:r>
+              <a:rPr lang="en-US" sz="6600" b="1" dirty="0" err="1">
+                <a:solidFill>
+                  <a:prstClr val="black"/>
+                </a:solidFill>
+                <a:effectLst>
+                  <a:glow rad="101600">
+                    <a:prstClr val="white">
+                      <a:alpha val="60000"/>
+                    </a:prstClr>
+                  </a:glow>
+                </a:effectLst>
+                <a:latin typeface="VNI-Times" pitchFamily="2" charset="0"/>
               </a:rPr>
               <a:t>thaáy</a:t>
             </a:r>
@@ -9523,23 +9368,23 @@
                     </a:prstClr>
                   </a:glow>
                 </a:effectLst>
-                <a:latin typeface="VNI-Aptima" pitchFamily="2" charset="0"/>
-              </a:rPr>
-              <a:t> </a:t>
-            </a:r>
-            <a:r>
-              <a:rPr lang="en-US" sz="6600" b="1" dirty="0" err="1">
-                <a:solidFill>
-                  <a:prstClr val="black"/>
-                </a:solidFill>
-                <a:effectLst>
-                  <a:glow rad="101600">
-                    <a:prstClr val="white">
-                      <a:alpha val="60000"/>
-                    </a:prstClr>
-                  </a:glow>
-                </a:effectLst>
-                <a:latin typeface="VNI-Aptima" pitchFamily="2" charset="0"/>
+                <a:latin typeface="VNI-Times" pitchFamily="2" charset="0"/>
+              </a:rPr>
+              <a:t> </a:t>
+            </a:r>
+            <a:r>
+              <a:rPr lang="en-US" sz="6600" b="1" dirty="0" err="1">
+                <a:solidFill>
+                  <a:prstClr val="black"/>
+                </a:solidFill>
+                <a:effectLst>
+                  <a:glow rad="101600">
+                    <a:prstClr val="white">
+                      <a:alpha val="60000"/>
+                    </a:prstClr>
+                  </a:glow>
+                </a:effectLst>
+                <a:latin typeface="VNI-Times" pitchFamily="2" charset="0"/>
               </a:rPr>
               <a:t>caùc</a:t>
             </a:r>
@@ -9555,23 +9400,23 @@
                     </a:prstClr>
                   </a:glow>
                 </a:effectLst>
-                <a:latin typeface="VNI-Aptima" pitchFamily="2" charset="0"/>
-              </a:rPr>
-              <a:t> </a:t>
-            </a:r>
-            <a:r>
-              <a:rPr lang="en-US" sz="6600" b="1" dirty="0" err="1">
-                <a:solidFill>
-                  <a:prstClr val="black"/>
-                </a:solidFill>
-                <a:effectLst>
-                  <a:glow rad="101600">
-                    <a:prstClr val="white">
-                      <a:alpha val="60000"/>
-                    </a:prstClr>
-                  </a:glow>
-                </a:effectLst>
-                <a:latin typeface="VNI-Aptima" pitchFamily="2" charset="0"/>
+                <a:latin typeface="VNI-Times" pitchFamily="2" charset="0"/>
+              </a:rPr>
+              <a:t> </a:t>
+            </a:r>
+            <a:r>
+              <a:rPr lang="en-US" sz="6600" b="1" dirty="0" err="1">
+                <a:solidFill>
+                  <a:prstClr val="black"/>
+                </a:solidFill>
+                <a:effectLst>
+                  <a:glow rad="101600">
+                    <a:prstClr val="white">
+                      <a:alpha val="60000"/>
+                    </a:prstClr>
+                  </a:glow>
+                </a:effectLst>
+                <a:latin typeface="VNI-Times" pitchFamily="2" charset="0"/>
               </a:rPr>
               <a:t>coâng</a:t>
             </a:r>
@@ -9587,23 +9432,23 @@
                     </a:prstClr>
                   </a:glow>
                 </a:effectLst>
-                <a:latin typeface="VNI-Aptima" pitchFamily="2" charset="0"/>
-              </a:rPr>
-              <a:t> </a:t>
-            </a:r>
-            <a:r>
-              <a:rPr lang="en-US" sz="6600" b="1" dirty="0" err="1">
-                <a:solidFill>
-                  <a:prstClr val="black"/>
-                </a:solidFill>
-                <a:effectLst>
-                  <a:glow rad="101600">
-                    <a:prstClr val="white">
-                      <a:alpha val="60000"/>
-                    </a:prstClr>
-                  </a:glow>
-                </a:effectLst>
-                <a:latin typeface="VNI-Aptima" pitchFamily="2" charset="0"/>
+                <a:latin typeface="VNI-Times" pitchFamily="2" charset="0"/>
+              </a:rPr>
+              <a:t> </a:t>
+            </a:r>
+            <a:r>
+              <a:rPr lang="en-US" sz="6600" b="1" dirty="0" err="1">
+                <a:solidFill>
+                  <a:prstClr val="black"/>
+                </a:solidFill>
+                <a:effectLst>
+                  <a:glow rad="101600">
+                    <a:prstClr val="white">
+                      <a:alpha val="60000"/>
+                    </a:prstClr>
+                  </a:glow>
+                </a:effectLst>
+                <a:latin typeface="VNI-Times" pitchFamily="2" charset="0"/>
               </a:rPr>
               <a:t>taùc</a:t>
             </a:r>
@@ -9619,55 +9464,55 @@
                     </a:prstClr>
                   </a:glow>
                 </a:effectLst>
-                <a:latin typeface="VNI-Aptima" pitchFamily="2" charset="0"/>
-              </a:rPr>
-              <a:t> </a:t>
-            </a:r>
-            <a:r>
-              <a:rPr lang="en-US" sz="6600" b="1">
-                <a:solidFill>
-                  <a:prstClr val="black"/>
-                </a:solidFill>
-                <a:effectLst>
-                  <a:glow rad="101600">
-                    <a:prstClr val="white">
-                      <a:alpha val="60000"/>
-                    </a:prstClr>
-                  </a:glow>
-                </a:effectLst>
-                <a:latin typeface="VNI-Aptima" pitchFamily="2" charset="0"/>
-              </a:rPr>
-              <a:t>Cha </a:t>
-            </a:r>
-            <a:r>
-              <a:rPr lang="en-US" sz="6600" b="1" smtClean="0">
-                <a:solidFill>
-                  <a:prstClr val="black"/>
-                </a:solidFill>
-                <a:effectLst>
-                  <a:glow rad="101600">
-                    <a:prstClr val="white">
-                      <a:alpha val="60000"/>
-                    </a:prstClr>
-                  </a:glow>
-                </a:effectLst>
-                <a:latin typeface="VNI-Aptima" pitchFamily="2" charset="0"/>
-              </a:rPr>
-              <a:t>ñaõ </a:t>
-            </a:r>
-            <a:r>
-              <a:rPr lang="en-US" sz="6600" b="1" dirty="0" err="1">
-                <a:solidFill>
-                  <a:prstClr val="black"/>
-                </a:solidFill>
-                <a:effectLst>
-                  <a:glow rad="101600">
-                    <a:prstClr val="white">
-                      <a:alpha val="60000"/>
-                    </a:prstClr>
-                  </a:glow>
-                </a:effectLst>
-                <a:latin typeface="VNI-Aptima" pitchFamily="2" charset="0"/>
+                <a:latin typeface="VNI-Times" pitchFamily="2" charset="0"/>
+              </a:rPr>
+              <a:t> Cha </a:t>
+            </a:r>
+            <a:r>
+              <a:rPr lang="en-US" sz="6600" b="1" dirty="0" err="1">
+                <a:solidFill>
+                  <a:prstClr val="black"/>
+                </a:solidFill>
+                <a:effectLst>
+                  <a:glow rad="101600">
+                    <a:prstClr val="white">
+                      <a:alpha val="60000"/>
+                    </a:prstClr>
+                  </a:glow>
+                </a:effectLst>
+                <a:latin typeface="VNI-Times" pitchFamily="2" charset="0"/>
+              </a:rPr>
+              <a:t>ñaõ</a:t>
+            </a:r>
+            <a:r>
+              <a:rPr lang="en-US" sz="6600" b="1" dirty="0">
+                <a:solidFill>
+                  <a:prstClr val="black"/>
+                </a:solidFill>
+                <a:effectLst>
+                  <a:glow rad="101600">
+                    <a:prstClr val="white">
+                      <a:alpha val="60000"/>
+                    </a:prstClr>
+                  </a:glow>
+                </a:effectLst>
+                <a:latin typeface="VNI-Times" pitchFamily="2" charset="0"/>
+              </a:rPr>
+              <a:t> </a:t>
+            </a:r>
+            <a:r>
+              <a:rPr lang="en-US" sz="6600" b="1" dirty="0" err="1">
+                <a:solidFill>
+                  <a:prstClr val="black"/>
+                </a:solidFill>
+                <a:effectLst>
+                  <a:glow rad="101600">
+                    <a:prstClr val="white">
+                      <a:alpha val="60000"/>
+                    </a:prstClr>
+                  </a:glow>
+                </a:effectLst>
+                <a:latin typeface="VNI-Times" pitchFamily="2" charset="0"/>
               </a:rPr>
               <a:t>laøm</a:t>
             </a:r>
@@ -9683,7 +9528,7 @@
                     </a:prstClr>
                   </a:glow>
                 </a:effectLst>
-                <a:latin typeface="VNI-Aptima" pitchFamily="2" charset="0"/>
+                <a:latin typeface="VNI-Times" pitchFamily="2" charset="0"/>
               </a:rPr>
               <a:t>.</a:t>
             </a:r>
@@ -9739,10 +9584,11 @@
           </a:lstStyle>
           <a:p>
             <a:r>
-              <a:rPr lang="en-US" smtClean="0"/>
+              <a:rPr lang="en-US" dirty="0">
+                <a:latin typeface="VNI-Times" pitchFamily="2" charset="0"/>
+              </a:rPr>
               <a:t>HAÕY ÑEÁM CAÙC PHÖÔÙC CHUÙA BAN</a:t>
             </a:r>
-            <a:endParaRPr lang="en-US" dirty="0"/>
           </a:p>
         </p:txBody>
       </p:sp>
@@ -9811,7 +9657,7 @@
                     </a:prstClr>
                   </a:glow>
                 </a:effectLst>
-                <a:latin typeface="VNI-Aptima" pitchFamily="2" charset="0"/>
+                <a:latin typeface="VNI-Times" pitchFamily="2" charset="0"/>
               </a:rPr>
               <a:t>Hoaëc</a:t>
             </a:r>
@@ -9827,23 +9673,23 @@
                     </a:prstClr>
                   </a:glow>
                 </a:effectLst>
-                <a:latin typeface="VNI-Aptima" pitchFamily="2" charset="0"/>
-              </a:rPr>
-              <a:t> </a:t>
-            </a:r>
-            <a:r>
-              <a:rPr lang="en-US" sz="6600" b="1" dirty="0" err="1">
-                <a:solidFill>
-                  <a:prstClr val="black"/>
-                </a:solidFill>
-                <a:effectLst>
-                  <a:glow rad="101600">
-                    <a:prstClr val="white">
-                      <a:alpha val="60000"/>
-                    </a:prstClr>
-                  </a:glow>
-                </a:effectLst>
-                <a:latin typeface="VNI-Aptima" pitchFamily="2" charset="0"/>
+                <a:latin typeface="VNI-Times" pitchFamily="2" charset="0"/>
+              </a:rPr>
+              <a:t> </a:t>
+            </a:r>
+            <a:r>
+              <a:rPr lang="en-US" sz="6600" b="1" dirty="0" err="1">
+                <a:solidFill>
+                  <a:prstClr val="black"/>
+                </a:solidFill>
+                <a:effectLst>
+                  <a:glow rad="101600">
+                    <a:prstClr val="white">
+                      <a:alpha val="60000"/>
+                    </a:prstClr>
+                  </a:glow>
+                </a:effectLst>
+                <a:latin typeface="VNI-Times" pitchFamily="2" charset="0"/>
               </a:rPr>
               <a:t>khi</a:t>
             </a:r>
@@ -9859,23 +9705,23 @@
                     </a:prstClr>
                   </a:glow>
                 </a:effectLst>
-                <a:latin typeface="VNI-Aptima" pitchFamily="2" charset="0"/>
-              </a:rPr>
-              <a:t> </a:t>
-            </a:r>
-            <a:r>
-              <a:rPr lang="en-US" sz="6600" b="1" dirty="0" err="1">
-                <a:solidFill>
-                  <a:prstClr val="black"/>
-                </a:solidFill>
-                <a:effectLst>
-                  <a:glow rad="101600">
-                    <a:prstClr val="white">
-                      <a:alpha val="60000"/>
-                    </a:prstClr>
-                  </a:glow>
-                </a:effectLst>
-                <a:latin typeface="VNI-Aptima" pitchFamily="2" charset="0"/>
+                <a:latin typeface="VNI-Times" pitchFamily="2" charset="0"/>
+              </a:rPr>
+              <a:t> </a:t>
+            </a:r>
+            <a:r>
+              <a:rPr lang="en-US" sz="6600" b="1" dirty="0" err="1">
+                <a:solidFill>
+                  <a:prstClr val="black"/>
+                </a:solidFill>
+                <a:effectLst>
+                  <a:glow rad="101600">
+                    <a:prstClr val="white">
+                      <a:alpha val="60000"/>
+                    </a:prstClr>
+                  </a:glow>
+                </a:effectLst>
+                <a:latin typeface="VNI-Times" pitchFamily="2" charset="0"/>
               </a:rPr>
               <a:t>anh</a:t>
             </a:r>
@@ -9891,23 +9737,23 @@
                     </a:prstClr>
                   </a:glow>
                 </a:effectLst>
-                <a:latin typeface="VNI-Aptima" pitchFamily="2" charset="0"/>
-              </a:rPr>
-              <a:t> </a:t>
-            </a:r>
-            <a:r>
-              <a:rPr lang="en-US" sz="6600" b="1" dirty="0" err="1">
-                <a:solidFill>
-                  <a:prstClr val="black"/>
-                </a:solidFill>
-                <a:effectLst>
-                  <a:glow rad="101600">
-                    <a:prstClr val="white">
-                      <a:alpha val="60000"/>
-                    </a:prstClr>
-                  </a:glow>
-                </a:effectLst>
-                <a:latin typeface="VNI-Aptima" pitchFamily="2" charset="0"/>
+                <a:latin typeface="VNI-Times" pitchFamily="2" charset="0"/>
+              </a:rPr>
+              <a:t> </a:t>
+            </a:r>
+            <a:r>
+              <a:rPr lang="en-US" sz="6600" b="1" dirty="0" err="1">
+                <a:solidFill>
+                  <a:prstClr val="black"/>
+                </a:solidFill>
+                <a:effectLst>
+                  <a:glow rad="101600">
+                    <a:prstClr val="white">
+                      <a:alpha val="60000"/>
+                    </a:prstClr>
+                  </a:glow>
+                </a:effectLst>
+                <a:latin typeface="VNI-Times" pitchFamily="2" charset="0"/>
               </a:rPr>
               <a:t>caûm</a:t>
             </a:r>
@@ -9923,23 +9769,23 @@
                     </a:prstClr>
                   </a:glow>
                 </a:effectLst>
-                <a:latin typeface="VNI-Aptima" pitchFamily="2" charset="0"/>
-              </a:rPr>
-              <a:t> </a:t>
-            </a:r>
-            <a:r>
-              <a:rPr lang="en-US" sz="6600" b="1" dirty="0" err="1">
-                <a:solidFill>
-                  <a:prstClr val="black"/>
-                </a:solidFill>
-                <a:effectLst>
-                  <a:glow rad="101600">
-                    <a:prstClr val="white">
-                      <a:alpha val="60000"/>
-                    </a:prstClr>
-                  </a:glow>
-                </a:effectLst>
-                <a:latin typeface="VNI-Aptima" pitchFamily="2" charset="0"/>
+                <a:latin typeface="VNI-Times" pitchFamily="2" charset="0"/>
+              </a:rPr>
+              <a:t> </a:t>
+            </a:r>
+            <a:r>
+              <a:rPr lang="en-US" sz="6600" b="1" dirty="0" err="1">
+                <a:solidFill>
+                  <a:prstClr val="black"/>
+                </a:solidFill>
+                <a:effectLst>
+                  <a:glow rad="101600">
+                    <a:prstClr val="white">
+                      <a:alpha val="60000"/>
+                    </a:prstClr>
+                  </a:glow>
+                </a:effectLst>
+                <a:latin typeface="VNI-Times" pitchFamily="2" charset="0"/>
               </a:rPr>
               <a:t>thaáy</a:t>
             </a:r>
@@ -9955,23 +9801,23 @@
                     </a:prstClr>
                   </a:glow>
                 </a:effectLst>
-                <a:latin typeface="VNI-Aptima" pitchFamily="2" charset="0"/>
-              </a:rPr>
-              <a:t> </a:t>
-            </a:r>
-            <a:r>
-              <a:rPr lang="en-US" sz="6600" b="1" dirty="0" err="1">
-                <a:solidFill>
-                  <a:prstClr val="black"/>
-                </a:solidFill>
-                <a:effectLst>
-                  <a:glow rad="101600">
-                    <a:prstClr val="white">
-                      <a:alpha val="60000"/>
-                    </a:prstClr>
-                  </a:glow>
-                </a:effectLst>
-                <a:latin typeface="VNI-Aptima" pitchFamily="2" charset="0"/>
+                <a:latin typeface="VNI-Times" pitchFamily="2" charset="0"/>
+              </a:rPr>
+              <a:t> </a:t>
+            </a:r>
+            <a:r>
+              <a:rPr lang="en-US" sz="6600" b="1" dirty="0" err="1">
+                <a:solidFill>
+                  <a:prstClr val="black"/>
+                </a:solidFill>
+                <a:effectLst>
+                  <a:glow rad="101600">
+                    <a:prstClr val="white">
+                      <a:alpha val="60000"/>
+                    </a:prstClr>
+                  </a:glow>
+                </a:effectLst>
+                <a:latin typeface="VNI-Times" pitchFamily="2" charset="0"/>
               </a:rPr>
               <a:t>maát</a:t>
             </a:r>
@@ -9987,23 +9833,23 @@
                     </a:prstClr>
                   </a:glow>
                 </a:effectLst>
-                <a:latin typeface="VNI-Aptima" pitchFamily="2" charset="0"/>
-              </a:rPr>
-              <a:t> </a:t>
-            </a:r>
-            <a:r>
-              <a:rPr lang="en-US" sz="6600" b="1" dirty="0" err="1">
-                <a:solidFill>
-                  <a:prstClr val="black"/>
-                </a:solidFill>
-                <a:effectLst>
-                  <a:glow rad="101600">
-                    <a:prstClr val="white">
-                      <a:alpha val="60000"/>
-                    </a:prstClr>
-                  </a:glow>
-                </a:effectLst>
-                <a:latin typeface="VNI-Aptima" pitchFamily="2" charset="0"/>
+                <a:latin typeface="VNI-Times" pitchFamily="2" charset="0"/>
+              </a:rPr>
+              <a:t> </a:t>
+            </a:r>
+            <a:r>
+              <a:rPr lang="en-US" sz="6600" b="1" dirty="0" err="1">
+                <a:solidFill>
+                  <a:prstClr val="black"/>
+                </a:solidFill>
+                <a:effectLst>
+                  <a:glow rad="101600">
+                    <a:prstClr val="white">
+                      <a:alpha val="60000"/>
+                    </a:prstClr>
+                  </a:glow>
+                </a:effectLst>
+                <a:latin typeface="VNI-Times" pitchFamily="2" charset="0"/>
               </a:rPr>
               <a:t>caû</a:t>
             </a:r>
@@ -10019,23 +9865,23 @@
                     </a:prstClr>
                   </a:glow>
                 </a:effectLst>
-                <a:latin typeface="VNI-Aptima" pitchFamily="2" charset="0"/>
-              </a:rPr>
-              <a:t> </a:t>
-            </a:r>
-            <a:r>
-              <a:rPr lang="en-US" sz="6600" b="1" dirty="0" err="1">
-                <a:solidFill>
-                  <a:prstClr val="black"/>
-                </a:solidFill>
-                <a:effectLst>
-                  <a:glow rad="101600">
-                    <a:prstClr val="white">
-                      <a:alpha val="60000"/>
-                    </a:prstClr>
-                  </a:glow>
-                </a:effectLst>
-                <a:latin typeface="VNI-Aptima" pitchFamily="2" charset="0"/>
+                <a:latin typeface="VNI-Times" pitchFamily="2" charset="0"/>
+              </a:rPr>
+              <a:t> </a:t>
+            </a:r>
+            <a:r>
+              <a:rPr lang="en-US" sz="6600" b="1" dirty="0" err="1">
+                <a:solidFill>
+                  <a:prstClr val="black"/>
+                </a:solidFill>
+                <a:effectLst>
+                  <a:glow rad="101600">
+                    <a:prstClr val="white">
+                      <a:alpha val="60000"/>
+                    </a:prstClr>
+                  </a:glow>
+                </a:effectLst>
+                <a:latin typeface="VNI-Times" pitchFamily="2" charset="0"/>
               </a:rPr>
               <a:t>moïi</a:t>
             </a:r>
@@ -10051,7 +9897,7 @@
                     </a:prstClr>
                   </a:glow>
                 </a:effectLst>
-                <a:latin typeface="VNI-Aptima" pitchFamily="2" charset="0"/>
+                <a:latin typeface="VNI-Times" pitchFamily="2" charset="0"/>
               </a:rPr>
               <a:t> </a:t>
             </a:r>
@@ -10067,7 +9913,7 @@
                     </a:prstClr>
                   </a:glow>
                 </a:effectLst>
-                <a:latin typeface="VNI-Aptima" pitchFamily="2" charset="0"/>
+                <a:latin typeface="VNI-Times" pitchFamily="2" charset="0"/>
               </a:rPr>
             </a:br>
             <a:r>
@@ -10082,7 +9928,7 @@
                     </a:prstClr>
                   </a:glow>
                 </a:effectLst>
-                <a:latin typeface="VNI-Aptima" pitchFamily="2" charset="0"/>
+                <a:latin typeface="VNI-Times" pitchFamily="2" charset="0"/>
               </a:rPr>
               <a:t>ñieàu</a:t>
             </a:r>
@@ -10098,73 +9944,41 @@
                     </a:prstClr>
                   </a:glow>
                 </a:effectLst>
-                <a:latin typeface="VNI-Aptima" pitchFamily="2" charset="0"/>
-              </a:rPr>
-              <a:t> </a:t>
-            </a:r>
-            <a:r>
-              <a:rPr lang="en-US" sz="6600" b="1" err="1">
-                <a:solidFill>
-                  <a:prstClr val="black"/>
-                </a:solidFill>
-                <a:effectLst>
-                  <a:glow rad="101600">
-                    <a:prstClr val="white">
-                      <a:alpha val="60000"/>
-                    </a:prstClr>
-                  </a:glow>
-                </a:effectLst>
-                <a:latin typeface="VNI-Aptima" pitchFamily="2" charset="0"/>
+                <a:latin typeface="VNI-Times" pitchFamily="2" charset="0"/>
+              </a:rPr>
+              <a:t> </a:t>
+            </a:r>
+            <a:r>
+              <a:rPr lang="en-US" sz="6600" b="1" dirty="0" err="1">
+                <a:solidFill>
+                  <a:prstClr val="black"/>
+                </a:solidFill>
+                <a:effectLst>
+                  <a:glow rad="101600">
+                    <a:prstClr val="white">
+                      <a:alpha val="60000"/>
+                    </a:prstClr>
+                  </a:glow>
+                </a:effectLst>
+                <a:latin typeface="VNI-Times" pitchFamily="2" charset="0"/>
               </a:rPr>
               <a:t>ñôøi</a:t>
             </a:r>
             <a:r>
-              <a:rPr lang="en-US" sz="6600" b="1">
-                <a:solidFill>
-                  <a:prstClr val="black"/>
-                </a:solidFill>
-                <a:effectLst>
-                  <a:glow rad="101600">
-                    <a:prstClr val="white">
-                      <a:alpha val="60000"/>
-                    </a:prstClr>
-                  </a:glow>
-                </a:effectLst>
-                <a:latin typeface="VNI-Aptima" pitchFamily="2" charset="0"/>
-              </a:rPr>
-              <a:t> </a:t>
-            </a:r>
-            <a:r>
-              <a:rPr lang="en-US" sz="6600" b="1" smtClean="0">
-                <a:solidFill>
-                  <a:prstClr val="black"/>
-                </a:solidFill>
-                <a:effectLst>
-                  <a:glow rad="101600">
-                    <a:prstClr val="white">
-                      <a:alpha val="60000"/>
-                    </a:prstClr>
-                  </a:glow>
-                </a:effectLst>
-                <a:latin typeface="VNI-Aptima" pitchFamily="2" charset="0"/>
-              </a:rPr>
-              <a:t>nay</a:t>
-            </a:r>
-            <a:r>
-              <a:rPr lang="en-US" sz="6600" b="1" dirty="0">
-                <a:solidFill>
-                  <a:prstClr val="black"/>
-                </a:solidFill>
-                <a:effectLst>
-                  <a:glow rad="101600">
-                    <a:prstClr val="white">
-                      <a:alpha val="60000"/>
-                    </a:prstClr>
-                  </a:glow>
-                </a:effectLst>
-                <a:latin typeface="VNI-Aptima" pitchFamily="2" charset="0"/>
-              </a:rPr>
-              <a:t>.</a:t>
+              <a:rPr lang="en-US" sz="6600" b="1" dirty="0">
+                <a:solidFill>
+                  <a:prstClr val="black"/>
+                </a:solidFill>
+                <a:effectLst>
+                  <a:glow rad="101600">
+                    <a:prstClr val="white">
+                      <a:alpha val="60000"/>
+                    </a:prstClr>
+                  </a:glow>
+                </a:effectLst>
+                <a:latin typeface="VNI-Times" pitchFamily="2" charset="0"/>
+              </a:rPr>
+              <a:t> nay.</a:t>
             </a:r>
           </a:p>
         </p:txBody>
@@ -10218,10 +10032,11 @@
           </a:lstStyle>
           <a:p>
             <a:r>
-              <a:rPr lang="en-US" smtClean="0"/>
+              <a:rPr lang="en-US" dirty="0">
+                <a:latin typeface="VNI-Times" pitchFamily="2" charset="0"/>
+              </a:rPr>
               <a:t>HAÕY ÑEÁM CAÙC PHÖÔÙC CHUÙA BAN</a:t>
             </a:r>
-            <a:endParaRPr lang="en-US" dirty="0"/>
           </a:p>
         </p:txBody>
       </p:sp>
@@ -10279,50 +10094,34 @@
           <a:p>
             <a:pPr algn="ctr"/>
             <a:r>
-              <a:rPr lang="en-US" sz="6600" b="1" dirty="0" err="1">
-                <a:solidFill>
-                  <a:prstClr val="black"/>
-                </a:solidFill>
-                <a:effectLst>
-                  <a:glow rad="101600">
-                    <a:prstClr val="white">
-                      <a:alpha val="60000"/>
-                    </a:prstClr>
-                  </a:glow>
-                </a:effectLst>
-                <a:latin typeface="VNI-Aptima" pitchFamily="2" charset="0"/>
-              </a:rPr>
-              <a:t>Xin</a:t>
-            </a:r>
-            <a:r>
-              <a:rPr lang="en-US" sz="6600" b="1" dirty="0">
-                <a:solidFill>
-                  <a:prstClr val="black"/>
-                </a:solidFill>
-                <a:effectLst>
-                  <a:glow rad="101600">
-                    <a:prstClr val="white">
-                      <a:alpha val="60000"/>
-                    </a:prstClr>
-                  </a:glow>
-                </a:effectLst>
-                <a:latin typeface="VNI-Aptima" pitchFamily="2" charset="0"/>
-              </a:rPr>
-              <a:t> </a:t>
-            </a:r>
-            <a:r>
-              <a:rPr lang="en-US" sz="6600" b="1" dirty="0" err="1">
-                <a:solidFill>
-                  <a:prstClr val="black"/>
-                </a:solidFill>
-                <a:effectLst>
-                  <a:glow rad="101600">
-                    <a:prstClr val="white">
-                      <a:alpha val="60000"/>
-                    </a:prstClr>
-                  </a:glow>
-                </a:effectLst>
-                <a:latin typeface="VNI-Aptima" pitchFamily="2" charset="0"/>
+              <a:rPr lang="en-US" sz="6600" b="1" dirty="0">
+                <a:solidFill>
+                  <a:prstClr val="black"/>
+                </a:solidFill>
+                <a:effectLst>
+                  <a:glow rad="101600">
+                    <a:prstClr val="white">
+                      <a:alpha val="60000"/>
+                    </a:prstClr>
+                  </a:glow>
+                </a:effectLst>
+                <a:latin typeface="VNI-Times" pitchFamily="2" charset="0"/>
+              </a:rPr>
+              <a:t>Xin </a:t>
+            </a:r>
+            <a:r>
+              <a:rPr lang="en-US" sz="6600" b="1" dirty="0" err="1">
+                <a:solidFill>
+                  <a:prstClr val="black"/>
+                </a:solidFill>
+                <a:effectLst>
+                  <a:glow rad="101600">
+                    <a:prstClr val="white">
+                      <a:alpha val="60000"/>
+                    </a:prstClr>
+                  </a:glow>
+                </a:effectLst>
+                <a:latin typeface="VNI-Times" pitchFamily="2" charset="0"/>
               </a:rPr>
               <a:t>anh</a:t>
             </a:r>
@@ -10338,23 +10137,23 @@
                     </a:prstClr>
                   </a:glow>
                 </a:effectLst>
-                <a:latin typeface="VNI-Aptima" pitchFamily="2" charset="0"/>
-              </a:rPr>
-              <a:t> </a:t>
-            </a:r>
-            <a:r>
-              <a:rPr lang="en-US" sz="6600" b="1" dirty="0" err="1">
-                <a:solidFill>
-                  <a:prstClr val="black"/>
-                </a:solidFill>
-                <a:effectLst>
-                  <a:glow rad="101600">
-                    <a:prstClr val="white">
-                      <a:alpha val="60000"/>
-                    </a:prstClr>
-                  </a:glow>
-                </a:effectLst>
-                <a:latin typeface="VNI-Aptima" pitchFamily="2" charset="0"/>
+                <a:latin typeface="VNI-Times" pitchFamily="2" charset="0"/>
+              </a:rPr>
+              <a:t> </a:t>
+            </a:r>
+            <a:r>
+              <a:rPr lang="en-US" sz="6600" b="1" dirty="0" err="1">
+                <a:solidFill>
+                  <a:prstClr val="black"/>
+                </a:solidFill>
+                <a:effectLst>
+                  <a:glow rad="101600">
+                    <a:prstClr val="white">
+                      <a:alpha val="60000"/>
+                    </a:prstClr>
+                  </a:glow>
+                </a:effectLst>
+                <a:latin typeface="VNI-Times" pitchFamily="2" charset="0"/>
               </a:rPr>
               <a:t>mau</a:t>
             </a:r>
@@ -10370,23 +10169,23 @@
                     </a:prstClr>
                   </a:glow>
                 </a:effectLst>
-                <a:latin typeface="VNI-Aptima" pitchFamily="2" charset="0"/>
-              </a:rPr>
-              <a:t> </a:t>
-            </a:r>
-            <a:r>
-              <a:rPr lang="en-US" sz="6600" b="1" dirty="0" err="1">
-                <a:solidFill>
-                  <a:prstClr val="black"/>
-                </a:solidFill>
-                <a:effectLst>
-                  <a:glow rad="101600">
-                    <a:prstClr val="white">
-                      <a:alpha val="60000"/>
-                    </a:prstClr>
-                  </a:glow>
-                </a:effectLst>
-                <a:latin typeface="VNI-Aptima" pitchFamily="2" charset="0"/>
+                <a:latin typeface="VNI-Times" pitchFamily="2" charset="0"/>
+              </a:rPr>
+              <a:t> </a:t>
+            </a:r>
+            <a:r>
+              <a:rPr lang="en-US" sz="6600" b="1" dirty="0" err="1">
+                <a:solidFill>
+                  <a:prstClr val="black"/>
+                </a:solidFill>
+                <a:effectLst>
+                  <a:glow rad="101600">
+                    <a:prstClr val="white">
+                      <a:alpha val="60000"/>
+                    </a:prstClr>
+                  </a:glow>
+                </a:effectLst>
+                <a:latin typeface="VNI-Times" pitchFamily="2" charset="0"/>
               </a:rPr>
               <a:t>mau</a:t>
             </a:r>
@@ -10402,7 +10201,7 @@
                     </a:prstClr>
                   </a:glow>
                 </a:effectLst>
-                <a:latin typeface="VNI-Aptima" pitchFamily="2" charset="0"/>
+                <a:latin typeface="VNI-Times" pitchFamily="2" charset="0"/>
               </a:rPr>
               <a:t> </a:t>
             </a:r>
@@ -10418,7 +10217,7 @@
                     </a:prstClr>
                   </a:glow>
                 </a:effectLst>
-                <a:latin typeface="VNI-Aptima" pitchFamily="2" charset="0"/>
+                <a:latin typeface="VNI-Times" pitchFamily="2" charset="0"/>
               </a:rPr>
             </a:br>
             <a:r>
@@ -10433,7 +10232,7 @@
                     </a:prstClr>
                   </a:glow>
                 </a:effectLst>
-                <a:latin typeface="VNI-Aptima" pitchFamily="2" charset="0"/>
+                <a:latin typeface="VNI-Times" pitchFamily="2" charset="0"/>
               </a:rPr>
               <a:t>ñeám</a:t>
             </a:r>
@@ -10449,23 +10248,23 @@
                     </a:prstClr>
                   </a:glow>
                 </a:effectLst>
-                <a:latin typeface="VNI-Aptima" pitchFamily="2" charset="0"/>
-              </a:rPr>
-              <a:t> </a:t>
-            </a:r>
-            <a:r>
-              <a:rPr lang="en-US" sz="6600" b="1" dirty="0" err="1">
-                <a:solidFill>
-                  <a:prstClr val="black"/>
-                </a:solidFill>
-                <a:effectLst>
-                  <a:glow rad="101600">
-                    <a:prstClr val="white">
-                      <a:alpha val="60000"/>
-                    </a:prstClr>
-                  </a:glow>
-                </a:effectLst>
-                <a:latin typeface="VNI-Aptima" pitchFamily="2" charset="0"/>
+                <a:latin typeface="VNI-Times" pitchFamily="2" charset="0"/>
+              </a:rPr>
+              <a:t> </a:t>
+            </a:r>
+            <a:r>
+              <a:rPr lang="en-US" sz="6600" b="1" dirty="0" err="1">
+                <a:solidFill>
+                  <a:prstClr val="black"/>
+                </a:solidFill>
+                <a:effectLst>
+                  <a:glow rad="101600">
+                    <a:prstClr val="white">
+                      <a:alpha val="60000"/>
+                    </a:prstClr>
+                  </a:glow>
+                </a:effectLst>
+                <a:latin typeface="VNI-Times" pitchFamily="2" charset="0"/>
               </a:rPr>
               <a:t>caùc</a:t>
             </a:r>
@@ -10481,23 +10280,23 @@
                     </a:prstClr>
                   </a:glow>
                 </a:effectLst>
-                <a:latin typeface="VNI-Aptima" pitchFamily="2" charset="0"/>
-              </a:rPr>
-              <a:t> </a:t>
-            </a:r>
-            <a:r>
-              <a:rPr lang="en-US" sz="6600" b="1" dirty="0" err="1">
-                <a:solidFill>
-                  <a:prstClr val="black"/>
-                </a:solidFill>
-                <a:effectLst>
-                  <a:glow rad="101600">
-                    <a:prstClr val="white">
-                      <a:alpha val="60000"/>
-                    </a:prstClr>
-                  </a:glow>
-                </a:effectLst>
-                <a:latin typeface="VNI-Aptima" pitchFamily="2" charset="0"/>
+                <a:latin typeface="VNI-Times" pitchFamily="2" charset="0"/>
+              </a:rPr>
+              <a:t> </a:t>
+            </a:r>
+            <a:r>
+              <a:rPr lang="en-US" sz="6600" b="1" dirty="0" err="1">
+                <a:solidFill>
+                  <a:prstClr val="black"/>
+                </a:solidFill>
+                <a:effectLst>
+                  <a:glow rad="101600">
+                    <a:prstClr val="white">
+                      <a:alpha val="60000"/>
+                    </a:prstClr>
+                  </a:glow>
+                </a:effectLst>
+                <a:latin typeface="VNI-Times" pitchFamily="2" charset="0"/>
               </a:rPr>
               <a:t>phöôùc</a:t>
             </a:r>
@@ -10513,23 +10312,23 @@
                     </a:prstClr>
                   </a:glow>
                 </a:effectLst>
-                <a:latin typeface="VNI-Aptima" pitchFamily="2" charset="0"/>
-              </a:rPr>
-              <a:t> </a:t>
-            </a:r>
-            <a:r>
-              <a:rPr lang="en-US" sz="6600" b="1" dirty="0" err="1">
-                <a:solidFill>
-                  <a:prstClr val="black"/>
-                </a:solidFill>
-                <a:effectLst>
-                  <a:glow rad="101600">
-                    <a:prstClr val="white">
-                      <a:alpha val="60000"/>
-                    </a:prstClr>
-                  </a:glow>
-                </a:effectLst>
-                <a:latin typeface="VNI-Aptima" pitchFamily="2" charset="0"/>
+                <a:latin typeface="VNI-Times" pitchFamily="2" charset="0"/>
+              </a:rPr>
+              <a:t> </a:t>
+            </a:r>
+            <a:r>
+              <a:rPr lang="en-US" sz="6600" b="1" dirty="0" err="1">
+                <a:solidFill>
+                  <a:prstClr val="black"/>
+                </a:solidFill>
+                <a:effectLst>
+                  <a:glow rad="101600">
+                    <a:prstClr val="white">
+                      <a:alpha val="60000"/>
+                    </a:prstClr>
+                  </a:glow>
+                </a:effectLst>
+                <a:latin typeface="VNI-Times" pitchFamily="2" charset="0"/>
               </a:rPr>
               <a:t>laønh</a:t>
             </a:r>
@@ -10545,89 +10344,73 @@
                     </a:prstClr>
                   </a:glow>
                 </a:effectLst>
-                <a:latin typeface="VNI-Aptima" pitchFamily="2" charset="0"/>
-              </a:rPr>
-              <a:t> </a:t>
-            </a:r>
-            <a:r>
-              <a:rPr lang="en-US" sz="6600" b="1" err="1">
-                <a:solidFill>
-                  <a:prstClr val="black"/>
-                </a:solidFill>
-                <a:effectLst>
-                  <a:glow rad="101600">
-                    <a:prstClr val="white">
-                      <a:alpha val="60000"/>
-                    </a:prstClr>
-                  </a:glow>
-                </a:effectLst>
-                <a:latin typeface="VNI-Aptima" pitchFamily="2" charset="0"/>
+                <a:latin typeface="VNI-Times" pitchFamily="2" charset="0"/>
+              </a:rPr>
+              <a:t> </a:t>
+            </a:r>
+            <a:r>
+              <a:rPr lang="en-US" sz="6600" b="1" dirty="0" err="1">
+                <a:solidFill>
+                  <a:prstClr val="black"/>
+                </a:solidFill>
+                <a:effectLst>
+                  <a:glow rad="101600">
+                    <a:prstClr val="white">
+                      <a:alpha val="60000"/>
+                    </a:prstClr>
+                  </a:glow>
+                </a:effectLst>
+                <a:latin typeface="VNI-Times" pitchFamily="2" charset="0"/>
               </a:rPr>
               <a:t>Thieân</a:t>
             </a:r>
             <a:r>
-              <a:rPr lang="en-US" sz="6600" b="1">
-                <a:solidFill>
-                  <a:prstClr val="black"/>
-                </a:solidFill>
-                <a:effectLst>
-                  <a:glow rad="101600">
-                    <a:prstClr val="white">
-                      <a:alpha val="60000"/>
-                    </a:prstClr>
-                  </a:glow>
-                </a:effectLst>
-                <a:latin typeface="VNI-Aptima" pitchFamily="2" charset="0"/>
-              </a:rPr>
-              <a:t> </a:t>
-            </a:r>
-            <a:r>
-              <a:rPr lang="en-US" sz="6600" b="1" dirty="0" err="1">
-                <a:solidFill>
-                  <a:prstClr val="black"/>
-                </a:solidFill>
-                <a:effectLst>
-                  <a:glow rad="101600">
-                    <a:prstClr val="white">
-                      <a:alpha val="60000"/>
-                    </a:prstClr>
-                  </a:glow>
-                </a:effectLst>
-                <a:latin typeface="VNI-Aptima" pitchFamily="2" charset="0"/>
-              </a:rPr>
-              <a:t>P</a:t>
-            </a:r>
-            <a:r>
-              <a:rPr lang="en-US" sz="6600" b="1" smtClean="0">
-                <a:solidFill>
-                  <a:prstClr val="black"/>
-                </a:solidFill>
-                <a:effectLst>
-                  <a:glow rad="101600">
-                    <a:prstClr val="white">
-                      <a:alpha val="60000"/>
-                    </a:prstClr>
-                  </a:glow>
-                </a:effectLst>
-                <a:latin typeface="VNI-Aptima" pitchFamily="2" charset="0"/>
-              </a:rPr>
-              <a:t>huï </a:t>
-            </a:r>
-            <a:r>
-              <a:rPr lang="en-US" sz="6600" b="1" dirty="0">
-                <a:solidFill>
-                  <a:prstClr val="black"/>
-                </a:solidFill>
-                <a:effectLst>
-                  <a:glow rad="101600">
-                    <a:prstClr val="white">
-                      <a:alpha val="60000"/>
-                    </a:prstClr>
-                  </a:glow>
-                </a:effectLst>
-                <a:latin typeface="VNI-Aptima" pitchFamily="2" charset="0"/>
-              </a:rPr>
-              <a:t>ban. </a:t>
+              <a:rPr lang="en-US" sz="6600" b="1" dirty="0">
+                <a:solidFill>
+                  <a:prstClr val="black"/>
+                </a:solidFill>
+                <a:effectLst>
+                  <a:glow rad="101600">
+                    <a:prstClr val="white">
+                      <a:alpha val="60000"/>
+                    </a:prstClr>
+                  </a:glow>
+                </a:effectLst>
+                <a:latin typeface="VNI-Times" pitchFamily="2" charset="0"/>
+              </a:rPr>
+              <a:t> </a:t>
+            </a:r>
+            <a:r>
+              <a:rPr lang="en-US" sz="6600" b="1" dirty="0" err="1">
+                <a:solidFill>
+                  <a:prstClr val="black"/>
+                </a:solidFill>
+                <a:effectLst>
+                  <a:glow rad="101600">
+                    <a:prstClr val="white">
+                      <a:alpha val="60000"/>
+                    </a:prstClr>
+                  </a:glow>
+                </a:effectLst>
+                <a:latin typeface="VNI-Times" pitchFamily="2" charset="0"/>
+              </a:rPr>
+              <a:t>Phuï</a:t>
+            </a:r>
+            <a:r>
+              <a:rPr lang="en-US" sz="6600" b="1" dirty="0">
+                <a:solidFill>
+                  <a:prstClr val="black"/>
+                </a:solidFill>
+                <a:effectLst>
+                  <a:glow rad="101600">
+                    <a:prstClr val="white">
+                      <a:alpha val="60000"/>
+                    </a:prstClr>
+                  </a:glow>
+                </a:effectLst>
+                <a:latin typeface="VNI-Times" pitchFamily="2" charset="0"/>
+              </a:rPr>
+              <a:t> ban. </a:t>
             </a:r>
           </a:p>
         </p:txBody>
@@ -10681,10 +10464,11 @@
           </a:lstStyle>
           <a:p>
             <a:r>
-              <a:rPr lang="en-US" smtClean="0"/>
+              <a:rPr lang="en-US" dirty="0">
+                <a:latin typeface="VNI-Times" pitchFamily="2" charset="0"/>
+              </a:rPr>
               <a:t>HAÕY ÑEÁM CAÙC PHÖÔÙC CHUÙA BAN</a:t>
             </a:r>
-            <a:endParaRPr lang="en-US" dirty="0"/>
           </a:p>
         </p:txBody>
       </p:sp>
@@ -10753,7 +10537,7 @@
                     </a:prstClr>
                   </a:glow>
                 </a:effectLst>
-                <a:latin typeface="VNI-Aptima" pitchFamily="2" charset="0"/>
+                <a:latin typeface="VNI-Times" pitchFamily="2" charset="0"/>
               </a:rPr>
               <a:t>Roài</a:t>
             </a:r>
@@ -10769,23 +10553,23 @@
                     </a:prstClr>
                   </a:glow>
                 </a:effectLst>
-                <a:latin typeface="VNI-Aptima" pitchFamily="2" charset="0"/>
-              </a:rPr>
-              <a:t> </a:t>
-            </a:r>
-            <a:r>
-              <a:rPr lang="en-US" sz="6600" b="1" dirty="0" err="1">
-                <a:solidFill>
-                  <a:prstClr val="black"/>
-                </a:solidFill>
-                <a:effectLst>
-                  <a:glow rad="101600">
-                    <a:prstClr val="white">
-                      <a:alpha val="60000"/>
-                    </a:prstClr>
-                  </a:glow>
-                </a:effectLst>
-                <a:latin typeface="VNI-Aptima" pitchFamily="2" charset="0"/>
+                <a:latin typeface="VNI-Times" pitchFamily="2" charset="0"/>
+              </a:rPr>
+              <a:t> </a:t>
+            </a:r>
+            <a:r>
+              <a:rPr lang="en-US" sz="6600" b="1" dirty="0" err="1">
+                <a:solidFill>
+                  <a:prstClr val="black"/>
+                </a:solidFill>
+                <a:effectLst>
+                  <a:glow rad="101600">
+                    <a:prstClr val="white">
+                      <a:alpha val="60000"/>
+                    </a:prstClr>
+                  </a:glow>
+                </a:effectLst>
+                <a:latin typeface="VNI-Times" pitchFamily="2" charset="0"/>
               </a:rPr>
               <a:t>anh</a:t>
             </a:r>
@@ -10801,23 +10585,23 @@
                     </a:prstClr>
                   </a:glow>
                 </a:effectLst>
-                <a:latin typeface="VNI-Aptima" pitchFamily="2" charset="0"/>
-              </a:rPr>
-              <a:t> </a:t>
-            </a:r>
-            <a:r>
-              <a:rPr lang="en-US" sz="6600" b="1" dirty="0" err="1">
-                <a:solidFill>
-                  <a:prstClr val="black"/>
-                </a:solidFill>
-                <a:effectLst>
-                  <a:glow rad="101600">
-                    <a:prstClr val="white">
-                      <a:alpha val="60000"/>
-                    </a:prstClr>
-                  </a:glow>
-                </a:effectLst>
-                <a:latin typeface="VNI-Aptima" pitchFamily="2" charset="0"/>
+                <a:latin typeface="VNI-Times" pitchFamily="2" charset="0"/>
+              </a:rPr>
+              <a:t> </a:t>
+            </a:r>
+            <a:r>
+              <a:rPr lang="en-US" sz="6600" b="1" dirty="0" err="1">
+                <a:solidFill>
+                  <a:prstClr val="black"/>
+                </a:solidFill>
+                <a:effectLst>
+                  <a:glow rad="101600">
+                    <a:prstClr val="white">
+                      <a:alpha val="60000"/>
+                    </a:prstClr>
+                  </a:glow>
+                </a:effectLst>
+                <a:latin typeface="VNI-Times" pitchFamily="2" charset="0"/>
               </a:rPr>
               <a:t>ngaïc</a:t>
             </a:r>
@@ -10833,23 +10617,23 @@
                     </a:prstClr>
                   </a:glow>
                 </a:effectLst>
-                <a:latin typeface="VNI-Aptima" pitchFamily="2" charset="0"/>
-              </a:rPr>
-              <a:t> </a:t>
-            </a:r>
-            <a:r>
-              <a:rPr lang="en-US" sz="6600" b="1" dirty="0" err="1">
-                <a:solidFill>
-                  <a:prstClr val="black"/>
-                </a:solidFill>
-                <a:effectLst>
-                  <a:glow rad="101600">
-                    <a:prstClr val="white">
-                      <a:alpha val="60000"/>
-                    </a:prstClr>
-                  </a:glow>
-                </a:effectLst>
-                <a:latin typeface="VNI-Aptima" pitchFamily="2" charset="0"/>
+                <a:latin typeface="VNI-Times" pitchFamily="2" charset="0"/>
+              </a:rPr>
+              <a:t> </a:t>
+            </a:r>
+            <a:r>
+              <a:rPr lang="en-US" sz="6600" b="1" dirty="0" err="1">
+                <a:solidFill>
+                  <a:prstClr val="black"/>
+                </a:solidFill>
+                <a:effectLst>
+                  <a:glow rad="101600">
+                    <a:prstClr val="white">
+                      <a:alpha val="60000"/>
+                    </a:prstClr>
+                  </a:glow>
+                </a:effectLst>
+                <a:latin typeface="VNI-Times" pitchFamily="2" charset="0"/>
               </a:rPr>
               <a:t>nhieân</a:t>
             </a:r>
@@ -10865,23 +10649,23 @@
                     </a:prstClr>
                   </a:glow>
                 </a:effectLst>
-                <a:latin typeface="VNI-Aptima" pitchFamily="2" charset="0"/>
-              </a:rPr>
-              <a:t> </a:t>
-            </a:r>
-            <a:r>
-              <a:rPr lang="en-US" sz="6600" b="1" dirty="0" err="1">
-                <a:solidFill>
-                  <a:prstClr val="black"/>
-                </a:solidFill>
-                <a:effectLst>
-                  <a:glow rad="101600">
-                    <a:prstClr val="white">
-                      <a:alpha val="60000"/>
-                    </a:prstClr>
-                  </a:glow>
-                </a:effectLst>
-                <a:latin typeface="VNI-Aptima" pitchFamily="2" charset="0"/>
+                <a:latin typeface="VNI-Times" pitchFamily="2" charset="0"/>
+              </a:rPr>
+              <a:t> </a:t>
+            </a:r>
+            <a:r>
+              <a:rPr lang="en-US" sz="6600" b="1" dirty="0" err="1">
+                <a:solidFill>
+                  <a:prstClr val="black"/>
+                </a:solidFill>
+                <a:effectLst>
+                  <a:glow rad="101600">
+                    <a:prstClr val="white">
+                      <a:alpha val="60000"/>
+                    </a:prstClr>
+                  </a:glow>
+                </a:effectLst>
+                <a:latin typeface="VNI-Times" pitchFamily="2" charset="0"/>
               </a:rPr>
               <a:t>thaáy</a:t>
             </a:r>
@@ -10897,71 +10681,119 @@
                     </a:prstClr>
                   </a:glow>
                 </a:effectLst>
-                <a:latin typeface="VNI-Aptima" pitchFamily="2" charset="0"/>
-              </a:rPr>
-              <a:t> </a:t>
-            </a:r>
-            <a:r>
-              <a:rPr lang="en-US" sz="6600" b="1" err="1">
-                <a:solidFill>
-                  <a:prstClr val="black"/>
-                </a:solidFill>
-                <a:effectLst>
-                  <a:glow rad="101600">
-                    <a:prstClr val="white">
-                      <a:alpha val="60000"/>
-                    </a:prstClr>
-                  </a:glow>
-                </a:effectLst>
-                <a:latin typeface="VNI-Aptima" pitchFamily="2" charset="0"/>
+                <a:latin typeface="VNI-Times" pitchFamily="2" charset="0"/>
+              </a:rPr>
+              <a:t> </a:t>
+            </a:r>
+            <a:r>
+              <a:rPr lang="en-US" sz="6600" b="1" dirty="0" err="1">
+                <a:solidFill>
+                  <a:prstClr val="black"/>
+                </a:solidFill>
+                <a:effectLst>
+                  <a:glow rad="101600">
+                    <a:prstClr val="white">
+                      <a:alpha val="60000"/>
+                    </a:prstClr>
+                  </a:glow>
+                </a:effectLst>
+                <a:latin typeface="VNI-Times" pitchFamily="2" charset="0"/>
               </a:rPr>
               <a:t>phöôùc</a:t>
             </a:r>
             <a:r>
-              <a:rPr lang="en-US" sz="6600" b="1">
-                <a:solidFill>
-                  <a:prstClr val="black"/>
-                </a:solidFill>
-                <a:effectLst>
-                  <a:glow rad="101600">
-                    <a:prstClr val="white">
-                      <a:alpha val="60000"/>
-                    </a:prstClr>
-                  </a:glow>
-                </a:effectLst>
-                <a:latin typeface="VNI-Aptima" pitchFamily="2" charset="0"/>
-              </a:rPr>
-              <a:t> </a:t>
-            </a:r>
-            <a:r>
-              <a:rPr lang="en-US" sz="6600" b="1" smtClean="0">
-                <a:solidFill>
-                  <a:prstClr val="black"/>
-                </a:solidFill>
-                <a:effectLst>
-                  <a:glow rad="101600">
-                    <a:prstClr val="white">
-                      <a:alpha val="60000"/>
-                    </a:prstClr>
-                  </a:glow>
-                </a:effectLst>
-                <a:latin typeface="VNI-Aptima" pitchFamily="2" charset="0"/>
-              </a:rPr>
-              <a:t>aân Chuùa </a:t>
-            </a:r>
-            <a:r>
-              <a:rPr lang="en-US" sz="6600" b="1" dirty="0" err="1">
-                <a:solidFill>
-                  <a:prstClr val="black"/>
-                </a:solidFill>
-                <a:effectLst>
-                  <a:glow rad="101600">
-                    <a:prstClr val="white">
-                      <a:alpha val="60000"/>
-                    </a:prstClr>
-                  </a:glow>
-                </a:effectLst>
-                <a:latin typeface="VNI-Aptima" pitchFamily="2" charset="0"/>
+              <a:rPr lang="en-US" sz="6600" b="1" dirty="0">
+                <a:solidFill>
+                  <a:prstClr val="black"/>
+                </a:solidFill>
+                <a:effectLst>
+                  <a:glow rad="101600">
+                    <a:prstClr val="white">
+                      <a:alpha val="60000"/>
+                    </a:prstClr>
+                  </a:glow>
+                </a:effectLst>
+                <a:latin typeface="VNI-Times" pitchFamily="2" charset="0"/>
+              </a:rPr>
+              <a:t> </a:t>
+            </a:r>
+            <a:r>
+              <a:rPr lang="en-US" sz="6600" b="1" dirty="0" err="1">
+                <a:solidFill>
+                  <a:prstClr val="black"/>
+                </a:solidFill>
+                <a:effectLst>
+                  <a:glow rad="101600">
+                    <a:prstClr val="white">
+                      <a:alpha val="60000"/>
+                    </a:prstClr>
+                  </a:glow>
+                </a:effectLst>
+                <a:latin typeface="VNI-Times" pitchFamily="2" charset="0"/>
+              </a:rPr>
+              <a:t>aân</a:t>
+            </a:r>
+            <a:r>
+              <a:rPr lang="en-US" sz="6600" b="1" dirty="0">
+                <a:solidFill>
+                  <a:prstClr val="black"/>
+                </a:solidFill>
+                <a:effectLst>
+                  <a:glow rad="101600">
+                    <a:prstClr val="white">
+                      <a:alpha val="60000"/>
+                    </a:prstClr>
+                  </a:glow>
+                </a:effectLst>
+                <a:latin typeface="VNI-Times" pitchFamily="2" charset="0"/>
+              </a:rPr>
+              <a:t> </a:t>
+            </a:r>
+            <a:r>
+              <a:rPr lang="en-US" sz="6600" b="1" dirty="0" err="1">
+                <a:solidFill>
+                  <a:prstClr val="black"/>
+                </a:solidFill>
+                <a:effectLst>
+                  <a:glow rad="101600">
+                    <a:prstClr val="white">
+                      <a:alpha val="60000"/>
+                    </a:prstClr>
+                  </a:glow>
+                </a:effectLst>
+                <a:latin typeface="VNI-Times" pitchFamily="2" charset="0"/>
+              </a:rPr>
+              <a:t>Chuùa</a:t>
+            </a:r>
+            <a:r>
+              <a:rPr lang="en-US" sz="6600" b="1" dirty="0">
+                <a:solidFill>
+                  <a:prstClr val="black"/>
+                </a:solidFill>
+                <a:effectLst>
+                  <a:glow rad="101600">
+                    <a:prstClr val="white">
+                      <a:alpha val="60000"/>
+                    </a:prstClr>
+                  </a:glow>
+                </a:effectLst>
+                <a:latin typeface="VNI-Times" pitchFamily="2" charset="0"/>
+              </a:rPr>
+              <a:t> </a:t>
+            </a:r>
+            <a:r>
+              <a:rPr lang="en-US" sz="6600" b="1" dirty="0" err="1">
+                <a:solidFill>
+                  <a:prstClr val="black"/>
+                </a:solidFill>
+                <a:effectLst>
+                  <a:glow rad="101600">
+                    <a:prstClr val="white">
+                      <a:alpha val="60000"/>
+                    </a:prstClr>
+                  </a:glow>
+                </a:effectLst>
+                <a:latin typeface="VNI-Times" pitchFamily="2" charset="0"/>
               </a:rPr>
               <a:t>luoân</a:t>
             </a:r>
@@ -10977,23 +10809,23 @@
                     </a:prstClr>
                   </a:glow>
                 </a:effectLst>
-                <a:latin typeface="VNI-Aptima" pitchFamily="2" charset="0"/>
-              </a:rPr>
-              <a:t> </a:t>
-            </a:r>
-            <a:r>
-              <a:rPr lang="en-US" sz="6600" b="1" dirty="0" err="1">
-                <a:solidFill>
-                  <a:prstClr val="black"/>
-                </a:solidFill>
-                <a:effectLst>
-                  <a:glow rad="101600">
-                    <a:prstClr val="white">
-                      <a:alpha val="60000"/>
-                    </a:prstClr>
-                  </a:glow>
-                </a:effectLst>
-                <a:latin typeface="VNI-Aptima" pitchFamily="2" charset="0"/>
+                <a:latin typeface="VNI-Times" pitchFamily="2" charset="0"/>
+              </a:rPr>
+              <a:t> </a:t>
+            </a:r>
+            <a:r>
+              <a:rPr lang="en-US" sz="6600" b="1" dirty="0" err="1">
+                <a:solidFill>
+                  <a:prstClr val="black"/>
+                </a:solidFill>
+                <a:effectLst>
+                  <a:glow rad="101600">
+                    <a:prstClr val="white">
+                      <a:alpha val="60000"/>
+                    </a:prstClr>
+                  </a:glow>
+                </a:effectLst>
+                <a:latin typeface="VNI-Times" pitchFamily="2" charset="0"/>
               </a:rPr>
               <a:t>tuoân</a:t>
             </a:r>
@@ -11009,23 +10841,23 @@
                     </a:prstClr>
                   </a:glow>
                 </a:effectLst>
-                <a:latin typeface="VNI-Aptima" pitchFamily="2" charset="0"/>
-              </a:rPr>
-              <a:t> </a:t>
-            </a:r>
-            <a:r>
-              <a:rPr lang="en-US" sz="6600" b="1" dirty="0" err="1">
-                <a:solidFill>
-                  <a:prstClr val="black"/>
-                </a:solidFill>
-                <a:effectLst>
-                  <a:glow rad="101600">
-                    <a:prstClr val="white">
-                      <a:alpha val="60000"/>
-                    </a:prstClr>
-                  </a:glow>
-                </a:effectLst>
-                <a:latin typeface="VNI-Aptima" pitchFamily="2" charset="0"/>
+                <a:latin typeface="VNI-Times" pitchFamily="2" charset="0"/>
+              </a:rPr>
+              <a:t> </a:t>
+            </a:r>
+            <a:r>
+              <a:rPr lang="en-US" sz="6600" b="1" dirty="0" err="1">
+                <a:solidFill>
+                  <a:prstClr val="black"/>
+                </a:solidFill>
+                <a:effectLst>
+                  <a:glow rad="101600">
+                    <a:prstClr val="white">
+                      <a:alpha val="60000"/>
+                    </a:prstClr>
+                  </a:glow>
+                </a:effectLst>
+                <a:latin typeface="VNI-Times" pitchFamily="2" charset="0"/>
               </a:rPr>
               <a:t>traøn</a:t>
             </a:r>
@@ -11041,7 +10873,7 @@
                     </a:prstClr>
                   </a:glow>
                 </a:effectLst>
-                <a:latin typeface="VNI-Aptima" pitchFamily="2" charset="0"/>
+                <a:latin typeface="VNI-Times" pitchFamily="2" charset="0"/>
               </a:rPr>
               <a:t>.</a:t>
             </a:r>
@@ -11097,10 +10929,11 @@
           </a:lstStyle>
           <a:p>
             <a:r>
-              <a:rPr lang="en-US" smtClean="0"/>
+              <a:rPr lang="en-US" dirty="0">
+                <a:latin typeface="VNI-Times" pitchFamily="2" charset="0"/>
+              </a:rPr>
               <a:t>HAÕY ÑEÁM CAÙC PHÖÔÙC CHUÙA BAN</a:t>
             </a:r>
-            <a:endParaRPr lang="en-US" dirty="0"/>
           </a:p>
         </p:txBody>
       </p:sp>
@@ -11158,18 +10991,18 @@
           <a:p>
             <a:pPr algn="ctr"/>
             <a:r>
-              <a:rPr lang="en-US" sz="4400" b="1" i="1" u="sng" dirty="0">
-                <a:solidFill>
-                  <a:prstClr val="black"/>
-                </a:solidFill>
-                <a:effectLst>
-                  <a:glow rad="101600">
-                    <a:prstClr val="white">
-                      <a:alpha val="60000"/>
-                    </a:prstClr>
-                  </a:glow>
-                </a:effectLst>
-                <a:latin typeface="VNI-Aptima" pitchFamily="2" charset="0"/>
+              <a:rPr lang="en-US" sz="4400" b="1" u="sng" dirty="0">
+                <a:solidFill>
+                  <a:prstClr val="black"/>
+                </a:solidFill>
+                <a:effectLst>
+                  <a:glow rad="101600">
+                    <a:prstClr val="white">
+                      <a:alpha val="60000"/>
+                    </a:prstClr>
+                  </a:glow>
+                </a:effectLst>
+                <a:latin typeface="VNI-Times" pitchFamily="2" charset="0"/>
               </a:rPr>
               <a:t>ÑK:</a:t>
             </a:r>
@@ -11185,23 +11018,23 @@
                     </a:prstClr>
                   </a:glow>
                 </a:effectLst>
-                <a:latin typeface="VNI-Aptima" pitchFamily="2" charset="0"/>
-              </a:rPr>
-              <a:t> </a:t>
-            </a:r>
-            <a:r>
-              <a:rPr lang="en-US" sz="6600" b="1" dirty="0" err="1">
-                <a:solidFill>
-                  <a:prstClr val="black"/>
-                </a:solidFill>
-                <a:effectLst>
-                  <a:glow rad="101600">
-                    <a:prstClr val="white">
-                      <a:alpha val="60000"/>
-                    </a:prstClr>
-                  </a:glow>
-                </a:effectLst>
-                <a:latin typeface="VNI-Aptima" pitchFamily="2" charset="0"/>
+                <a:latin typeface="VNI-Times" pitchFamily="2" charset="0"/>
+              </a:rPr>
+              <a:t> </a:t>
+            </a:r>
+            <a:r>
+              <a:rPr lang="en-US" sz="6600" b="1" dirty="0" err="1">
+                <a:solidFill>
+                  <a:prstClr val="black"/>
+                </a:solidFill>
+                <a:effectLst>
+                  <a:glow rad="101600">
+                    <a:prstClr val="white">
+                      <a:alpha val="60000"/>
+                    </a:prstClr>
+                  </a:glow>
+                </a:effectLst>
+                <a:latin typeface="VNI-Times" pitchFamily="2" charset="0"/>
               </a:rPr>
               <a:t>Xin</a:t>
             </a:r>
@@ -11217,23 +11050,23 @@
                     </a:prstClr>
                   </a:glow>
                 </a:effectLst>
-                <a:latin typeface="VNI-Aptima" pitchFamily="2" charset="0"/>
-              </a:rPr>
-              <a:t> </a:t>
-            </a:r>
-            <a:r>
-              <a:rPr lang="en-US" sz="6600" b="1" dirty="0" err="1">
-                <a:solidFill>
-                  <a:prstClr val="black"/>
-                </a:solidFill>
-                <a:effectLst>
-                  <a:glow rad="101600">
-                    <a:prstClr val="white">
-                      <a:alpha val="60000"/>
-                    </a:prstClr>
-                  </a:glow>
-                </a:effectLst>
-                <a:latin typeface="VNI-Aptima" pitchFamily="2" charset="0"/>
+                <a:latin typeface="VNI-Times" pitchFamily="2" charset="0"/>
+              </a:rPr>
+              <a:t> </a:t>
+            </a:r>
+            <a:r>
+              <a:rPr lang="en-US" sz="6600" b="1" dirty="0" err="1">
+                <a:solidFill>
+                  <a:prstClr val="black"/>
+                </a:solidFill>
+                <a:effectLst>
+                  <a:glow rad="101600">
+                    <a:prstClr val="white">
+                      <a:alpha val="60000"/>
+                    </a:prstClr>
+                  </a:glow>
+                </a:effectLst>
+                <a:latin typeface="VNI-Times" pitchFamily="2" charset="0"/>
               </a:rPr>
               <a:t>anh</a:t>
             </a:r>
@@ -11249,23 +11082,23 @@
                     </a:prstClr>
                   </a:glow>
                 </a:effectLst>
-                <a:latin typeface="VNI-Aptima" pitchFamily="2" charset="0"/>
-              </a:rPr>
-              <a:t> </a:t>
-            </a:r>
-            <a:r>
-              <a:rPr lang="en-US" sz="6600" b="1" dirty="0" err="1">
-                <a:solidFill>
-                  <a:prstClr val="black"/>
-                </a:solidFill>
-                <a:effectLst>
-                  <a:glow rad="101600">
-                    <a:prstClr val="white">
-                      <a:alpha val="60000"/>
-                    </a:prstClr>
-                  </a:glow>
-                </a:effectLst>
-                <a:latin typeface="VNI-Aptima" pitchFamily="2" charset="0"/>
+                <a:latin typeface="VNI-Times" pitchFamily="2" charset="0"/>
+              </a:rPr>
+              <a:t> </a:t>
+            </a:r>
+            <a:r>
+              <a:rPr lang="en-US" sz="6600" b="1" dirty="0" err="1">
+                <a:solidFill>
+                  <a:prstClr val="black"/>
+                </a:solidFill>
+                <a:effectLst>
+                  <a:glow rad="101600">
+                    <a:prstClr val="white">
+                      <a:alpha val="60000"/>
+                    </a:prstClr>
+                  </a:glow>
+                </a:effectLst>
+                <a:latin typeface="VNI-Times" pitchFamily="2" charset="0"/>
               </a:rPr>
               <a:t>ñeám</a:t>
             </a:r>
@@ -11281,7 +11114,7 @@
                     </a:prstClr>
                   </a:glow>
                 </a:effectLst>
-                <a:latin typeface="VNI-Aptima" pitchFamily="2" charset="0"/>
+                <a:latin typeface="VNI-Times" pitchFamily="2" charset="0"/>
               </a:rPr>
               <a:t> </a:t>
             </a:r>
@@ -11297,7 +11130,7 @@
                     </a:prstClr>
                   </a:glow>
                 </a:effectLst>
-                <a:latin typeface="VNI-Aptima" pitchFamily="2" charset="0"/>
+                <a:latin typeface="VNI-Times" pitchFamily="2" charset="0"/>
               </a:rPr>
             </a:br>
             <a:r>
@@ -11312,7 +11145,7 @@
                     </a:prstClr>
                   </a:glow>
                 </a:effectLst>
-                <a:latin typeface="VNI-Aptima" pitchFamily="2" charset="0"/>
+                <a:latin typeface="VNI-Times" pitchFamily="2" charset="0"/>
               </a:rPr>
               <a:t>caùc</a:t>
             </a:r>
@@ -11328,23 +11161,23 @@
                     </a:prstClr>
                   </a:glow>
                 </a:effectLst>
-                <a:latin typeface="VNI-Aptima" pitchFamily="2" charset="0"/>
-              </a:rPr>
-              <a:t> </a:t>
-            </a:r>
-            <a:r>
-              <a:rPr lang="en-US" sz="6600" b="1" dirty="0" err="1">
-                <a:solidFill>
-                  <a:prstClr val="black"/>
-                </a:solidFill>
-                <a:effectLst>
-                  <a:glow rad="101600">
-                    <a:prstClr val="white">
-                      <a:alpha val="60000"/>
-                    </a:prstClr>
-                  </a:glow>
-                </a:effectLst>
-                <a:latin typeface="VNI-Aptima" pitchFamily="2" charset="0"/>
+                <a:latin typeface="VNI-Times" pitchFamily="2" charset="0"/>
+              </a:rPr>
+              <a:t> </a:t>
+            </a:r>
+            <a:r>
+              <a:rPr lang="en-US" sz="6600" b="1" dirty="0" err="1">
+                <a:solidFill>
+                  <a:prstClr val="black"/>
+                </a:solidFill>
+                <a:effectLst>
+                  <a:glow rad="101600">
+                    <a:prstClr val="white">
+                      <a:alpha val="60000"/>
+                    </a:prstClr>
+                  </a:glow>
+                </a:effectLst>
+                <a:latin typeface="VNI-Times" pitchFamily="2" charset="0"/>
               </a:rPr>
               <a:t>phöôùc</a:t>
             </a:r>
@@ -11360,23 +11193,23 @@
                     </a:prstClr>
                   </a:glow>
                 </a:effectLst>
-                <a:latin typeface="VNI-Aptima" pitchFamily="2" charset="0"/>
-              </a:rPr>
-              <a:t> </a:t>
-            </a:r>
-            <a:r>
-              <a:rPr lang="en-US" sz="6600" b="1" dirty="0" err="1">
-                <a:solidFill>
-                  <a:prstClr val="black"/>
-                </a:solidFill>
-                <a:effectLst>
-                  <a:glow rad="101600">
-                    <a:prstClr val="white">
-                      <a:alpha val="60000"/>
-                    </a:prstClr>
-                  </a:glow>
-                </a:effectLst>
-                <a:latin typeface="VNI-Aptima" pitchFamily="2" charset="0"/>
+                <a:latin typeface="VNI-Times" pitchFamily="2" charset="0"/>
+              </a:rPr>
+              <a:t> </a:t>
+            </a:r>
+            <a:r>
+              <a:rPr lang="en-US" sz="6600" b="1" dirty="0" err="1">
+                <a:solidFill>
+                  <a:prstClr val="black"/>
+                </a:solidFill>
+                <a:effectLst>
+                  <a:glow rad="101600">
+                    <a:prstClr val="white">
+                      <a:alpha val="60000"/>
+                    </a:prstClr>
+                  </a:glow>
+                </a:effectLst>
+                <a:latin typeface="VNI-Times" pitchFamily="2" charset="0"/>
               </a:rPr>
               <a:t>laønh</a:t>
             </a:r>
@@ -11392,7 +11225,7 @@
                     </a:prstClr>
                   </a:glow>
                 </a:effectLst>
-                <a:latin typeface="VNI-Aptima" pitchFamily="2" charset="0"/>
+                <a:latin typeface="VNI-Times" pitchFamily="2" charset="0"/>
               </a:rPr>
               <a:t> </a:t>
             </a:r>
@@ -11408,7 +11241,7 @@
                     </a:prstClr>
                   </a:glow>
                 </a:effectLst>
-                <a:latin typeface="VNI-Aptima" pitchFamily="2" charset="0"/>
+                <a:latin typeface="VNI-Times" pitchFamily="2" charset="0"/>
               </a:rPr>
             </a:br>
             <a:r>
@@ -11423,7 +11256,7 @@
                     </a:prstClr>
                   </a:glow>
                 </a:effectLst>
-                <a:latin typeface="VNI-Aptima" pitchFamily="2" charset="0"/>
+                <a:latin typeface="VNI-Times" pitchFamily="2" charset="0"/>
               </a:rPr>
               <a:t>Cha </a:t>
             </a:r>
@@ -11439,7 +11272,7 @@
                     </a:prstClr>
                   </a:glow>
                 </a:effectLst>
-                <a:latin typeface="VNI-Aptima" pitchFamily="2" charset="0"/>
+                <a:latin typeface="VNI-Times" pitchFamily="2" charset="0"/>
               </a:rPr>
               <a:t>luoân</a:t>
             </a:r>
@@ -11455,7 +11288,7 @@
                     </a:prstClr>
                   </a:glow>
                 </a:effectLst>
-                <a:latin typeface="VNI-Aptima" pitchFamily="2" charset="0"/>
+                <a:latin typeface="VNI-Times" pitchFamily="2" charset="0"/>
               </a:rPr>
               <a:t> ban.</a:t>
             </a:r>
@@ -11511,10 +11344,11 @@
           </a:lstStyle>
           <a:p>
             <a:r>
-              <a:rPr lang="en-US" smtClean="0"/>
+              <a:rPr lang="en-US" dirty="0">
+                <a:latin typeface="VNI-Times" pitchFamily="2" charset="0"/>
+              </a:rPr>
               <a:t>HAÕY ÑEÁM CAÙC PHÖÔÙC CHUÙA BAN</a:t>
             </a:r>
-            <a:endParaRPr lang="en-US" dirty="0"/>
           </a:p>
         </p:txBody>
       </p:sp>
@@ -11583,7 +11417,7 @@
                     </a:prstClr>
                   </a:glow>
                 </a:effectLst>
-                <a:latin typeface="VNI-Aptima" pitchFamily="2" charset="0"/>
+                <a:latin typeface="VNI-Times" pitchFamily="2" charset="0"/>
               </a:rPr>
               <a:t>Xin</a:t>
             </a:r>
@@ -11599,23 +11433,23 @@
                     </a:prstClr>
                   </a:glow>
                 </a:effectLst>
-                <a:latin typeface="VNI-Aptima" pitchFamily="2" charset="0"/>
-              </a:rPr>
-              <a:t> </a:t>
-            </a:r>
-            <a:r>
-              <a:rPr lang="en-US" sz="6600" b="1" dirty="0" err="1">
-                <a:solidFill>
-                  <a:prstClr val="black"/>
-                </a:solidFill>
-                <a:effectLst>
-                  <a:glow rad="101600">
-                    <a:prstClr val="white">
-                      <a:alpha val="60000"/>
-                    </a:prstClr>
-                  </a:glow>
-                </a:effectLst>
-                <a:latin typeface="VNI-Aptima" pitchFamily="2" charset="0"/>
+                <a:latin typeface="VNI-Times" pitchFamily="2" charset="0"/>
+              </a:rPr>
+              <a:t> </a:t>
+            </a:r>
+            <a:r>
+              <a:rPr lang="en-US" sz="6600" b="1" dirty="0" err="1">
+                <a:solidFill>
+                  <a:prstClr val="black"/>
+                </a:solidFill>
+                <a:effectLst>
+                  <a:glow rad="101600">
+                    <a:prstClr val="white">
+                      <a:alpha val="60000"/>
+                    </a:prstClr>
+                  </a:glow>
+                </a:effectLst>
+                <a:latin typeface="VNI-Times" pitchFamily="2" charset="0"/>
               </a:rPr>
               <a:t>anh</a:t>
             </a:r>
@@ -11631,23 +11465,23 @@
                     </a:prstClr>
                   </a:glow>
                 </a:effectLst>
-                <a:latin typeface="VNI-Aptima" pitchFamily="2" charset="0"/>
-              </a:rPr>
-              <a:t> </a:t>
-            </a:r>
-            <a:r>
-              <a:rPr lang="en-US" sz="6600" b="1" dirty="0" err="1">
-                <a:solidFill>
-                  <a:prstClr val="black"/>
-                </a:solidFill>
-                <a:effectLst>
-                  <a:glow rad="101600">
-                    <a:prstClr val="white">
-                      <a:alpha val="60000"/>
-                    </a:prstClr>
-                  </a:glow>
-                </a:effectLst>
-                <a:latin typeface="VNI-Aptima" pitchFamily="2" charset="0"/>
+                <a:latin typeface="VNI-Times" pitchFamily="2" charset="0"/>
+              </a:rPr>
+              <a:t> </a:t>
+            </a:r>
+            <a:r>
+              <a:rPr lang="en-US" sz="6600" b="1" dirty="0" err="1">
+                <a:solidFill>
+                  <a:prstClr val="black"/>
+                </a:solidFill>
+                <a:effectLst>
+                  <a:glow rad="101600">
+                    <a:prstClr val="white">
+                      <a:alpha val="60000"/>
+                    </a:prstClr>
+                  </a:glow>
+                </a:effectLst>
+                <a:latin typeface="VNI-Times" pitchFamily="2" charset="0"/>
               </a:rPr>
               <a:t>haõy</a:t>
             </a:r>
@@ -11663,7 +11497,7 @@
                     </a:prstClr>
                   </a:glow>
                 </a:effectLst>
-                <a:latin typeface="VNI-Aptima" pitchFamily="2" charset="0"/>
+                <a:latin typeface="VNI-Times" pitchFamily="2" charset="0"/>
               </a:rPr>
               <a:t> </a:t>
             </a:r>
@@ -11679,7 +11513,7 @@
                     </a:prstClr>
                   </a:glow>
                 </a:effectLst>
-                <a:latin typeface="VNI-Aptima" pitchFamily="2" charset="0"/>
+                <a:latin typeface="VNI-Times" pitchFamily="2" charset="0"/>
               </a:rPr>
             </a:br>
             <a:r>
@@ -11694,7 +11528,7 @@
                     </a:prstClr>
                   </a:glow>
                 </a:effectLst>
-                <a:latin typeface="VNI-Aptima" pitchFamily="2" charset="0"/>
+                <a:latin typeface="VNI-Times" pitchFamily="2" charset="0"/>
               </a:rPr>
               <a:t>keå</a:t>
             </a:r>
@@ -11710,23 +11544,23 @@
                     </a:prstClr>
                   </a:glow>
                 </a:effectLst>
-                <a:latin typeface="VNI-Aptima" pitchFamily="2" charset="0"/>
-              </a:rPr>
-              <a:t> </a:t>
-            </a:r>
-            <a:r>
-              <a:rPr lang="en-US" sz="6600" b="1" dirty="0" err="1">
-                <a:solidFill>
-                  <a:prstClr val="black"/>
-                </a:solidFill>
-                <a:effectLst>
-                  <a:glow rad="101600">
-                    <a:prstClr val="white">
-                      <a:alpha val="60000"/>
-                    </a:prstClr>
-                  </a:glow>
-                </a:effectLst>
-                <a:latin typeface="VNI-Aptima" pitchFamily="2" charset="0"/>
+                <a:latin typeface="VNI-Times" pitchFamily="2" charset="0"/>
+              </a:rPr>
+              <a:t> </a:t>
+            </a:r>
+            <a:r>
+              <a:rPr lang="en-US" sz="6600" b="1" dirty="0" err="1">
+                <a:solidFill>
+                  <a:prstClr val="black"/>
+                </a:solidFill>
+                <a:effectLst>
+                  <a:glow rad="101600">
+                    <a:prstClr val="white">
+                      <a:alpha val="60000"/>
+                    </a:prstClr>
+                  </a:glow>
+                </a:effectLst>
+                <a:latin typeface="VNI-Times" pitchFamily="2" charset="0"/>
               </a:rPr>
               <a:t>ra</a:t>
             </a:r>
@@ -11742,23 +11576,23 @@
                     </a:prstClr>
                   </a:glow>
                 </a:effectLst>
-                <a:latin typeface="VNI-Aptima" pitchFamily="2" charset="0"/>
-              </a:rPr>
-              <a:t> </a:t>
-            </a:r>
-            <a:r>
-              <a:rPr lang="en-US" sz="6600" b="1" dirty="0" err="1">
-                <a:solidFill>
-                  <a:prstClr val="black"/>
-                </a:solidFill>
-                <a:effectLst>
-                  <a:glow rad="101600">
-                    <a:prstClr val="white">
-                      <a:alpha val="60000"/>
-                    </a:prstClr>
-                  </a:glow>
-                </a:effectLst>
-                <a:latin typeface="VNI-Aptima" pitchFamily="2" charset="0"/>
+                <a:latin typeface="VNI-Times" pitchFamily="2" charset="0"/>
+              </a:rPr>
+              <a:t> </a:t>
+            </a:r>
+            <a:r>
+              <a:rPr lang="en-US" sz="6600" b="1" dirty="0" err="1">
+                <a:solidFill>
+                  <a:prstClr val="black"/>
+                </a:solidFill>
+                <a:effectLst>
+                  <a:glow rad="101600">
+                    <a:prstClr val="white">
+                      <a:alpha val="60000"/>
+                    </a:prstClr>
+                  </a:glow>
+                </a:effectLst>
+                <a:latin typeface="VNI-Times" pitchFamily="2" charset="0"/>
               </a:rPr>
               <a:t>ôn</a:t>
             </a:r>
@@ -11774,23 +11608,23 @@
                     </a:prstClr>
                   </a:glow>
                 </a:effectLst>
-                <a:latin typeface="VNI-Aptima" pitchFamily="2" charset="0"/>
-              </a:rPr>
-              <a:t> </a:t>
-            </a:r>
-            <a:r>
-              <a:rPr lang="en-US" sz="6600" b="1" dirty="0" err="1">
-                <a:solidFill>
-                  <a:prstClr val="black"/>
-                </a:solidFill>
-                <a:effectLst>
-                  <a:glow rad="101600">
-                    <a:prstClr val="white">
-                      <a:alpha val="60000"/>
-                    </a:prstClr>
-                  </a:glow>
-                </a:effectLst>
-                <a:latin typeface="VNI-Aptima" pitchFamily="2" charset="0"/>
+                <a:latin typeface="VNI-Times" pitchFamily="2" charset="0"/>
+              </a:rPr>
+              <a:t> </a:t>
+            </a:r>
+            <a:r>
+              <a:rPr lang="en-US" sz="6600" b="1" dirty="0" err="1">
+                <a:solidFill>
+                  <a:prstClr val="black"/>
+                </a:solidFill>
+                <a:effectLst>
+                  <a:glow rad="101600">
+                    <a:prstClr val="white">
+                      <a:alpha val="60000"/>
+                    </a:prstClr>
+                  </a:glow>
+                </a:effectLst>
+                <a:latin typeface="VNI-Times" pitchFamily="2" charset="0"/>
               </a:rPr>
               <a:t>laønh</a:t>
             </a:r>
@@ -11806,7 +11640,7 @@
                     </a:prstClr>
                   </a:glow>
                 </a:effectLst>
-                <a:latin typeface="VNI-Aptima" pitchFamily="2" charset="0"/>
+                <a:latin typeface="VNI-Times" pitchFamily="2" charset="0"/>
               </a:rPr>
               <a:t> </a:t>
             </a:r>
@@ -11822,7 +11656,7 @@
                     </a:prstClr>
                   </a:glow>
                 </a:effectLst>
-                <a:latin typeface="VNI-Aptima" pitchFamily="2" charset="0"/>
+                <a:latin typeface="VNI-Times" pitchFamily="2" charset="0"/>
               </a:rPr>
             </a:br>
             <a:r>
@@ -11837,7 +11671,7 @@
                     </a:prstClr>
                   </a:glow>
                 </a:effectLst>
-                <a:latin typeface="VNI-Aptima" pitchFamily="2" charset="0"/>
+                <a:latin typeface="VNI-Times" pitchFamily="2" charset="0"/>
               </a:rPr>
               <a:t>töøng</a:t>
             </a:r>
@@ -11853,23 +11687,23 @@
                     </a:prstClr>
                   </a:glow>
                 </a:effectLst>
-                <a:latin typeface="VNI-Aptima" pitchFamily="2" charset="0"/>
-              </a:rPr>
-              <a:t> </a:t>
-            </a:r>
-            <a:r>
-              <a:rPr lang="en-US" sz="6600" b="1" dirty="0" err="1">
-                <a:solidFill>
-                  <a:prstClr val="black"/>
-                </a:solidFill>
-                <a:effectLst>
-                  <a:glow rad="101600">
-                    <a:prstClr val="white">
-                      <a:alpha val="60000"/>
-                    </a:prstClr>
-                  </a:glow>
-                </a:effectLst>
-                <a:latin typeface="VNI-Aptima" pitchFamily="2" charset="0"/>
+                <a:latin typeface="VNI-Times" pitchFamily="2" charset="0"/>
+              </a:rPr>
+              <a:t> </a:t>
+            </a:r>
+            <a:r>
+              <a:rPr lang="en-US" sz="6600" b="1" dirty="0" err="1">
+                <a:solidFill>
+                  <a:prstClr val="black"/>
+                </a:solidFill>
+                <a:effectLst>
+                  <a:glow rad="101600">
+                    <a:prstClr val="white">
+                      <a:alpha val="60000"/>
+                    </a:prstClr>
+                  </a:glow>
+                </a:effectLst>
+                <a:latin typeface="VNI-Times" pitchFamily="2" charset="0"/>
               </a:rPr>
               <a:t>teân</a:t>
             </a:r>
@@ -11885,7 +11719,7 @@
                     </a:prstClr>
                   </a:glow>
                 </a:effectLst>
-                <a:latin typeface="VNI-Aptima" pitchFamily="2" charset="0"/>
+                <a:latin typeface="VNI-Times" pitchFamily="2" charset="0"/>
               </a:rPr>
               <a:t>.</a:t>
             </a:r>
@@ -11941,10 +11775,11 @@
           </a:lstStyle>
           <a:p>
             <a:r>
-              <a:rPr lang="en-US" smtClean="0"/>
+              <a:rPr lang="en-US" dirty="0">
+                <a:latin typeface="VNI-Times" pitchFamily="2" charset="0"/>
+              </a:rPr>
               <a:t>HAÕY ÑEÁM CAÙC PHÖÔÙC CHUÙA BAN</a:t>
             </a:r>
-            <a:endParaRPr lang="en-US" dirty="0"/>
           </a:p>
         </p:txBody>
       </p:sp>
@@ -12013,7 +11848,7 @@
                     </a:prstClr>
                   </a:glow>
                 </a:effectLst>
-                <a:latin typeface="VNI-Aptima" pitchFamily="2" charset="0"/>
+                <a:latin typeface="VNI-Times" pitchFamily="2" charset="0"/>
               </a:rPr>
               <a:t>Haõy</a:t>
             </a:r>
@@ -12029,42 +11864,26 @@
                     </a:prstClr>
                   </a:glow>
                 </a:effectLst>
-                <a:latin typeface="VNI-Aptima" pitchFamily="2" charset="0"/>
-              </a:rPr>
-              <a:t> </a:t>
-            </a:r>
-            <a:r>
-              <a:rPr lang="en-US" sz="6600" b="1" dirty="0" err="1">
-                <a:solidFill>
-                  <a:prstClr val="black"/>
-                </a:solidFill>
-                <a:effectLst>
-                  <a:glow rad="101600">
-                    <a:prstClr val="white">
-                      <a:alpha val="60000"/>
-                    </a:prstClr>
-                  </a:glow>
-                </a:effectLst>
-                <a:latin typeface="VNI-Aptima" pitchFamily="2" charset="0"/>
+                <a:latin typeface="VNI-Times" pitchFamily="2" charset="0"/>
+              </a:rPr>
+              <a:t> </a:t>
+            </a:r>
+            <a:r>
+              <a:rPr lang="en-US" sz="6600" b="1" dirty="0" err="1">
+                <a:solidFill>
+                  <a:prstClr val="black"/>
+                </a:solidFill>
+                <a:effectLst>
+                  <a:glow rad="101600">
+                    <a:prstClr val="white">
+                      <a:alpha val="60000"/>
+                    </a:prstClr>
+                  </a:glow>
+                </a:effectLst>
+                <a:latin typeface="VNI-Times" pitchFamily="2" charset="0"/>
               </a:rPr>
               <a:t>ñeám</a:t>
             </a:r>
-            <a:r>
-              <a:rPr lang="en-US" sz="6600" b="1" dirty="0">
-                <a:solidFill>
-                  <a:prstClr val="black"/>
-                </a:solidFill>
-                <a:effectLst>
-                  <a:glow rad="101600">
-                    <a:prstClr val="white">
-                      <a:alpha val="60000"/>
-                    </a:prstClr>
-                  </a:glow>
-                </a:effectLst>
-                <a:latin typeface="VNI-Aptima" pitchFamily="2" charset="0"/>
-              </a:rPr>
-              <a:t/>
-            </a:r>
             <a:br>
               <a:rPr lang="en-US" sz="6600" b="1" dirty="0">
                 <a:solidFill>
@@ -12077,7 +11896,7 @@
                     </a:prstClr>
                   </a:glow>
                 </a:effectLst>
-                <a:latin typeface="VNI-Aptima" pitchFamily="2" charset="0"/>
+                <a:latin typeface="VNI-Times" pitchFamily="2" charset="0"/>
               </a:rPr>
             </a:br>
             <a:r>
@@ -12092,7 +11911,7 @@
                     </a:prstClr>
                   </a:glow>
                 </a:effectLst>
-                <a:latin typeface="VNI-Aptima" pitchFamily="2" charset="0"/>
+                <a:latin typeface="VNI-Times" pitchFamily="2" charset="0"/>
               </a:rPr>
               <a:t>ôn</a:t>
             </a:r>
@@ -12108,23 +11927,23 @@
                     </a:prstClr>
                   </a:glow>
                 </a:effectLst>
-                <a:latin typeface="VNI-Aptima" pitchFamily="2" charset="0"/>
-              </a:rPr>
-              <a:t> </a:t>
-            </a:r>
-            <a:r>
-              <a:rPr lang="en-US" sz="6600" b="1" dirty="0" err="1">
-                <a:solidFill>
-                  <a:prstClr val="black"/>
-                </a:solidFill>
-                <a:effectLst>
-                  <a:glow rad="101600">
-                    <a:prstClr val="white">
-                      <a:alpha val="60000"/>
-                    </a:prstClr>
-                  </a:glow>
-                </a:effectLst>
-                <a:latin typeface="VNI-Aptima" pitchFamily="2" charset="0"/>
+                <a:latin typeface="VNI-Times" pitchFamily="2" charset="0"/>
+              </a:rPr>
+              <a:t> </a:t>
+            </a:r>
+            <a:r>
+              <a:rPr lang="en-US" sz="6600" b="1" dirty="0" err="1">
+                <a:solidFill>
+                  <a:prstClr val="black"/>
+                </a:solidFill>
+                <a:effectLst>
+                  <a:glow rad="101600">
+                    <a:prstClr val="white">
+                      <a:alpha val="60000"/>
+                    </a:prstClr>
+                  </a:glow>
+                </a:effectLst>
+                <a:latin typeface="VNI-Times" pitchFamily="2" charset="0"/>
               </a:rPr>
               <a:t>treân</a:t>
             </a:r>
@@ -12140,7 +11959,7 @@
                     </a:prstClr>
                   </a:glow>
                 </a:effectLst>
-                <a:latin typeface="VNI-Aptima" pitchFamily="2" charset="0"/>
+                <a:latin typeface="VNI-Times" pitchFamily="2" charset="0"/>
               </a:rPr>
               <a:t>, </a:t>
             </a:r>
@@ -12156,7 +11975,7 @@
                     </a:prstClr>
                   </a:glow>
                 </a:effectLst>
-                <a:latin typeface="VNI-Aptima" pitchFamily="2" charset="0"/>
+                <a:latin typeface="VNI-Times" pitchFamily="2" charset="0"/>
               </a:rPr>
               <a:t>haõy</a:t>
             </a:r>
@@ -12172,7 +11991,7 @@
                     </a:prstClr>
                   </a:glow>
                 </a:effectLst>
-                <a:latin typeface="VNI-Aptima" pitchFamily="2" charset="0"/>
+                <a:latin typeface="VNI-Times" pitchFamily="2" charset="0"/>
               </a:rPr>
               <a:t> </a:t>
             </a:r>
@@ -12188,7 +12007,7 @@
                     </a:prstClr>
                   </a:glow>
                 </a:effectLst>
-                <a:latin typeface="VNI-Aptima" pitchFamily="2" charset="0"/>
+                <a:latin typeface="VNI-Times" pitchFamily="2" charset="0"/>
               </a:rPr>
             </a:br>
             <a:r>
@@ -12203,7 +12022,7 @@
                     </a:prstClr>
                   </a:glow>
                 </a:effectLst>
-                <a:latin typeface="VNI-Aptima" pitchFamily="2" charset="0"/>
+                <a:latin typeface="VNI-Times" pitchFamily="2" charset="0"/>
               </a:rPr>
               <a:t>keå</a:t>
             </a:r>
@@ -12219,23 +12038,23 @@
                     </a:prstClr>
                   </a:glow>
                 </a:effectLst>
-                <a:latin typeface="VNI-Aptima" pitchFamily="2" charset="0"/>
-              </a:rPr>
-              <a:t> </a:t>
-            </a:r>
-            <a:r>
-              <a:rPr lang="en-US" sz="6600" b="1" dirty="0" err="1">
-                <a:solidFill>
-                  <a:prstClr val="black"/>
-                </a:solidFill>
-                <a:effectLst>
-                  <a:glow rad="101600">
-                    <a:prstClr val="white">
-                      <a:alpha val="60000"/>
-                    </a:prstClr>
-                  </a:glow>
-                </a:effectLst>
-                <a:latin typeface="VNI-Aptima" pitchFamily="2" charset="0"/>
+                <a:latin typeface="VNI-Times" pitchFamily="2" charset="0"/>
+              </a:rPr>
+              <a:t> </a:t>
+            </a:r>
+            <a:r>
+              <a:rPr lang="en-US" sz="6600" b="1" dirty="0" err="1">
+                <a:solidFill>
+                  <a:prstClr val="black"/>
+                </a:solidFill>
+                <a:effectLst>
+                  <a:glow rad="101600">
+                    <a:prstClr val="white">
+                      <a:alpha val="60000"/>
+                    </a:prstClr>
+                  </a:glow>
+                </a:effectLst>
+                <a:latin typeface="VNI-Times" pitchFamily="2" charset="0"/>
               </a:rPr>
               <a:t>teân</a:t>
             </a:r>
@@ -12251,23 +12070,23 @@
                     </a:prstClr>
                   </a:glow>
                 </a:effectLst>
-                <a:latin typeface="VNI-Aptima" pitchFamily="2" charset="0"/>
-              </a:rPr>
-              <a:t> </a:t>
-            </a:r>
-            <a:r>
-              <a:rPr lang="en-US" sz="6600" b="1" dirty="0" err="1">
-                <a:solidFill>
-                  <a:prstClr val="black"/>
-                </a:solidFill>
-                <a:effectLst>
-                  <a:glow rad="101600">
-                    <a:prstClr val="white">
-                      <a:alpha val="60000"/>
-                    </a:prstClr>
-                  </a:glow>
-                </a:effectLst>
-                <a:latin typeface="VNI-Aptima" pitchFamily="2" charset="0"/>
+                <a:latin typeface="VNI-Times" pitchFamily="2" charset="0"/>
+              </a:rPr>
+              <a:t> </a:t>
+            </a:r>
+            <a:r>
+              <a:rPr lang="en-US" sz="6600" b="1" dirty="0" err="1">
+                <a:solidFill>
+                  <a:prstClr val="black"/>
+                </a:solidFill>
+                <a:effectLst>
+                  <a:glow rad="101600">
+                    <a:prstClr val="white">
+                      <a:alpha val="60000"/>
+                    </a:prstClr>
+                  </a:glow>
+                </a:effectLst>
+                <a:latin typeface="VNI-Times" pitchFamily="2" charset="0"/>
               </a:rPr>
               <a:t>linh</a:t>
             </a:r>
@@ -12283,23 +12102,23 @@
                     </a:prstClr>
                   </a:glow>
                 </a:effectLst>
-                <a:latin typeface="VNI-Aptima" pitchFamily="2" charset="0"/>
-              </a:rPr>
-              <a:t> </a:t>
-            </a:r>
-            <a:r>
-              <a:rPr lang="en-US" sz="6600" b="1" dirty="0" err="1">
-                <a:solidFill>
-                  <a:prstClr val="black"/>
-                </a:solidFill>
-                <a:effectLst>
-                  <a:glow rad="101600">
-                    <a:prstClr val="white">
-                      <a:alpha val="60000"/>
-                    </a:prstClr>
-                  </a:glow>
-                </a:effectLst>
-                <a:latin typeface="VNI-Aptima" pitchFamily="2" charset="0"/>
+                <a:latin typeface="VNI-Times" pitchFamily="2" charset="0"/>
+              </a:rPr>
+              <a:t> </a:t>
+            </a:r>
+            <a:r>
+              <a:rPr lang="en-US" sz="6600" b="1" dirty="0" err="1">
+                <a:solidFill>
+                  <a:prstClr val="black"/>
+                </a:solidFill>
+                <a:effectLst>
+                  <a:glow rad="101600">
+                    <a:prstClr val="white">
+                      <a:alpha val="60000"/>
+                    </a:prstClr>
+                  </a:glow>
+                </a:effectLst>
+                <a:latin typeface="VNI-Times" pitchFamily="2" charset="0"/>
               </a:rPr>
               <a:t>aân</a:t>
             </a:r>
@@ -12315,7 +12134,7 @@
                     </a:prstClr>
                   </a:glow>
                 </a:effectLst>
-                <a:latin typeface="VNI-Aptima" pitchFamily="2" charset="0"/>
+                <a:latin typeface="VNI-Times" pitchFamily="2" charset="0"/>
               </a:rPr>
               <a:t>!</a:t>
             </a:r>
@@ -12371,10 +12190,11 @@
           </a:lstStyle>
           <a:p>
             <a:r>
-              <a:rPr lang="en-US" smtClean="0"/>
+              <a:rPr lang="en-US" dirty="0">
+                <a:latin typeface="VNI-Times" pitchFamily="2" charset="0"/>
+              </a:rPr>
               <a:t>HAÕY ÑEÁM CAÙC PHÖÔÙC CHUÙA BAN</a:t>
             </a:r>
-            <a:endParaRPr lang="en-US" dirty="0"/>
           </a:p>
         </p:txBody>
       </p:sp>
@@ -12443,7 +12263,7 @@
                     </a:prstClr>
                   </a:glow>
                 </a:effectLst>
-                <a:latin typeface="VNI-Aptima" pitchFamily="2" charset="0"/>
+                <a:latin typeface="VNI-Times" pitchFamily="2" charset="0"/>
               </a:rPr>
               <a:t>Chaéc</a:t>
             </a:r>
@@ -12459,23 +12279,23 @@
                     </a:prstClr>
                   </a:glow>
                 </a:effectLst>
-                <a:latin typeface="VNI-Aptima" pitchFamily="2" charset="0"/>
-              </a:rPr>
-              <a:t> </a:t>
-            </a:r>
-            <a:r>
-              <a:rPr lang="en-US" sz="6600" b="1" dirty="0" err="1">
-                <a:solidFill>
-                  <a:prstClr val="black"/>
-                </a:solidFill>
-                <a:effectLst>
-                  <a:glow rad="101600">
-                    <a:prstClr val="white">
-                      <a:alpha val="60000"/>
-                    </a:prstClr>
-                  </a:glow>
-                </a:effectLst>
-                <a:latin typeface="VNI-Aptima" pitchFamily="2" charset="0"/>
+                <a:latin typeface="VNI-Times" pitchFamily="2" charset="0"/>
+              </a:rPr>
+              <a:t> </a:t>
+            </a:r>
+            <a:r>
+              <a:rPr lang="en-US" sz="6600" b="1" dirty="0" err="1">
+                <a:solidFill>
+                  <a:prstClr val="black"/>
+                </a:solidFill>
+                <a:effectLst>
+                  <a:glow rad="101600">
+                    <a:prstClr val="white">
+                      <a:alpha val="60000"/>
+                    </a:prstClr>
+                  </a:glow>
+                </a:effectLst>
+                <a:latin typeface="VNI-Times" pitchFamily="2" charset="0"/>
               </a:rPr>
               <a:t>chaén</a:t>
             </a:r>
@@ -12491,23 +12311,23 @@
                     </a:prstClr>
                   </a:glow>
                 </a:effectLst>
-                <a:latin typeface="VNI-Aptima" pitchFamily="2" charset="0"/>
-              </a:rPr>
-              <a:t> </a:t>
-            </a:r>
-            <a:r>
-              <a:rPr lang="en-US" sz="6600" b="1" dirty="0" err="1">
-                <a:solidFill>
-                  <a:prstClr val="black"/>
-                </a:solidFill>
-                <a:effectLst>
-                  <a:glow rad="101600">
-                    <a:prstClr val="white">
-                      <a:alpha val="60000"/>
-                    </a:prstClr>
-                  </a:glow>
-                </a:effectLst>
-                <a:latin typeface="VNI-Aptima" pitchFamily="2" charset="0"/>
+                <a:latin typeface="VNI-Times" pitchFamily="2" charset="0"/>
+              </a:rPr>
+              <a:t> </a:t>
+            </a:r>
+            <a:r>
+              <a:rPr lang="en-US" sz="6600" b="1" dirty="0" err="1">
+                <a:solidFill>
+                  <a:prstClr val="black"/>
+                </a:solidFill>
+                <a:effectLst>
+                  <a:glow rad="101600">
+                    <a:prstClr val="white">
+                      <a:alpha val="60000"/>
+                    </a:prstClr>
+                  </a:glow>
+                </a:effectLst>
+                <a:latin typeface="VNI-Times" pitchFamily="2" charset="0"/>
               </a:rPr>
               <a:t>anh</a:t>
             </a:r>
@@ -12523,7 +12343,7 @@
                     </a:prstClr>
                   </a:glow>
                 </a:effectLst>
-                <a:latin typeface="VNI-Aptima" pitchFamily="2" charset="0"/>
+                <a:latin typeface="VNI-Times" pitchFamily="2" charset="0"/>
               </a:rPr>
               <a:t> </a:t>
             </a:r>
@@ -12539,7 +12359,7 @@
                     </a:prstClr>
                   </a:glow>
                 </a:effectLst>
-                <a:latin typeface="VNI-Aptima" pitchFamily="2" charset="0"/>
+                <a:latin typeface="VNI-Times" pitchFamily="2" charset="0"/>
               </a:rPr>
             </a:br>
             <a:r>
@@ -12554,7 +12374,7 @@
                     </a:prstClr>
                   </a:glow>
                 </a:effectLst>
-                <a:latin typeface="VNI-Aptima" pitchFamily="2" charset="0"/>
+                <a:latin typeface="VNI-Times" pitchFamily="2" charset="0"/>
               </a:rPr>
               <a:t>seõ</a:t>
             </a:r>
@@ -12570,23 +12390,23 @@
                     </a:prstClr>
                   </a:glow>
                 </a:effectLst>
-                <a:latin typeface="VNI-Aptima" pitchFamily="2" charset="0"/>
-              </a:rPr>
-              <a:t> </a:t>
-            </a:r>
-            <a:r>
-              <a:rPr lang="en-US" sz="6600" b="1" dirty="0" err="1">
-                <a:solidFill>
-                  <a:prstClr val="black"/>
-                </a:solidFill>
-                <a:effectLst>
-                  <a:glow rad="101600">
-                    <a:prstClr val="white">
-                      <a:alpha val="60000"/>
-                    </a:prstClr>
-                  </a:glow>
-                </a:effectLst>
-                <a:latin typeface="VNI-Aptima" pitchFamily="2" charset="0"/>
+                <a:latin typeface="VNI-Times" pitchFamily="2" charset="0"/>
+              </a:rPr>
+              <a:t> </a:t>
+            </a:r>
+            <a:r>
+              <a:rPr lang="en-US" sz="6600" b="1" dirty="0" err="1">
+                <a:solidFill>
+                  <a:prstClr val="black"/>
+                </a:solidFill>
+                <a:effectLst>
+                  <a:glow rad="101600">
+                    <a:prstClr val="white">
+                      <a:alpha val="60000"/>
+                    </a:prstClr>
+                  </a:glow>
+                </a:effectLst>
+                <a:latin typeface="VNI-Times" pitchFamily="2" charset="0"/>
               </a:rPr>
               <a:t>thaáy</a:t>
             </a:r>
@@ -12602,23 +12422,23 @@
                     </a:prstClr>
                   </a:glow>
                 </a:effectLst>
-                <a:latin typeface="VNI-Aptima" pitchFamily="2" charset="0"/>
-              </a:rPr>
-              <a:t> </a:t>
-            </a:r>
-            <a:r>
-              <a:rPr lang="en-US" sz="6600" b="1" dirty="0" err="1">
-                <a:solidFill>
-                  <a:prstClr val="black"/>
-                </a:solidFill>
-                <a:effectLst>
-                  <a:glow rad="101600">
-                    <a:prstClr val="white">
-                      <a:alpha val="60000"/>
-                    </a:prstClr>
-                  </a:glow>
-                </a:effectLst>
-                <a:latin typeface="VNI-Aptima" pitchFamily="2" charset="0"/>
+                <a:latin typeface="VNI-Times" pitchFamily="2" charset="0"/>
+              </a:rPr>
+              <a:t> </a:t>
+            </a:r>
+            <a:r>
+              <a:rPr lang="en-US" sz="6600" b="1" dirty="0" err="1">
+                <a:solidFill>
+                  <a:prstClr val="black"/>
+                </a:solidFill>
+                <a:effectLst>
+                  <a:glow rad="101600">
+                    <a:prstClr val="white">
+                      <a:alpha val="60000"/>
+                    </a:prstClr>
+                  </a:glow>
+                </a:effectLst>
+                <a:latin typeface="VNI-Times" pitchFamily="2" charset="0"/>
               </a:rPr>
               <a:t>caùc</a:t>
             </a:r>
@@ -12634,23 +12454,23 @@
                     </a:prstClr>
                   </a:glow>
                 </a:effectLst>
-                <a:latin typeface="VNI-Aptima" pitchFamily="2" charset="0"/>
-              </a:rPr>
-              <a:t> </a:t>
-            </a:r>
-            <a:r>
-              <a:rPr lang="en-US" sz="6600" b="1" dirty="0" err="1">
-                <a:solidFill>
-                  <a:prstClr val="black"/>
-                </a:solidFill>
-                <a:effectLst>
-                  <a:glow rad="101600">
-                    <a:prstClr val="white">
-                      <a:alpha val="60000"/>
-                    </a:prstClr>
-                  </a:glow>
-                </a:effectLst>
-                <a:latin typeface="VNI-Aptima" pitchFamily="2" charset="0"/>
+                <a:latin typeface="VNI-Times" pitchFamily="2" charset="0"/>
+              </a:rPr>
+              <a:t> </a:t>
+            </a:r>
+            <a:r>
+              <a:rPr lang="en-US" sz="6600" b="1" dirty="0" err="1">
+                <a:solidFill>
+                  <a:prstClr val="black"/>
+                </a:solidFill>
+                <a:effectLst>
+                  <a:glow rad="101600">
+                    <a:prstClr val="white">
+                      <a:alpha val="60000"/>
+                    </a:prstClr>
+                  </a:glow>
+                </a:effectLst>
+                <a:latin typeface="VNI-Times" pitchFamily="2" charset="0"/>
               </a:rPr>
               <a:t>coâng</a:t>
             </a:r>
@@ -12666,23 +12486,23 @@
                     </a:prstClr>
                   </a:glow>
                 </a:effectLst>
-                <a:latin typeface="VNI-Aptima" pitchFamily="2" charset="0"/>
-              </a:rPr>
-              <a:t> </a:t>
-            </a:r>
-            <a:r>
-              <a:rPr lang="en-US" sz="6600" b="1" dirty="0" err="1">
-                <a:solidFill>
-                  <a:prstClr val="black"/>
-                </a:solidFill>
-                <a:effectLst>
-                  <a:glow rad="101600">
-                    <a:prstClr val="white">
-                      <a:alpha val="60000"/>
-                    </a:prstClr>
-                  </a:glow>
-                </a:effectLst>
-                <a:latin typeface="VNI-Aptima" pitchFamily="2" charset="0"/>
+                <a:latin typeface="VNI-Times" pitchFamily="2" charset="0"/>
+              </a:rPr>
+              <a:t> </a:t>
+            </a:r>
+            <a:r>
+              <a:rPr lang="en-US" sz="6600" b="1" dirty="0" err="1">
+                <a:solidFill>
+                  <a:prstClr val="black"/>
+                </a:solidFill>
+                <a:effectLst>
+                  <a:glow rad="101600">
+                    <a:prstClr val="white">
+                      <a:alpha val="60000"/>
+                    </a:prstClr>
+                  </a:glow>
+                </a:effectLst>
+                <a:latin typeface="VNI-Times" pitchFamily="2" charset="0"/>
               </a:rPr>
               <a:t>taùc</a:t>
             </a:r>
@@ -12698,55 +12518,55 @@
                     </a:prstClr>
                   </a:glow>
                 </a:effectLst>
-                <a:latin typeface="VNI-Aptima" pitchFamily="2" charset="0"/>
-              </a:rPr>
-              <a:t> </a:t>
-            </a:r>
-            <a:r>
-              <a:rPr lang="en-US" sz="6600" b="1">
-                <a:solidFill>
-                  <a:prstClr val="black"/>
-                </a:solidFill>
-                <a:effectLst>
-                  <a:glow rad="101600">
-                    <a:prstClr val="white">
-                      <a:alpha val="60000"/>
-                    </a:prstClr>
-                  </a:glow>
-                </a:effectLst>
-                <a:latin typeface="VNI-Aptima" pitchFamily="2" charset="0"/>
-              </a:rPr>
-              <a:t>Cha </a:t>
-            </a:r>
-            <a:r>
-              <a:rPr lang="en-US" sz="6600" b="1" smtClean="0">
-                <a:solidFill>
-                  <a:prstClr val="black"/>
-                </a:solidFill>
-                <a:effectLst>
-                  <a:glow rad="101600">
-                    <a:prstClr val="white">
-                      <a:alpha val="60000"/>
-                    </a:prstClr>
-                  </a:glow>
-                </a:effectLst>
-                <a:latin typeface="VNI-Aptima" pitchFamily="2" charset="0"/>
-              </a:rPr>
-              <a:t>ñaõ </a:t>
-            </a:r>
-            <a:r>
-              <a:rPr lang="en-US" sz="6600" b="1" dirty="0" err="1">
-                <a:solidFill>
-                  <a:prstClr val="black"/>
-                </a:solidFill>
-                <a:effectLst>
-                  <a:glow rad="101600">
-                    <a:prstClr val="white">
-                      <a:alpha val="60000"/>
-                    </a:prstClr>
-                  </a:glow>
-                </a:effectLst>
-                <a:latin typeface="VNI-Aptima" pitchFamily="2" charset="0"/>
+                <a:latin typeface="VNI-Times" pitchFamily="2" charset="0"/>
+              </a:rPr>
+              <a:t> Cha </a:t>
+            </a:r>
+            <a:r>
+              <a:rPr lang="en-US" sz="6600" b="1" dirty="0" err="1">
+                <a:solidFill>
+                  <a:prstClr val="black"/>
+                </a:solidFill>
+                <a:effectLst>
+                  <a:glow rad="101600">
+                    <a:prstClr val="white">
+                      <a:alpha val="60000"/>
+                    </a:prstClr>
+                  </a:glow>
+                </a:effectLst>
+                <a:latin typeface="VNI-Times" pitchFamily="2" charset="0"/>
+              </a:rPr>
+              <a:t>ñaõ</a:t>
+            </a:r>
+            <a:r>
+              <a:rPr lang="en-US" sz="6600" b="1" dirty="0">
+                <a:solidFill>
+                  <a:prstClr val="black"/>
+                </a:solidFill>
+                <a:effectLst>
+                  <a:glow rad="101600">
+                    <a:prstClr val="white">
+                      <a:alpha val="60000"/>
+                    </a:prstClr>
+                  </a:glow>
+                </a:effectLst>
+                <a:latin typeface="VNI-Times" pitchFamily="2" charset="0"/>
+              </a:rPr>
+              <a:t> </a:t>
+            </a:r>
+            <a:r>
+              <a:rPr lang="en-US" sz="6600" b="1" dirty="0" err="1">
+                <a:solidFill>
+                  <a:prstClr val="black"/>
+                </a:solidFill>
+                <a:effectLst>
+                  <a:glow rad="101600">
+                    <a:prstClr val="white">
+                      <a:alpha val="60000"/>
+                    </a:prstClr>
+                  </a:glow>
+                </a:effectLst>
+                <a:latin typeface="VNI-Times" pitchFamily="2" charset="0"/>
               </a:rPr>
               <a:t>laøm</a:t>
             </a:r>
@@ -12762,7 +12582,7 @@
                     </a:prstClr>
                   </a:glow>
                 </a:effectLst>
-                <a:latin typeface="VNI-Aptima" pitchFamily="2" charset="0"/>
+                <a:latin typeface="VNI-Times" pitchFamily="2" charset="0"/>
               </a:rPr>
               <a:t>.</a:t>
             </a:r>
@@ -12818,10 +12638,11 @@
           </a:lstStyle>
           <a:p>
             <a:r>
-              <a:rPr lang="en-US" smtClean="0"/>
+              <a:rPr lang="en-US" dirty="0">
+                <a:latin typeface="VNI-Times" pitchFamily="2" charset="0"/>
+              </a:rPr>
               <a:t>HAÕY ÑEÁM CAÙC PHÖÔÙC CHUÙA BAN</a:t>
             </a:r>
-            <a:endParaRPr lang="en-US" dirty="0"/>
           </a:p>
         </p:txBody>
       </p:sp>
